--- a/help/data-sheets/assets/StandardSupportDatasheet.pptx
+++ b/help/data-sheets/assets/StandardSupportDatasheet.pptx
@@ -273,30 +273,6 @@
     </pc:docChg>
   </pc:docChgLst>
   <pc:docChgLst>
-    <pc:chgData name="Ankita Sood" userId="S::asood@adobe.com::c93a62e3-2a47-429d-82c6-c2a8fd110ae7" providerId="AD" clId="Web-{50BEA215-43CC-DCCF-058B-AC2C3A37AC06}"/>
-    <pc:docChg chg="modSld">
-      <pc:chgData name="Ankita Sood" userId="S::asood@adobe.com::c93a62e3-2a47-429d-82c6-c2a8fd110ae7" providerId="AD" clId="Web-{50BEA215-43CC-DCCF-058B-AC2C3A37AC06}" dt="2022-01-20T19:40:10.448" v="1"/>
-      <pc:docMkLst>
-        <pc:docMk/>
-      </pc:docMkLst>
-      <pc:sldChg chg="modSp">
-        <pc:chgData name="Ankita Sood" userId="S::asood@adobe.com::c93a62e3-2a47-429d-82c6-c2a8fd110ae7" providerId="AD" clId="Web-{50BEA215-43CC-DCCF-058B-AC2C3A37AC06}" dt="2022-01-20T19:40:10.448" v="1"/>
-        <pc:sldMkLst>
-          <pc:docMk/>
-          <pc:sldMk cId="0" sldId="256"/>
-        </pc:sldMkLst>
-        <pc:graphicFrameChg chg="mod modGraphic">
-          <ac:chgData name="Ankita Sood" userId="S::asood@adobe.com::c93a62e3-2a47-429d-82c6-c2a8fd110ae7" providerId="AD" clId="Web-{50BEA215-43CC-DCCF-058B-AC2C3A37AC06}" dt="2022-01-20T19:40:10.448" v="1"/>
-          <ac:graphicFrameMkLst>
-            <pc:docMk/>
-            <pc:sldMk cId="0" sldId="256"/>
-            <ac:graphicFrameMk id="9" creationId="{00000000-0000-0000-0000-000000000000}"/>
-          </ac:graphicFrameMkLst>
-        </pc:graphicFrameChg>
-      </pc:sldChg>
-    </pc:docChg>
-  </pc:docChgLst>
-  <pc:docChgLst>
     <pc:chgData name="Akilah Johnson" userId="S::akjohnso@adobe.com::2fa3aa60-0c9c-4d06-bae2-795983241227" providerId="AD" clId="Web-{CF46E89E-48FC-BA32-13C5-654DDA452FDC}"/>
     <pc:docChg chg="modSld">
       <pc:chgData name="Akilah Johnson" userId="S::akjohnso@adobe.com::2fa3aa60-0c9c-4d06-bae2-795983241227" providerId="AD" clId="Web-{CF46E89E-48FC-BA32-13C5-654DDA452FDC}" dt="2021-10-12T17:00:50.675" v="21" actId="20577"/>
@@ -371,6 +347,30 @@
             <ac:spMk id="56" creationId="{00000000-0000-0000-0000-000000000000}"/>
           </ac:spMkLst>
         </pc:spChg>
+      </pc:sldChg>
+    </pc:docChg>
+  </pc:docChgLst>
+  <pc:docChgLst>
+    <pc:chgData name="Ankita Sood" userId="S::asood@adobe.com::c93a62e3-2a47-429d-82c6-c2a8fd110ae7" providerId="AD" clId="Web-{50BEA215-43CC-DCCF-058B-AC2C3A37AC06}"/>
+    <pc:docChg chg="modSld">
+      <pc:chgData name="Ankita Sood" userId="S::asood@adobe.com::c93a62e3-2a47-429d-82c6-c2a8fd110ae7" providerId="AD" clId="Web-{50BEA215-43CC-DCCF-058B-AC2C3A37AC06}" dt="2022-01-20T19:40:10.448" v="1"/>
+      <pc:docMkLst>
+        <pc:docMk/>
+      </pc:docMkLst>
+      <pc:sldChg chg="modSp">
+        <pc:chgData name="Ankita Sood" userId="S::asood@adobe.com::c93a62e3-2a47-429d-82c6-c2a8fd110ae7" providerId="AD" clId="Web-{50BEA215-43CC-DCCF-058B-AC2C3A37AC06}" dt="2022-01-20T19:40:10.448" v="1"/>
+        <pc:sldMkLst>
+          <pc:docMk/>
+          <pc:sldMk cId="0" sldId="256"/>
+        </pc:sldMkLst>
+        <pc:graphicFrameChg chg="mod modGraphic">
+          <ac:chgData name="Ankita Sood" userId="S::asood@adobe.com::c93a62e3-2a47-429d-82c6-c2a8fd110ae7" providerId="AD" clId="Web-{50BEA215-43CC-DCCF-058B-AC2C3A37AC06}" dt="2022-01-20T19:40:10.448" v="1"/>
+          <ac:graphicFrameMkLst>
+            <pc:docMk/>
+            <pc:sldMk cId="0" sldId="256"/>
+            <ac:graphicFrameMk id="9" creationId="{00000000-0000-0000-0000-000000000000}"/>
+          </ac:graphicFrameMkLst>
+        </pc:graphicFrameChg>
       </pc:sldChg>
     </pc:docChg>
   </pc:docChgLst>
@@ -515,7 +515,7 @@
           <a:p>
             <a:fld id="{A438815C-EDE5-F947-A55F-7634403F36C4}" type="datetimeFigureOut">
               <a:rPr lang="en-US" smtClean="0"/>
-              <a:t>1/20/2022</a:t>
+              <a:t>2/14/2022</a:t>
             </a:fld>
             <a:endParaRPr lang="en-US"/>
           </a:p>
@@ -1138,7 +1138,7 @@
           <a:p>
             <a:fld id="{1D8BD707-D9CF-40AE-B4C6-C98DA3205C09}" type="datetimeFigureOut">
               <a:rPr lang="en-US"/>
-              <a:t>1/20/2022</a:t>
+              <a:t>2/14/2022</a:t>
             </a:fld>
             <a:endParaRPr lang="en-US"/>
           </a:p>
@@ -1322,7 +1322,7 @@
           <a:p>
             <a:fld id="{1D8BD707-D9CF-40AE-B4C6-C98DA3205C09}" type="datetimeFigureOut">
               <a:rPr lang="en-US"/>
-              <a:t>1/20/2022</a:t>
+              <a:t>2/14/2022</a:t>
             </a:fld>
             <a:endParaRPr lang="en-US"/>
           </a:p>
@@ -1624,7 +1624,7 @@
           <a:p>
             <a:fld id="{1D8BD707-D9CF-40AE-B4C6-C98DA3205C09}" type="datetimeFigureOut">
               <a:rPr lang="en-US"/>
-              <a:t>1/20/2022</a:t>
+              <a:t>2/14/2022</a:t>
             </a:fld>
             <a:endParaRPr lang="en-US"/>
           </a:p>
@@ -1878,8 +1878,8 @@
         </p:nvSpPr>
         <p:spPr>
           <a:xfrm>
-            <a:off x="95250" y="7228840"/>
-            <a:ext cx="2884717" cy="227626"/>
+            <a:off x="95250" y="7315200"/>
+            <a:ext cx="2884717" cy="196849"/>
           </a:xfrm>
           <a:prstGeom prst="rect">
             <a:avLst/>
@@ -1897,7 +1897,7 @@
               </a:spcBef>
             </a:pPr>
             <a:r>
-              <a:rPr sz="1400" b="1" u="heavy" spc="10" dirty="0">
+              <a:rPr lang="pt-BR" sz="1200" b="1" u="heavy">
                 <a:solidFill>
                   <a:srgbClr val="020302"/>
                 </a:solidFill>
@@ -1909,87 +1909,8 @@
                 <a:latin typeface="Adobe Clean"/>
                 <a:cs typeface="Adobe Clean"/>
               </a:rPr>
-              <a:t>Service </a:t>
+              <a:t>Metas de nível de serviço: Resposta inicial</a:t>
             </a:r>
-            <a:r>
-              <a:rPr sz="1400" b="1" u="heavy" spc="-10" dirty="0">
-                <a:solidFill>
-                  <a:srgbClr val="020302"/>
-                </a:solidFill>
-                <a:uFill>
-                  <a:solidFill>
-                    <a:srgbClr val="020302"/>
-                  </a:solidFill>
-                </a:uFill>
-                <a:latin typeface="Adobe Clean"/>
-                <a:cs typeface="Adobe Clean"/>
-              </a:rPr>
-              <a:t>Level </a:t>
-            </a:r>
-            <a:r>
-              <a:rPr sz="1400" b="1" u="heavy" spc="-45" dirty="0">
-                <a:solidFill>
-                  <a:srgbClr val="020302"/>
-                </a:solidFill>
-                <a:uFill>
-                  <a:solidFill>
-                    <a:srgbClr val="020302"/>
-                  </a:solidFill>
-                </a:uFill>
-                <a:latin typeface="Adobe Clean"/>
-                <a:cs typeface="Adobe Clean"/>
-              </a:rPr>
-              <a:t>Targets: </a:t>
-            </a:r>
-            <a:r>
-              <a:rPr sz="1400" b="1" u="heavy" spc="-10" dirty="0">
-                <a:solidFill>
-                  <a:srgbClr val="020302"/>
-                </a:solidFill>
-                <a:uFill>
-                  <a:solidFill>
-                    <a:srgbClr val="020302"/>
-                  </a:solidFill>
-                </a:uFill>
-                <a:latin typeface="Adobe Clean"/>
-                <a:cs typeface="Adobe Clean"/>
-              </a:rPr>
-              <a:t>Initial</a:t>
-            </a:r>
-            <a:r>
-              <a:rPr lang="en-US" sz="1400" b="1" u="heavy" spc="-10" dirty="0">
-                <a:solidFill>
-                  <a:srgbClr val="020302"/>
-                </a:solidFill>
-                <a:uFill>
-                  <a:solidFill>
-                    <a:srgbClr val="020302"/>
-                  </a:solidFill>
-                </a:uFill>
-                <a:latin typeface="Adobe Clean"/>
-                <a:cs typeface="Adobe Clean"/>
-              </a:rPr>
-              <a:t> </a:t>
-            </a:r>
-            <a:r>
-              <a:rPr sz="1400" b="1" u="heavy" spc="-15" dirty="0">
-                <a:solidFill>
-                  <a:srgbClr val="020302"/>
-                </a:solidFill>
-                <a:uFill>
-                  <a:solidFill>
-                    <a:srgbClr val="020302"/>
-                  </a:solidFill>
-                </a:uFill>
-                <a:latin typeface="Adobe Clean"/>
-                <a:cs typeface="Adobe Clean"/>
-              </a:rPr>
-              <a:t>Response</a:t>
-            </a:r>
-            <a:endParaRPr sz="1400" dirty="0">
-              <a:latin typeface="Adobe Clean"/>
-              <a:cs typeface="Adobe Clean"/>
-            </a:endParaRPr>
           </a:p>
         </p:txBody>
       </p:sp>
@@ -2018,7 +1939,7 @@
           <a:bodyPr wrap="square" lIns="0" tIns="0" rIns="0" bIns="0" rtlCol="0"/>
           <a:lstStyle/>
           <a:p>
-            <a:endParaRPr/>
+            <a:endParaRPr sz="1600"/>
           </a:p>
         </p:txBody>
       </p:sp>
@@ -2052,7 +1973,7 @@
               </a:spcBef>
             </a:pPr>
             <a:r>
-              <a:rPr lang="en-US" sz="1200" b="1" dirty="0">
+              <a:rPr lang="pt-BR" sz="1100" b="1" dirty="0">
                 <a:solidFill>
                   <a:schemeClr val="bg1"/>
                 </a:solidFill>
@@ -2060,7 +1981,7 @@
               <a:t>Standard</a:t>
             </a:r>
             <a:r>
-              <a:rPr lang="en-US" sz="1200" dirty="0">
+              <a:rPr lang="pt-BR" sz="1100" dirty="0">
                 <a:solidFill>
                   <a:schemeClr val="bg1"/>
                 </a:solidFill>
@@ -2069,21 +1990,21 @@
               <a:t> | Enterprise | Elite</a:t>
             </a:r>
             <a:br>
-              <a:rPr lang="en-US" sz="900" dirty="0">
+              <a:rPr lang="pt-BR" sz="800" dirty="0">
                 <a:latin typeface="Adobe Clean Light" panose="020B0303020404020204" pitchFamily="34" charset="0"/>
               </a:rPr>
             </a:br>
             <a:r>
-              <a:rPr lang="en-US" sz="900" dirty="0">
+              <a:rPr lang="pt-BR" sz="800" dirty="0">
                 <a:solidFill>
                   <a:schemeClr val="bg1"/>
                 </a:solidFill>
                 <a:latin typeface="Adobe Clean SemiLight"/>
               </a:rPr>
-              <a:t>Adobe provides a comprehensive range of technical resources to help support your business included as part of your Experience Cloud license subscription. Online support includes access to personalized learning paths and monitored community forums via the Adobe Experience League. You can take advantage of our detailed and in-depth technical product documentation and current release notes published on </a:t>
+              <a:t>A Adobe oferece uma ampla gama de recursos técnicos para prestar suporte à sua empresa, incluídos na assinatura da Experience Cloud. O Suporte Online inclui acesso a caminhos de aprendizagem personalizados e a fóruns monitorados da comunidade na Adobe Experience League. Você tem à disposição nossa documentação técnica detalhada e aprofundada do produto e as notas de versão atuais publicadas em </a:t>
             </a:r>
             <a:r>
-              <a:rPr lang="en-US" sz="900" u="sng" dirty="0">
+              <a:rPr lang="pt-BR" sz="800" u="sng" dirty="0">
                 <a:solidFill>
                   <a:schemeClr val="bg1"/>
                 </a:solidFill>
@@ -2099,21 +2020,14 @@
               <a:t>http://www.adobe.com. </a:t>
             </a:r>
             <a:r>
-              <a:rPr lang="en-US" sz="900" dirty="0">
+              <a:rPr lang="pt-BR" sz="800" dirty="0">
                 <a:solidFill>
                   <a:schemeClr val="bg1"/>
                 </a:solidFill>
                 <a:latin typeface="Adobe Clean SemiLight"/>
               </a:rPr>
-              <a:t>Our Online package also includes access to our technical support teams for any critical P1 product issues via telephone to help protect your business at the most critical times as well as providing the ability to log lower priority requests for assistance via support web portal.</a:t>
+              <a:t>O pacote Online inclui acesso às equipes de suporte técnico por telefone para qualquer problema no produto que tenha prioridade P1, para ajudar a proteger a sua empresa nos momentos mais críticos. Você também pode registrar solicitações de prioridade mais baixa no portal de suporte na web.</a:t>
             </a:r>
-            <a:endParaRPr lang="en-US" sz="900" dirty="0">
-              <a:solidFill>
-                <a:schemeClr val="bg1"/>
-              </a:solidFill>
-              <a:latin typeface="Adobe Clean SemiLight"/>
-              <a:cs typeface="AdobeClean-Light"/>
-            </a:endParaRPr>
           </a:p>
         </p:txBody>
       </p:sp>
@@ -2142,7 +2056,7 @@
           <a:bodyPr wrap="square" lIns="0" tIns="0" rIns="0" bIns="0" rtlCol="0"/>
           <a:lstStyle/>
           <a:p>
-            <a:endParaRPr/>
+            <a:endParaRPr sz="1600"/>
           </a:p>
         </p:txBody>
       </p:sp>
@@ -2155,14 +2069,14 @@
           <p:nvPr>
             <p:extLst>
               <p:ext uri="{D42A27DB-BD31-4B8C-83A1-F6EECF244321}">
-                <p14:modId xmlns:p14="http://schemas.microsoft.com/office/powerpoint/2010/main" val="2360421745"/>
+                <p14:modId xmlns:p14="http://schemas.microsoft.com/office/powerpoint/2010/main" val="308908934"/>
               </p:ext>
             </p:extLst>
           </p:nvPr>
         </p:nvGraphicFramePr>
         <p:xfrm>
           <a:off x="0" y="1938946"/>
-          <a:ext cx="7705343" cy="5227197"/>
+          <a:ext cx="7705343" cy="5304403"/>
         </p:xfrm>
         <a:graphic>
           <a:graphicData uri="http://schemas.openxmlformats.org/drawingml/2006/table">
@@ -2178,14 +2092,14 @@
                     </a:ext>
                   </a:extLst>
                 </a:gridCol>
-                <a:gridCol w="2922021">
+                <a:gridCol w="2998221">
                   <a:extLst>
                     <a:ext uri="{9D8B030D-6E8A-4147-A177-3AD203B41FA5}">
                       <a16:colId xmlns:a16="http://schemas.microsoft.com/office/drawing/2014/main" val="20001"/>
                     </a:ext>
                   </a:extLst>
                 </a:gridCol>
-                <a:gridCol w="1219200">
+                <a:gridCol w="1143000">
                   <a:extLst>
                     <a:ext uri="{9D8B030D-6E8A-4147-A177-3AD203B41FA5}">
                       <a16:colId xmlns:a16="http://schemas.microsoft.com/office/drawing/2014/main" val="20002"/>
@@ -2242,29 +2156,15 @@
                         </a:spcBef>
                       </a:pPr>
                       <a:r>
-                        <a:rPr lang="en-US" sz="900" spc="0" dirty="0">
+                        <a:rPr lang="pt-BR" sz="900">
                           <a:solidFill>
                             <a:srgbClr val="404040"/>
                           </a:solidFill>
                           <a:latin typeface="Adobe Clean"/>
                           <a:cs typeface="Adobe Clean"/>
                         </a:rPr>
-                        <a:t>Standard </a:t>
+                        <a:t>Suporte Standard</a:t>
                       </a:r>
-                      <a:r>
-                        <a:rPr sz="900" spc="0" dirty="0">
-                          <a:solidFill>
-                            <a:srgbClr val="404040"/>
-                          </a:solidFill>
-                          <a:latin typeface="Adobe Clean"/>
-                          <a:cs typeface="Adobe Clean"/>
-                        </a:rPr>
-                        <a:t>Support</a:t>
-                      </a:r>
-                      <a:endParaRPr sz="900" spc="0" dirty="0">
-                        <a:latin typeface="Adobe Clean"/>
-                        <a:cs typeface="Adobe Clean"/>
-                      </a:endParaRPr>
                     </a:p>
                   </a:txBody>
                   <a:tcPr marL="0" marR="0" marT="7620" marB="0" anchor="ctr">
@@ -2299,17 +2199,14 @@
                         </a:spcBef>
                       </a:pPr>
                       <a:r>
-                        <a:rPr lang="en-US" sz="900" spc="0" dirty="0">
+                        <a:rPr lang="pt-BR" sz="900">
                           <a:solidFill>
                             <a:srgbClr val="FFFFFF"/>
                           </a:solidFill>
                           <a:latin typeface="Adobe Clean"/>
                         </a:rPr>
-                        <a:t>Enterprise Support</a:t>
+                        <a:t>Suporte Enterprise</a:t>
                       </a:r>
-                      <a:endParaRPr sz="900" spc="0" dirty="0">
-                        <a:latin typeface="Adobe Clean"/>
-                      </a:endParaRPr>
                     </a:p>
                   </a:txBody>
                   <a:tcPr marL="0" marR="0" marT="7620" marB="0" anchor="ctr">
@@ -2350,18 +2247,15 @@
                         </a:spcBef>
                       </a:pPr>
                       <a:r>
-                        <a:rPr lang="en-US" sz="900" spc="0" dirty="0">
+                        <a:rPr lang="pt-BR" sz="900">
                           <a:solidFill>
                             <a:srgbClr val="FFFFFF"/>
                           </a:solidFill>
                           <a:latin typeface="Adobe Clean"/>
                           <a:cs typeface="Adobe Clean"/>
                         </a:rPr>
-                        <a:t>Elite Support</a:t>
+                        <a:t>Suporte Elite</a:t>
                       </a:r>
-                      <a:endParaRPr sz="900" spc="0" dirty="0">
-                        <a:latin typeface="Adobe Clean"/>
-                      </a:endParaRPr>
                     </a:p>
                   </a:txBody>
                   <a:tcPr marL="0" marR="0" marT="7620" marB="0" anchor="ctr">
@@ -2426,7 +2320,7 @@
                     <a:bodyPr/>
                     <a:lstStyle/>
                     <a:p>
-                      <a:pPr marL="255904" marR="248920" indent="-25400">
+                      <a:pPr marL="255904" marR="248920" indent="-25400" algn="l" rtl="0">
                         <a:lnSpc>
                           <a:spcPct val="100000"/>
                         </a:lnSpc>
@@ -2471,7 +2365,7 @@
                     <a:bodyPr/>
                     <a:lstStyle/>
                     <a:p>
-                      <a:pPr marL="934085">
+                      <a:pPr marL="934085" algn="l" rtl="0">
                         <a:lnSpc>
                           <a:spcPct val="100000"/>
                         </a:lnSpc>
@@ -2549,22 +2443,15 @@
                         </a:spcBef>
                       </a:pPr>
                       <a:r>
-                        <a:rPr lang="en-US" sz="1000" b="1" i="0" spc="0" dirty="0">
+                        <a:rPr lang="pt-BR" sz="1000" b="1" i="0">
                           <a:solidFill>
                             <a:schemeClr val="bg1"/>
                           </a:solidFill>
                           <a:latin typeface="Adobe Clean" panose="020B0503020404020204" pitchFamily="34" charset="0"/>
                           <a:cs typeface="AdobeClean-Light"/>
                         </a:rPr>
-                        <a:t>Assigned Experts</a:t>
+                        <a:t>Especialistas atribuídos</a:t>
                       </a:r>
-                      <a:endParaRPr sz="1000" b="1" i="0" spc="0" dirty="0">
-                        <a:solidFill>
-                          <a:schemeClr val="bg1"/>
-                        </a:solidFill>
-                        <a:latin typeface="Adobe Clean" panose="020B0503020404020204" pitchFamily="34" charset="0"/>
-                        <a:cs typeface="AdobeClean-Light"/>
-                      </a:endParaRPr>
                     </a:p>
                   </a:txBody>
                   <a:tcPr marL="0" marR="0" marT="58419" marB="0" anchor="ctr">
@@ -2611,19 +2498,15 @@
                         </a:spcBef>
                       </a:pPr>
                       <a:r>
-                        <a:rPr sz="900" spc="0" dirty="0">
+                        <a:rPr lang="pt-BR" sz="900">
                           <a:solidFill>
                             <a:srgbClr val="020302"/>
                           </a:solidFill>
                           <a:latin typeface="AdobeClean-Light"/>
                           <a:cs typeface="AdobeClean-Light"/>
                         </a:rPr>
-                        <a:t>Account Support Lead</a:t>
+                        <a:t>Líder de suporte da conta</a:t>
                       </a:r>
-                      <a:endParaRPr sz="900" spc="0" dirty="0">
-                        <a:latin typeface="AdobeClean-Light"/>
-                        <a:cs typeface="AdobeClean-Light"/>
-                      </a:endParaRPr>
                     </a:p>
                   </a:txBody>
                   <a:tcPr marL="0" marR="0" marT="58419" marB="0">
@@ -2652,7 +2535,7 @@
                     <a:bodyPr/>
                     <a:lstStyle/>
                     <a:p>
-                      <a:pPr>
+                      <a:pPr algn="l" rtl="0">
                         <a:lnSpc>
                           <a:spcPct val="100000"/>
                         </a:lnSpc>
@@ -2688,7 +2571,7 @@
                     <a:bodyPr/>
                     <a:lstStyle/>
                     <a:p>
-                      <a:pPr algn="ctr">
+                      <a:pPr algn="l" rtl="0">
                         <a:lnSpc>
                           <a:spcPct val="100000"/>
                         </a:lnSpc>
@@ -2716,7 +2599,7 @@
                     <a:bodyPr/>
                     <a:lstStyle/>
                     <a:p>
-                      <a:pPr algn="ctr">
+                      <a:pPr algn="l" rtl="0">
                         <a:lnSpc>
                           <a:spcPct val="100000"/>
                         </a:lnSpc>
@@ -2760,7 +2643,7 @@
                     <a:bodyPr/>
                     <a:lstStyle/>
                     <a:p>
-                      <a:pPr marL="50800">
+                      <a:pPr marL="50800" algn="l" rtl="0">
                         <a:lnSpc>
                           <a:spcPct val="100000"/>
                         </a:lnSpc>
@@ -2806,19 +2689,15 @@
                         </a:spcBef>
                       </a:pPr>
                       <a:r>
-                        <a:rPr sz="900" spc="0" dirty="0">
+                        <a:rPr lang="pt-BR" sz="900" dirty="0">
                           <a:solidFill>
                             <a:srgbClr val="020302"/>
                           </a:solidFill>
                           <a:latin typeface="AdobeClean-Light"/>
                           <a:cs typeface="AdobeClean-Light"/>
                         </a:rPr>
-                        <a:t>Named Support Engineer</a:t>
+                        <a:t>Engenheiro de suporte nomeado</a:t>
                       </a:r>
-                      <a:endParaRPr sz="900" spc="0" dirty="0">
-                        <a:latin typeface="AdobeClean-Light"/>
-                        <a:cs typeface="AdobeClean-Light"/>
-                      </a:endParaRPr>
                     </a:p>
                   </a:txBody>
                   <a:tcPr marL="0" marR="0" marT="58419" marB="0">
@@ -2841,7 +2720,7 @@
                     <a:bodyPr/>
                     <a:lstStyle/>
                     <a:p>
-                      <a:pPr>
+                      <a:pPr algn="l" rtl="0">
                         <a:lnSpc>
                           <a:spcPct val="100000"/>
                         </a:lnSpc>
@@ -2880,7 +2759,7 @@
                         </a:spcBef>
                       </a:pPr>
                       <a:r>
-                        <a:rPr sz="900" spc="0" dirty="0">
+                        <a:rPr lang="pt-BR" sz="900">
                           <a:solidFill>
                             <a:srgbClr val="020302"/>
                           </a:solidFill>
@@ -2888,9 +2767,6 @@
                         </a:rPr>
                         <a:t></a:t>
                       </a:r>
-                      <a:endParaRPr sz="900" spc="0" dirty="0">
-                        <a:latin typeface="Wingdings"/>
-                      </a:endParaRPr>
                     </a:p>
                   </a:txBody>
                   <a:tcPr marL="0" marR="0" marT="0" marB="0"/>
@@ -2909,7 +2785,7 @@
                         </a:spcBef>
                       </a:pPr>
                       <a:r>
-                        <a:rPr lang="en-US" sz="900" spc="0">
+                        <a:rPr lang="pt-BR" sz="900">
                           <a:solidFill>
                             <a:srgbClr val="020302"/>
                           </a:solidFill>
@@ -2918,9 +2794,6 @@
                         </a:rPr>
                         <a:t></a:t>
                       </a:r>
-                      <a:endParaRPr sz="900" spc="0" dirty="0">
-                        <a:latin typeface="Wingdings"/>
-                      </a:endParaRPr>
                     </a:p>
                   </a:txBody>
                   <a:tcPr marL="0" marR="0" marT="59055" marB="0">
@@ -2944,7 +2817,7 @@
                     <a:bodyPr/>
                     <a:lstStyle/>
                     <a:p>
-                      <a:pPr marL="50800">
+                      <a:pPr marL="50800" algn="l" rtl="0">
                         <a:lnSpc>
                           <a:spcPct val="100000"/>
                         </a:lnSpc>
@@ -3002,19 +2875,15 @@
                         </a:spcBef>
                       </a:pPr>
                       <a:r>
-                        <a:rPr sz="900" spc="0" dirty="0">
+                        <a:rPr lang="pt-BR" sz="900">
                           <a:solidFill>
                             <a:srgbClr val="020302"/>
                           </a:solidFill>
                           <a:latin typeface="AdobeClean-Light"/>
                           <a:cs typeface="AdobeClean-Light"/>
                         </a:rPr>
-                        <a:t>Technical Account Manager</a:t>
+                        <a:t>Gerente técnico de conta</a:t>
                       </a:r>
-                      <a:endParaRPr sz="900" spc="0" dirty="0">
-                        <a:latin typeface="AdobeClean-Light"/>
-                        <a:cs typeface="AdobeClean-Light"/>
-                      </a:endParaRPr>
                     </a:p>
                   </a:txBody>
                   <a:tcPr marL="0" marR="0" marT="63500" marB="0">
@@ -3043,7 +2912,7 @@
                     <a:bodyPr/>
                     <a:lstStyle/>
                     <a:p>
-                      <a:pPr>
+                      <a:pPr algn="l" rtl="0">
                         <a:lnSpc>
                           <a:spcPct val="100000"/>
                         </a:lnSpc>
@@ -3079,7 +2948,7 @@
                     <a:bodyPr/>
                     <a:lstStyle/>
                     <a:p>
-                      <a:pPr>
+                      <a:pPr algn="l" rtl="0">
                         <a:lnSpc>
                           <a:spcPct val="100000"/>
                         </a:lnSpc>
@@ -3110,7 +2979,7 @@
                         </a:lnSpc>
                       </a:pPr>
                       <a:r>
-                        <a:rPr lang="en-US" sz="900" spc="0">
+                        <a:rPr lang="pt-BR" sz="900">
                           <a:solidFill>
                             <a:srgbClr val="020302"/>
                           </a:solidFill>
@@ -3119,10 +2988,6 @@
                         </a:rPr>
                         <a:t></a:t>
                       </a:r>
-                      <a:endParaRPr sz="900" spc="0" dirty="0">
-                        <a:latin typeface="Times New Roman"/>
-                        <a:cs typeface="Times New Roman"/>
-                      </a:endParaRPr>
                     </a:p>
                   </a:txBody>
                   <a:tcPr marL="0" marR="0" marT="64135" marB="0">
@@ -3164,22 +3029,15 @@
                         </a:spcBef>
                       </a:pPr>
                       <a:r>
-                        <a:rPr lang="en-US" sz="1000" b="1" i="0" spc="0" dirty="0">
+                        <a:rPr lang="pt-BR" sz="1000" b="1" i="0">
                           <a:solidFill>
                             <a:schemeClr val="bg1"/>
                           </a:solidFill>
                           <a:latin typeface="Adobe Clean" panose="020B0503020404020204" pitchFamily="34" charset="0"/>
                           <a:cs typeface="AdobeClean-Light"/>
                         </a:rPr>
-                        <a:t>Support Services</a:t>
+                        <a:t>Serviços de suporte</a:t>
                       </a:r>
-                      <a:endParaRPr sz="1000" b="1" i="0" spc="0" dirty="0">
-                        <a:solidFill>
-                          <a:schemeClr val="bg1"/>
-                        </a:solidFill>
-                        <a:latin typeface="Adobe Clean" panose="020B0503020404020204" pitchFamily="34" charset="0"/>
-                        <a:cs typeface="AdobeClean-Light"/>
-                      </a:endParaRPr>
                     </a:p>
                   </a:txBody>
                   <a:tcPr marL="0" marR="0" marT="57150" marB="0" anchor="ctr">
@@ -3235,29 +3093,15 @@
                         </a:spcBef>
                       </a:pPr>
                       <a:r>
-                        <a:rPr lang="en-US" sz="900" spc="0" dirty="0">
+                        <a:rPr lang="pt-BR" sz="900">
                           <a:solidFill>
                             <a:srgbClr val="020302"/>
                           </a:solidFill>
                           <a:latin typeface="AdobeClean-Light"/>
                           <a:cs typeface="AdobeClean-Light"/>
                         </a:rPr>
-                        <a:t>Online </a:t>
+                        <a:t>Suporte Online</a:t>
                       </a:r>
-                      <a:r>
-                        <a:rPr sz="900" spc="0" dirty="0">
-                          <a:solidFill>
-                            <a:srgbClr val="020302"/>
-                          </a:solidFill>
-                          <a:latin typeface="AdobeClean-Light"/>
-                          <a:cs typeface="AdobeClean-Light"/>
-                        </a:rPr>
-                        <a:t> Support</a:t>
-                      </a:r>
-                      <a:endParaRPr sz="900" spc="0" dirty="0">
-                        <a:latin typeface="AdobeClean-Light"/>
-                        <a:cs typeface="AdobeClean-Light"/>
-                      </a:endParaRPr>
                     </a:p>
                   </a:txBody>
                   <a:tcPr marL="0" marR="0" marT="57150" marB="0">
@@ -3295,19 +3139,15 @@
                         </a:spcBef>
                       </a:pPr>
                       <a:r>
-                        <a:rPr sz="800" spc="0" dirty="0">
+                        <a:rPr lang="pt-BR" sz="800">
                           <a:solidFill>
                             <a:srgbClr val="020302"/>
                           </a:solidFill>
                           <a:latin typeface="AdobeClean-Light"/>
                           <a:cs typeface="AdobeClean-Light"/>
                         </a:rPr>
-                        <a:t>Business hours</a:t>
+                        <a:t>Horário comercial</a:t>
                       </a:r>
-                      <a:endParaRPr sz="800" spc="0" dirty="0">
-                        <a:latin typeface="AdobeClean-Light"/>
-                        <a:cs typeface="AdobeClean-Light"/>
-                      </a:endParaRPr>
                     </a:p>
                   </a:txBody>
                   <a:tcPr marL="0" marR="0" marT="67945" marB="0">
@@ -3344,7 +3184,7 @@
                         </a:spcBef>
                       </a:pPr>
                       <a:r>
-                        <a:rPr sz="800" spc="0" dirty="0">
+                        <a:rPr lang="pt-BR" sz="800">
                           <a:solidFill>
                             <a:srgbClr val="020302"/>
                           </a:solidFill>
@@ -3352,9 +3192,6 @@
                         </a:rPr>
                         <a:t>24X5</a:t>
                       </a:r>
-                      <a:endParaRPr sz="800" spc="0" dirty="0">
-                        <a:latin typeface="AdobeClean-Light"/>
-                      </a:endParaRPr>
                     </a:p>
                   </a:txBody>
                   <a:tcPr marL="0" marR="0" marT="67945" marB="0">
@@ -3380,7 +3217,7 @@
                         </a:spcBef>
                       </a:pPr>
                       <a:r>
-                        <a:rPr lang="en-US" sz="800" spc="0">
+                        <a:rPr lang="pt-BR" sz="800">
                           <a:solidFill>
                             <a:srgbClr val="020302"/>
                           </a:solidFill>
@@ -3389,9 +3226,6 @@
                         </a:rPr>
                         <a:t>24X5</a:t>
                       </a:r>
-                      <a:endParaRPr sz="800" spc="0" dirty="0">
-                        <a:latin typeface="AdobeClean-Light"/>
-                      </a:endParaRPr>
                     </a:p>
                   </a:txBody>
                   <a:tcPr marL="0" marR="0" marT="67945" marB="0">
@@ -3424,7 +3258,7 @@
                     <a:bodyPr/>
                     <a:lstStyle/>
                     <a:p>
-                      <a:pPr marL="50800">
+                      <a:pPr marL="50800" algn="l" rtl="0">
                         <a:lnSpc>
                           <a:spcPct val="100000"/>
                         </a:lnSpc>
@@ -3473,39 +3307,15 @@
                         </a:spcBef>
                       </a:pPr>
                       <a:r>
-                        <a:rPr sz="900" spc="0" dirty="0">
+                        <a:rPr lang="pt-BR" sz="900">
                           <a:solidFill>
                             <a:srgbClr val="020302"/>
                           </a:solidFill>
                           <a:latin typeface="AdobeClean-Light"/>
                           <a:cs typeface="AdobeClean-Light"/>
                         </a:rPr>
-                        <a:t>24x7</a:t>
+                        <a:t>Suporte 24x7x365 para prioridades P1</a:t>
                       </a:r>
-                      <a:r>
-                        <a:rPr lang="en-US" sz="900" spc="0" dirty="0">
-                          <a:solidFill>
-                            <a:srgbClr val="020302"/>
-                          </a:solidFill>
-                          <a:latin typeface="AdobeClean-Light"/>
-                          <a:cs typeface="AdobeClean-Light"/>
-                        </a:rPr>
-                        <a:t>x365</a:t>
-                      </a:r>
-                      <a:r>
-                        <a:rPr sz="900" spc="0" dirty="0">
-                          <a:solidFill>
-                            <a:srgbClr val="020302"/>
-                          </a:solidFill>
-                          <a:latin typeface="AdobeClean-Light"/>
-                          <a:cs typeface="AdobeClean-Light"/>
-                        </a:rPr>
-                        <a:t> P1 Issue Support</a:t>
-                      </a:r>
-                      <a:endParaRPr sz="900" spc="0" dirty="0">
-                        <a:latin typeface="AdobeClean-Light"/>
-                        <a:cs typeface="AdobeClean-Light"/>
-                      </a:endParaRPr>
                     </a:p>
                   </a:txBody>
                   <a:tcPr marL="0" marR="0" marT="57785" marB="0">
@@ -3537,7 +3347,7 @@
                         </a:spcBef>
                       </a:pPr>
                       <a:r>
-                        <a:rPr sz="900" spc="0" dirty="0">
+                        <a:rPr lang="pt-BR" sz="900">
                           <a:solidFill>
                             <a:srgbClr val="020302"/>
                           </a:solidFill>
@@ -3546,10 +3356,6 @@
                         </a:rPr>
                         <a:t></a:t>
                       </a:r>
-                      <a:endParaRPr sz="900" spc="0">
-                        <a:latin typeface="Wingdings"/>
-                        <a:cs typeface="Wingdings"/>
-                      </a:endParaRPr>
                     </a:p>
                   </a:txBody>
                   <a:tcPr marL="0" marR="0" marT="58419" marB="0">
@@ -3580,7 +3386,7 @@
                         </a:spcBef>
                       </a:pPr>
                       <a:r>
-                        <a:rPr sz="900" spc="0" dirty="0">
+                        <a:rPr lang="pt-BR" sz="900">
                           <a:solidFill>
                             <a:srgbClr val="020302"/>
                           </a:solidFill>
@@ -3588,9 +3394,6 @@
                         </a:rPr>
                         <a:t></a:t>
                       </a:r>
-                      <a:endParaRPr sz="900" spc="0" dirty="0">
-                        <a:latin typeface="Wingdings"/>
-                      </a:endParaRPr>
                     </a:p>
                   </a:txBody>
                   <a:tcPr marL="0" marR="0" marT="58419" marB="0"/>
@@ -3609,7 +3412,7 @@
                         </a:spcBef>
                       </a:pPr>
                       <a:r>
-                        <a:rPr lang="en-US" sz="900" spc="0">
+                        <a:rPr lang="pt-BR" sz="900">
                           <a:solidFill>
                             <a:srgbClr val="020302"/>
                           </a:solidFill>
@@ -3618,9 +3421,6 @@
                         </a:rPr>
                         <a:t></a:t>
                       </a:r>
-                      <a:endParaRPr sz="900" spc="0" dirty="0">
-                        <a:latin typeface="Wingdings"/>
-                      </a:endParaRPr>
                     </a:p>
                   </a:txBody>
                   <a:tcPr marL="0" marR="0" marT="58419" marB="0">
@@ -3644,7 +3444,7 @@
                     <a:bodyPr/>
                     <a:lstStyle/>
                     <a:p>
-                      <a:pPr marL="50800">
+                      <a:pPr marL="50800" algn="l" rtl="0">
                         <a:lnSpc>
                           <a:spcPct val="100000"/>
                         </a:lnSpc>
@@ -3693,19 +3493,15 @@
                         </a:spcBef>
                       </a:pPr>
                       <a:r>
-                        <a:rPr lang="en-US" sz="900" spc="0" dirty="0">
+                        <a:rPr lang="pt-BR" sz="900">
                           <a:solidFill>
                             <a:srgbClr val="020302"/>
                           </a:solidFill>
                           <a:latin typeface="AdobeClean-Light"/>
                           <a:cs typeface="AdobeClean-Light"/>
                         </a:rPr>
-                        <a:t>Named Support Contacts (per product)</a:t>
+                        <a:t>Contatos de suporte nomeados (por produto)</a:t>
                       </a:r>
-                      <a:endParaRPr sz="900" spc="0" dirty="0">
-                        <a:latin typeface="AdobeClean-Light"/>
-                        <a:cs typeface="AdobeClean-Light"/>
-                      </a:endParaRPr>
                     </a:p>
                   </a:txBody>
                   <a:tcPr marL="0" marR="0" marT="57785" marB="0">
@@ -3737,7 +3533,7 @@
                         </a:spcBef>
                       </a:pPr>
                       <a:r>
-                        <a:rPr sz="900" spc="0" dirty="0">
+                        <a:rPr lang="pt-BR" sz="900">
                           <a:solidFill>
                             <a:srgbClr val="020302"/>
                           </a:solidFill>
@@ -3746,10 +3542,6 @@
                         </a:rPr>
                         <a:t>4</a:t>
                       </a:r>
-                      <a:endParaRPr sz="900" spc="0" dirty="0">
-                        <a:latin typeface="AdobeClean-Light"/>
-                        <a:cs typeface="AdobeClean-Light"/>
-                      </a:endParaRPr>
                     </a:p>
                   </a:txBody>
                   <a:tcPr marL="0" marR="0" marT="57785" marB="0">
@@ -3780,7 +3572,7 @@
                         </a:spcBef>
                       </a:pPr>
                       <a:r>
-                        <a:rPr sz="900" spc="0" dirty="0">
+                        <a:rPr lang="pt-BR" sz="900">
                           <a:solidFill>
                             <a:srgbClr val="020302"/>
                           </a:solidFill>
@@ -3788,9 +3580,6 @@
                         </a:rPr>
                         <a:t>10</a:t>
                       </a:r>
-                      <a:endParaRPr sz="900" spc="0" dirty="0">
-                        <a:latin typeface="AdobeClean-Light"/>
-                      </a:endParaRPr>
                     </a:p>
                   </a:txBody>
                   <a:tcPr marL="0" marR="0" marT="57785" marB="0"/>
@@ -3809,7 +3598,7 @@
                         </a:spcBef>
                       </a:pPr>
                       <a:r>
-                        <a:rPr lang="en-US" sz="900" spc="0">
+                        <a:rPr lang="pt-BR" sz="900">
                           <a:solidFill>
                             <a:srgbClr val="020302"/>
                           </a:solidFill>
@@ -3818,9 +3607,6 @@
                         </a:rPr>
                         <a:t>15</a:t>
                       </a:r>
-                      <a:endParaRPr sz="900" spc="0" dirty="0">
-                        <a:latin typeface="AdobeClean-Light"/>
-                      </a:endParaRPr>
                     </a:p>
                   </a:txBody>
                   <a:tcPr marL="0" marR="0" marT="57785" marB="0">
@@ -3844,7 +3630,7 @@
                     <a:bodyPr/>
                     <a:lstStyle/>
                     <a:p>
-                      <a:pPr marL="50800">
+                      <a:pPr marL="50800" algn="l" rtl="0">
                         <a:lnSpc>
                           <a:spcPct val="100000"/>
                         </a:lnSpc>
@@ -3893,19 +3679,15 @@
                         </a:spcBef>
                       </a:pPr>
                       <a:r>
-                        <a:rPr lang="en-US" sz="900" spc="0" dirty="0">
+                        <a:rPr lang="pt-BR" sz="900">
                           <a:solidFill>
                             <a:srgbClr val="020302"/>
                           </a:solidFill>
                           <a:latin typeface="AdobeClean-Light"/>
                           <a:cs typeface="AdobeClean-Light"/>
                         </a:rPr>
-                        <a:t>Live Telephone Support</a:t>
+                        <a:t>Suporte telefônico ao vivo</a:t>
                       </a:r>
-                      <a:endParaRPr sz="900" spc="0" dirty="0">
-                        <a:latin typeface="AdobeClean-Light"/>
-                        <a:cs typeface="AdobeClean-Light"/>
-                      </a:endParaRPr>
                     </a:p>
                   </a:txBody>
                   <a:tcPr marL="0" marR="0" marT="57785" marB="0">
@@ -3928,7 +3710,7 @@
                     <a:bodyPr/>
                     <a:lstStyle/>
                     <a:p>
-                      <a:pPr>
+                      <a:pPr algn="l" rtl="0">
                         <a:lnSpc>
                           <a:spcPct val="100000"/>
                         </a:lnSpc>
@@ -3967,7 +3749,7 @@
                         </a:spcBef>
                       </a:pPr>
                       <a:r>
-                        <a:rPr sz="900" spc="0" dirty="0">
+                        <a:rPr lang="pt-BR" sz="900">
                           <a:solidFill>
                             <a:srgbClr val="020302"/>
                           </a:solidFill>
@@ -3975,9 +3757,6 @@
                         </a:rPr>
                         <a:t></a:t>
                       </a:r>
-                      <a:endParaRPr sz="900" spc="0" dirty="0">
-                        <a:latin typeface="Wingdings"/>
-                      </a:endParaRPr>
                     </a:p>
                   </a:txBody>
                   <a:tcPr marL="0" marR="0" marT="59054" marB="0"/>
@@ -3996,7 +3775,7 @@
                         </a:spcBef>
                       </a:pPr>
                       <a:r>
-                        <a:rPr lang="en-US" sz="900" spc="0">
+                        <a:rPr lang="pt-BR" sz="900">
                           <a:solidFill>
                             <a:srgbClr val="020302"/>
                           </a:solidFill>
@@ -4005,9 +3784,6 @@
                         </a:rPr>
                         <a:t></a:t>
                       </a:r>
-                      <a:endParaRPr sz="900" spc="0" dirty="0">
-                        <a:latin typeface="Wingdings"/>
-                      </a:endParaRPr>
                     </a:p>
                   </a:txBody>
                   <a:tcPr marL="0" marR="0" marT="59054" marB="0">
@@ -4031,7 +3807,7 @@
                     <a:bodyPr/>
                     <a:lstStyle/>
                     <a:p>
-                      <a:pPr marL="50800">
+                      <a:pPr marL="50800" algn="l" rtl="0">
                         <a:lnSpc>
                           <a:spcPct val="100000"/>
                         </a:lnSpc>
@@ -4080,19 +3856,15 @@
                         </a:spcBef>
                       </a:pPr>
                       <a:r>
-                        <a:rPr sz="900" spc="0" dirty="0">
+                        <a:rPr lang="pt-BR" sz="900">
                           <a:solidFill>
                             <a:srgbClr val="020302"/>
                           </a:solidFill>
                           <a:latin typeface="AdobeClean-Light"/>
                           <a:cs typeface="AdobeClean-Light"/>
                         </a:rPr>
-                        <a:t>Escalation Management</a:t>
+                        <a:t>Gestão de encaminhamento</a:t>
                       </a:r>
-                      <a:endParaRPr sz="900" spc="0" dirty="0">
-                        <a:latin typeface="AdobeClean-Light"/>
-                        <a:cs typeface="AdobeClean-Light"/>
-                      </a:endParaRPr>
                     </a:p>
                   </a:txBody>
                   <a:tcPr marL="0" marR="0" marT="58419" marB="0">
@@ -4115,7 +3887,7 @@
                     <a:bodyPr/>
                     <a:lstStyle/>
                     <a:p>
-                      <a:pPr>
+                      <a:pPr algn="l" rtl="0">
                         <a:lnSpc>
                           <a:spcPct val="100000"/>
                         </a:lnSpc>
@@ -4154,7 +3926,7 @@
                         </a:spcBef>
                       </a:pPr>
                       <a:r>
-                        <a:rPr sz="900" spc="0" dirty="0">
+                        <a:rPr lang="pt-BR" sz="900">
                           <a:solidFill>
                             <a:srgbClr val="020302"/>
                           </a:solidFill>
@@ -4162,9 +3934,6 @@
                         </a:rPr>
                         <a:t></a:t>
                       </a:r>
-                      <a:endParaRPr sz="900" spc="0" dirty="0">
-                        <a:latin typeface="Wingdings"/>
-                      </a:endParaRPr>
                     </a:p>
                   </a:txBody>
                   <a:tcPr marL="0" marR="0" marT="59690" marB="0"/>
@@ -4183,7 +3952,7 @@
                         </a:spcBef>
                       </a:pPr>
                       <a:r>
-                        <a:rPr lang="en-US" sz="900" spc="0">
+                        <a:rPr lang="pt-BR" sz="900">
                           <a:solidFill>
                             <a:srgbClr val="020302"/>
                           </a:solidFill>
@@ -4192,9 +3961,6 @@
                         </a:rPr>
                         <a:t></a:t>
                       </a:r>
-                      <a:endParaRPr sz="900" spc="0" dirty="0">
-                        <a:latin typeface="Wingdings"/>
-                      </a:endParaRPr>
                     </a:p>
                   </a:txBody>
                   <a:tcPr marL="0" marR="0" marT="59690" marB="0">
@@ -4218,7 +3984,7 @@
                     <a:bodyPr/>
                     <a:lstStyle/>
                     <a:p>
-                      <a:pPr marL="50800">
+                      <a:pPr marL="50800" algn="l" rtl="0">
                         <a:lnSpc>
                           <a:spcPct val="100000"/>
                         </a:lnSpc>
@@ -4267,19 +4033,15 @@
                         </a:spcBef>
                       </a:pPr>
                       <a:r>
-                        <a:rPr sz="900" spc="0" dirty="0">
+                        <a:rPr lang="pt-BR" sz="900">
                           <a:solidFill>
                             <a:srgbClr val="020302"/>
                           </a:solidFill>
                           <a:latin typeface="AdobeClean-Light"/>
                           <a:cs typeface="AdobeClean-Light"/>
                         </a:rPr>
-                        <a:t>Service Reviews  per Year</a:t>
+                        <a:t>Revisões de serviço por ano</a:t>
                       </a:r>
-                      <a:endParaRPr sz="900" spc="0" dirty="0">
-                        <a:latin typeface="AdobeClean-Light"/>
-                        <a:cs typeface="AdobeClean-Light"/>
-                      </a:endParaRPr>
                     </a:p>
                   </a:txBody>
                   <a:tcPr marL="0" marR="0" marT="57150" marB="0">
@@ -4302,7 +4064,7 @@
                     <a:bodyPr/>
                     <a:lstStyle/>
                     <a:p>
-                      <a:pPr>
+                      <a:pPr algn="l" rtl="0">
                         <a:lnSpc>
                           <a:spcPct val="100000"/>
                         </a:lnSpc>
@@ -4341,7 +4103,7 @@
                         </a:spcBef>
                       </a:pPr>
                       <a:r>
-                        <a:rPr sz="900" spc="0" dirty="0">
+                        <a:rPr lang="pt-BR" sz="900">
                           <a:solidFill>
                             <a:srgbClr val="020302"/>
                           </a:solidFill>
@@ -4349,9 +4111,6 @@
                         </a:rPr>
                         <a:t>2</a:t>
                       </a:r>
-                      <a:endParaRPr sz="900" spc="0" dirty="0">
-                        <a:latin typeface="AdobeClean-Light"/>
-                      </a:endParaRPr>
                     </a:p>
                   </a:txBody>
                   <a:tcPr marL="0" marR="0" marT="0" marB="0"/>
@@ -4370,7 +4129,7 @@
                         </a:spcBef>
                       </a:pPr>
                       <a:r>
-                        <a:rPr lang="en-US" sz="900" spc="0">
+                        <a:rPr lang="pt-BR" sz="900">
                           <a:solidFill>
                             <a:srgbClr val="020302"/>
                           </a:solidFill>
@@ -4379,9 +4138,6 @@
                         </a:rPr>
                         <a:t>4</a:t>
                       </a:r>
-                      <a:endParaRPr sz="900" spc="0" dirty="0">
-                        <a:latin typeface="AdobeClean-Light"/>
-                      </a:endParaRPr>
                     </a:p>
                   </a:txBody>
                   <a:tcPr marL="0" marR="0" marT="57150" marB="0">
@@ -4424,16 +4180,12 @@
                         </a:spcBef>
                       </a:pPr>
                       <a:r>
-                        <a:rPr lang="en-US" sz="900" spc="0" dirty="0">
+                        <a:rPr lang="pt-BR" sz="900">
                           <a:latin typeface="AdobeClean-Light"/>
                           <a:cs typeface="AdobeClean-Light"/>
                         </a:rPr>
-                        <a:t>Expert Sessions per Year</a:t>
+                        <a:t>Sessões de especialistas por ano</a:t>
                       </a:r>
-                      <a:endParaRPr sz="900" spc="0" dirty="0">
-                        <a:latin typeface="AdobeClean-Light"/>
-                        <a:cs typeface="AdobeClean-Light"/>
-                      </a:endParaRPr>
                     </a:p>
                   </a:txBody>
                   <a:tcPr marL="0" marR="0" marT="57150" marB="0">
@@ -4462,7 +4214,7 @@
                     <a:bodyPr/>
                     <a:lstStyle/>
                     <a:p>
-                      <a:pPr>
+                      <a:pPr algn="l" rtl="0">
                         <a:lnSpc>
                           <a:spcPct val="100000"/>
                         </a:lnSpc>
@@ -4504,14 +4256,11 @@
                         </a:spcBef>
                       </a:pPr>
                       <a:r>
-                        <a:rPr lang="en-US" sz="900" spc="0" dirty="0">
+                        <a:rPr lang="pt-BR" sz="900">
                           <a:latin typeface="AdobeClean-Light"/>
                         </a:rPr>
                         <a:t>2</a:t>
                       </a:r>
-                      <a:endParaRPr sz="900" spc="0" dirty="0">
-                        <a:latin typeface="AdobeClean-Light"/>
-                      </a:endParaRPr>
                     </a:p>
                   </a:txBody>
                   <a:tcPr marL="0" marR="0" marT="0" marB="0"/>
@@ -4530,15 +4279,12 @@
                         </a:spcBef>
                       </a:pPr>
                       <a:r>
-                        <a:rPr lang="en-US" sz="900" spc="0">
+                        <a:rPr lang="pt-BR" sz="900">
                           <a:latin typeface="AdobeClean-Light"/>
                           <a:cs typeface="AdobeClean-Light"/>
                         </a:rPr>
                         <a:t>4</a:t>
                       </a:r>
-                      <a:endParaRPr sz="900" spc="0" dirty="0">
-                        <a:latin typeface="AdobeClean-Light"/>
-                      </a:endParaRPr>
                     </a:p>
                   </a:txBody>
                   <a:tcPr marL="0" marR="0" marT="57150" marB="0">
@@ -4581,16 +4327,12 @@
                         </a:spcBef>
                       </a:pPr>
                       <a:r>
-                        <a:rPr lang="en-US" sz="900" spc="0" dirty="0">
+                        <a:rPr lang="pt-BR" sz="900">
                           <a:latin typeface="AdobeClean-Light"/>
                           <a:cs typeface="AdobeClean-Light"/>
                         </a:rPr>
-                        <a:t>Case Reviews</a:t>
+                        <a:t>Revisões de caso</a:t>
                       </a:r>
-                      <a:endParaRPr sz="900" spc="0" dirty="0">
-                        <a:latin typeface="AdobeClean-Light"/>
-                        <a:cs typeface="AdobeClean-Light"/>
-                      </a:endParaRPr>
                     </a:p>
                   </a:txBody>
                   <a:tcPr marL="0" marR="0" marT="57150" marB="0">
@@ -4619,7 +4361,7 @@
                     <a:bodyPr/>
                     <a:lstStyle/>
                     <a:p>
-                      <a:pPr>
+                      <a:pPr algn="l" rtl="0">
                         <a:lnSpc>
                           <a:spcPct val="100000"/>
                         </a:lnSpc>
@@ -4670,7 +4412,7 @@
                         <a:defRPr/>
                       </a:pPr>
                       <a:r>
-                        <a:rPr lang="en-US" sz="900" spc="0" dirty="0">
+                        <a:rPr lang="pt-BR" sz="900">
                           <a:solidFill>
                             <a:srgbClr val="020302"/>
                           </a:solidFill>
@@ -4678,9 +4420,6 @@
                         </a:rPr>
                         <a:t></a:t>
                       </a:r>
-                      <a:endParaRPr lang="en-US" sz="900" spc="0" dirty="0">
-                        <a:latin typeface="Wingdings"/>
-                      </a:endParaRPr>
                     </a:p>
                   </a:txBody>
                   <a:tcPr marL="0" marR="0" marT="0" marB="0"/>
@@ -4708,7 +4447,7 @@
                         <a:defRPr/>
                       </a:pPr>
                       <a:r>
-                        <a:rPr lang="en-US" sz="900" spc="0">
+                        <a:rPr lang="pt-BR" sz="900">
                           <a:solidFill>
                             <a:srgbClr val="020302"/>
                           </a:solidFill>
@@ -4717,9 +4456,6 @@
                         </a:rPr>
                         <a:t></a:t>
                       </a:r>
-                      <a:endParaRPr lang="en-US" sz="900" spc="0" dirty="0">
-                        <a:latin typeface="Wingdings"/>
-                      </a:endParaRPr>
                     </a:p>
                   </a:txBody>
                   <a:tcPr marL="0" marR="0" marT="57150" marB="0">
@@ -4743,7 +4479,7 @@
                     <a:bodyPr/>
                     <a:lstStyle/>
                     <a:p>
-                      <a:pPr marL="48895">
+                      <a:pPr marL="48895" algn="l" rtl="0">
                         <a:lnSpc>
                           <a:spcPct val="100000"/>
                         </a:lnSpc>
@@ -4792,19 +4528,15 @@
                         </a:spcBef>
                       </a:pPr>
                       <a:r>
-                        <a:rPr sz="900" spc="0" dirty="0">
+                        <a:rPr lang="pt-BR" sz="900">
                           <a:solidFill>
                             <a:srgbClr val="020302"/>
                           </a:solidFill>
                           <a:latin typeface="AdobeClean-Light"/>
                           <a:cs typeface="AdobeClean-Light"/>
                         </a:rPr>
-                        <a:t>Event Management</a:t>
+                        <a:t>Gerenciamento de eventos</a:t>
                       </a:r>
-                      <a:endParaRPr sz="900" spc="0" dirty="0">
-                        <a:latin typeface="AdobeClean-Light"/>
-                        <a:cs typeface="AdobeClean-Light"/>
-                      </a:endParaRPr>
                     </a:p>
                   </a:txBody>
                   <a:tcPr marL="0" marR="0" marT="58419" marB="0">
@@ -4827,7 +4559,7 @@
                     <a:bodyPr/>
                     <a:lstStyle/>
                     <a:p>
-                      <a:pPr>
+                      <a:pPr algn="l" rtl="0">
                         <a:lnSpc>
                           <a:spcPct val="100000"/>
                         </a:lnSpc>
@@ -4857,7 +4589,7 @@
                     <a:bodyPr/>
                     <a:lstStyle/>
                     <a:p>
-                      <a:pPr>
+                      <a:pPr algn="l" rtl="0">
                         <a:lnSpc>
                           <a:spcPct val="100000"/>
                         </a:lnSpc>
@@ -4881,7 +4613,7 @@
                         </a:lnSpc>
                       </a:pPr>
                       <a:r>
-                        <a:rPr lang="en-US" sz="900" spc="0">
+                        <a:rPr lang="pt-BR" sz="900">
                           <a:solidFill>
                             <a:srgbClr val="020302"/>
                           </a:solidFill>
@@ -4890,10 +4622,6 @@
                         </a:rPr>
                         <a:t></a:t>
                       </a:r>
-                      <a:endParaRPr sz="900" spc="0" dirty="0">
-                        <a:latin typeface="Times New Roman"/>
-                        <a:cs typeface="Times New Roman"/>
-                      </a:endParaRPr>
                     </a:p>
                   </a:txBody>
                   <a:tcPr marL="0" marR="0" marT="59055" marB="0">
@@ -4917,7 +4645,7 @@
                     <a:bodyPr/>
                     <a:lstStyle/>
                     <a:p>
-                      <a:pPr marL="48895">
+                      <a:pPr marL="48895" algn="l" rtl="0">
                         <a:lnSpc>
                           <a:spcPct val="100000"/>
                         </a:lnSpc>
@@ -4975,34 +4703,14 @@
                         </a:spcBef>
                       </a:pPr>
                       <a:r>
-                        <a:rPr sz="900" spc="0" dirty="0">
+                        <a:rPr lang="pt-BR" sz="900">
                           <a:solidFill>
                             <a:srgbClr val="020302"/>
                           </a:solidFill>
                           <a:latin typeface="AdobeClean-Light"/>
                           <a:cs typeface="AdobeClean-Light"/>
                         </a:rPr>
-                        <a:t>Environment</a:t>
-                      </a:r>
-                      <a:r>
-                        <a:rPr lang="en-US" sz="900" spc="0" dirty="0">
-                          <a:solidFill>
-                            <a:srgbClr val="020302"/>
-                          </a:solidFill>
-                          <a:latin typeface="AdobeClean-Light"/>
-                          <a:cs typeface="AdobeClean-Light"/>
-                        </a:rPr>
-                        <a:t> </a:t>
-                      </a:r>
-                      <a:r>
-                        <a:rPr sz="900" spc="0" dirty="0">
-                          <a:solidFill>
-                            <a:srgbClr val="020302"/>
-                          </a:solidFill>
-                          <a:latin typeface="AdobeClean-Light"/>
-                          <a:cs typeface="AdobeClean-Light"/>
-                        </a:rPr>
-                        <a:t>Review, Maintenance &amp; Monitoring</a:t>
+                        <a:t>Revisão, manutenção e monitoramento do ambiente</a:t>
                       </a:r>
                     </a:p>
                   </a:txBody>
@@ -5032,7 +4740,7 @@
                     <a:bodyPr/>
                     <a:lstStyle/>
                     <a:p>
-                      <a:pPr>
+                      <a:pPr algn="l" rtl="0">
                         <a:lnSpc>
                           <a:spcPct val="100000"/>
                         </a:lnSpc>
@@ -5065,7 +4773,7 @@
                     <a:bodyPr/>
                     <a:lstStyle/>
                     <a:p>
-                      <a:pPr>
+                      <a:pPr algn="l" rtl="0">
                         <a:lnSpc>
                           <a:spcPct val="100000"/>
                         </a:lnSpc>
@@ -5089,7 +4797,7 @@
                         </a:lnSpc>
                       </a:pPr>
                       <a:r>
-                        <a:rPr lang="en-US" sz="900" spc="0">
+                        <a:rPr lang="pt-BR" sz="900">
                           <a:solidFill>
                             <a:srgbClr val="020302"/>
                           </a:solidFill>
@@ -5098,10 +4806,6 @@
                         </a:rPr>
                         <a:t></a:t>
                       </a:r>
-                      <a:endParaRPr sz="900" spc="0" dirty="0">
-                        <a:latin typeface="Times New Roman"/>
-                        <a:cs typeface="Times New Roman"/>
-                      </a:endParaRPr>
                     </a:p>
                   </a:txBody>
                   <a:tcPr marL="0" marR="0" marT="60325" marB="0">
@@ -5125,7 +4829,7 @@
                     <a:bodyPr/>
                     <a:lstStyle/>
                     <a:p>
-                      <a:pPr marL="49530">
+                      <a:pPr marL="49530" algn="l" rtl="0">
                         <a:lnSpc>
                           <a:spcPct val="100000"/>
                         </a:lnSpc>
@@ -5174,19 +4878,15 @@
                         </a:spcBef>
                       </a:pPr>
                       <a:r>
-                        <a:rPr sz="900" spc="0" dirty="0">
+                        <a:rPr lang="pt-BR" sz="900">
                           <a:solidFill>
                             <a:srgbClr val="020302"/>
                           </a:solidFill>
                           <a:latin typeface="AdobeClean-Light"/>
                           <a:cs typeface="AdobeClean-Light"/>
                         </a:rPr>
-                        <a:t>Release, Migration, Upgrade &amp; Product Roadmap Review</a:t>
+                        <a:t>Revisão de versão, migração, atualização e roteiro de produtos</a:t>
                       </a:r>
-                      <a:endParaRPr sz="900" spc="0" dirty="0">
-                        <a:latin typeface="AdobeClean-Light"/>
-                        <a:cs typeface="AdobeClean-Light"/>
-                      </a:endParaRPr>
                     </a:p>
                   </a:txBody>
                   <a:tcPr marL="0" marR="0" marT="63500" marB="0">
@@ -5209,7 +4909,7 @@
                     <a:bodyPr/>
                     <a:lstStyle/>
                     <a:p>
-                      <a:pPr>
+                      <a:pPr algn="l" rtl="0">
                         <a:lnSpc>
                           <a:spcPct val="100000"/>
                         </a:lnSpc>
@@ -5239,7 +4939,7 @@
                     <a:bodyPr/>
                     <a:lstStyle/>
                     <a:p>
-                      <a:pPr>
+                      <a:pPr algn="l" rtl="0">
                         <a:lnSpc>
                           <a:spcPct val="100000"/>
                         </a:lnSpc>
@@ -5263,7 +4963,7 @@
                         </a:lnSpc>
                       </a:pPr>
                       <a:r>
-                        <a:rPr lang="en-US" sz="900" spc="0">
+                        <a:rPr lang="pt-BR" sz="900">
                           <a:solidFill>
                             <a:srgbClr val="020302"/>
                           </a:solidFill>
@@ -5272,10 +4972,6 @@
                         </a:rPr>
                         <a:t></a:t>
                       </a:r>
-                      <a:endParaRPr sz="900" spc="0" dirty="0">
-                        <a:latin typeface="Times New Roman"/>
-                        <a:cs typeface="Times New Roman"/>
-                      </a:endParaRPr>
                     </a:p>
                   </a:txBody>
                   <a:tcPr marL="0" marR="0" marT="64135" marB="0">
@@ -5299,7 +4995,7 @@
                     <a:bodyPr/>
                     <a:lstStyle/>
                     <a:p>
-                      <a:pPr marL="49530">
+                      <a:pPr marL="49530" algn="l" rtl="0">
                         <a:lnSpc>
                           <a:spcPct val="100000"/>
                         </a:lnSpc>
@@ -5357,11 +5053,11 @@
                         </a:spcBef>
                       </a:pPr>
                       <a:r>
-                        <a:rPr sz="900" spc="0" dirty="0">
+                        <a:rPr lang="pt-BR" sz="900" dirty="0">
                           <a:latin typeface="AdobeClean-Light"/>
                           <a:cs typeface="AdobeClean-Light"/>
                         </a:rPr>
-                        <a:t>Cloud Support Activities – Experience Manager as Cloud</a:t>
+                        <a:t>Atividades de suporte na nuvem — Experience Manager as Cloud</a:t>
                       </a:r>
                     </a:p>
                   </a:txBody>
@@ -5391,7 +5087,7 @@
                     <a:bodyPr/>
                     <a:lstStyle/>
                     <a:p>
-                      <a:pPr>
+                      <a:pPr algn="l" rtl="0">
                         <a:lnSpc>
                           <a:spcPct val="100000"/>
                         </a:lnSpc>
@@ -5436,7 +5132,7 @@
                         </a:spcBef>
                       </a:pPr>
                       <a:r>
-                        <a:rPr sz="900" spc="0" dirty="0">
+                        <a:rPr lang="pt-BR" sz="900">
                           <a:solidFill>
                             <a:srgbClr val="020302"/>
                           </a:solidFill>
@@ -5444,9 +5140,6 @@
                         </a:rPr>
                         <a:t></a:t>
                       </a:r>
-                      <a:endParaRPr sz="900" spc="0" dirty="0">
-                        <a:latin typeface="Wingdings"/>
-                      </a:endParaRPr>
                     </a:p>
                   </a:txBody>
                   <a:tcPr marL="0" marR="0" marT="0" marB="0">
@@ -5472,7 +5165,7 @@
                         </a:spcBef>
                       </a:pPr>
                       <a:r>
-                        <a:rPr lang="en-US" sz="900" spc="0">
+                        <a:rPr lang="pt-BR" sz="900">
                           <a:solidFill>
                             <a:srgbClr val="020302"/>
                           </a:solidFill>
@@ -5481,9 +5174,6 @@
                         </a:rPr>
                         <a:t></a:t>
                       </a:r>
-                      <a:endParaRPr sz="900" spc="0" dirty="0">
-                        <a:latin typeface="Wingdings"/>
-                      </a:endParaRPr>
                     </a:p>
                   </a:txBody>
                   <a:tcPr marL="0" marR="0" marT="62230" marB="0">
@@ -5525,22 +5215,15 @@
                         </a:spcBef>
                       </a:pPr>
                       <a:r>
-                        <a:rPr lang="en-US" sz="1000" b="1" i="0" spc="0" dirty="0">
+                        <a:rPr lang="pt-BR" sz="1000" b="1" i="0">
                           <a:solidFill>
                             <a:schemeClr val="bg1"/>
                           </a:solidFill>
                           <a:latin typeface="Adobe Clean" panose="020B0503020404020204" pitchFamily="34" charset="0"/>
                           <a:cs typeface="AdobeClean-Light"/>
                         </a:rPr>
-                        <a:t>Field Services</a:t>
+                        <a:t>Serviços de campo</a:t>
                       </a:r>
-                      <a:endParaRPr sz="1000" b="1" i="0" spc="0" dirty="0">
-                        <a:solidFill>
-                          <a:schemeClr val="bg1"/>
-                        </a:solidFill>
-                        <a:latin typeface="Adobe Clean" panose="020B0503020404020204" pitchFamily="34" charset="0"/>
-                        <a:cs typeface="AdobeClean-Light"/>
-                      </a:endParaRPr>
                     </a:p>
                   </a:txBody>
                   <a:tcPr marL="0" marR="0" marT="48260" marB="0" anchor="ctr">
@@ -5593,39 +5276,15 @@
                         </a:spcBef>
                       </a:pPr>
                       <a:r>
-                        <a:rPr sz="900" spc="0" dirty="0">
+                        <a:rPr lang="pt-BR" sz="900">
                           <a:solidFill>
                             <a:srgbClr val="020302"/>
                           </a:solidFill>
                           <a:latin typeface="AdobeClean-Light"/>
                           <a:cs typeface="AdobeClean-Light"/>
                         </a:rPr>
-                        <a:t>Launch Advisory Services – First Year of </a:t>
+                        <a:t>Launch Advisory Services — primeiro ano da nova solução</a:t>
                       </a:r>
-                      <a:r>
-                        <a:rPr lang="en-US" sz="900" spc="0" dirty="0">
-                          <a:solidFill>
-                            <a:srgbClr val="020302"/>
-                          </a:solidFill>
-                          <a:latin typeface="AdobeClean-Light"/>
-                          <a:cs typeface="AdobeClean-Light"/>
-                        </a:rPr>
-                        <a:t>a </a:t>
-                      </a:r>
-                      <a:r>
-                        <a:rPr sz="900" spc="0" dirty="0">
-                          <a:solidFill>
-                            <a:srgbClr val="020302"/>
-                          </a:solidFill>
-                          <a:latin typeface="AdobeClean-Light"/>
-                          <a:cs typeface="AdobeClean-Light"/>
-                        </a:rPr>
-                        <a:t>new solution</a:t>
-                      </a:r>
-                      <a:endParaRPr sz="900" spc="0" dirty="0">
-                        <a:latin typeface="AdobeClean-Light"/>
-                        <a:cs typeface="AdobeClean-Light"/>
-                      </a:endParaRPr>
                     </a:p>
                     <a:p>
                       <a:pPr marL="48260">
@@ -5637,11 +5296,11 @@
                         </a:spcBef>
                       </a:pPr>
                       <a:r>
-                        <a:rPr sz="900" spc="0" dirty="0">
+                        <a:rPr lang="pt-BR" sz="900">
                           <a:latin typeface="AdobeClean-Light"/>
                           <a:cs typeface="AdobeClean-Light"/>
                         </a:rPr>
-                        <a:t>Field Service Activities</a:t>
+                        <a:t>Atividades de serviço de campo</a:t>
                       </a:r>
                     </a:p>
                   </a:txBody>
@@ -5677,7 +5336,7 @@
                     <a:bodyPr/>
                     <a:lstStyle/>
                     <a:p>
-                      <a:pPr>
+                      <a:pPr algn="l" rtl="0">
                         <a:lnSpc>
                           <a:spcPct val="100000"/>
                         </a:lnSpc>
@@ -5722,7 +5381,7 @@
                         </a:spcBef>
                       </a:pPr>
                       <a:r>
-                        <a:rPr sz="900" spc="0" dirty="0">
+                        <a:rPr lang="pt-BR" sz="900">
                           <a:solidFill>
                             <a:srgbClr val="020302"/>
                           </a:solidFill>
@@ -5730,9 +5389,6 @@
                         </a:rPr>
                         <a:t></a:t>
                       </a:r>
-                      <a:endParaRPr sz="900" spc="0" dirty="0">
-                        <a:latin typeface="Wingdings"/>
-                      </a:endParaRPr>
                     </a:p>
                   </a:txBody>
                   <a:tcPr marL="0" marR="0" marT="0" marB="0">
@@ -5758,7 +5414,7 @@
                         </a:spcBef>
                       </a:pPr>
                       <a:r>
-                        <a:rPr lang="en-US" sz="900" spc="0">
+                        <a:rPr lang="pt-BR" sz="900">
                           <a:solidFill>
                             <a:srgbClr val="020302"/>
                           </a:solidFill>
@@ -5767,9 +5423,6 @@
                         </a:rPr>
                         <a:t></a:t>
                       </a:r>
-                      <a:endParaRPr sz="900" spc="0" dirty="0">
-                        <a:latin typeface="Wingdings"/>
-                      </a:endParaRPr>
                     </a:p>
                   </a:txBody>
                   <a:tcPr marL="0" marR="0" marT="56515" marB="0">
@@ -5847,7 +5500,7 @@
                     <a:bodyPr/>
                     <a:lstStyle/>
                     <a:p>
-                      <a:pPr>
+                      <a:pPr algn="l" rtl="0">
                         <a:lnSpc>
                           <a:spcPct val="100000"/>
                         </a:lnSpc>
@@ -5892,7 +5545,7 @@
                         </a:spcBef>
                       </a:pPr>
                       <a:r>
-                        <a:rPr sz="900" spc="0" dirty="0">
+                        <a:rPr lang="pt-BR" sz="900">
                           <a:solidFill>
                             <a:srgbClr val="020302"/>
                           </a:solidFill>
@@ -5900,9 +5553,6 @@
                         </a:rPr>
                         <a:t>2</a:t>
                       </a:r>
-                      <a:endParaRPr sz="900" spc="0" dirty="0">
-                        <a:latin typeface="AdobeClean-Light"/>
-                      </a:endParaRPr>
                     </a:p>
                   </a:txBody>
                   <a:tcPr marL="0" marR="0" marT="0" marB="0">
@@ -5928,7 +5578,7 @@
                         </a:spcBef>
                       </a:pPr>
                       <a:r>
-                        <a:rPr lang="en-US" sz="900" spc="0" dirty="0">
+                        <a:rPr lang="pt-BR" sz="900" dirty="0">
                           <a:solidFill>
                             <a:srgbClr val="020302"/>
                           </a:solidFill>
@@ -5937,9 +5587,6 @@
                         </a:rPr>
                         <a:t>4</a:t>
                       </a:r>
-                      <a:endParaRPr sz="900" spc="0" dirty="0">
-                        <a:latin typeface="AdobeClean-Light"/>
-                      </a:endParaRPr>
                     </a:p>
                   </a:txBody>
                   <a:tcPr marL="0" marR="0" marT="50800" marB="0">
@@ -5980,7 +5627,7 @@
         <p:spPr>
           <a:xfrm>
             <a:off x="5307201" y="9862966"/>
-            <a:ext cx="2270125" cy="132729"/>
+            <a:ext cx="2270125" cy="117340"/>
           </a:xfrm>
           <a:prstGeom prst="rect">
             <a:avLst/>
@@ -6001,24 +5648,8 @@
               </a:spcBef>
             </a:pPr>
             <a:r>
-              <a:rPr spc="-5" dirty="0"/>
-              <a:t>©202</a:t>
-            </a:r>
-            <a:r>
-              <a:rPr lang="en-US" spc="-5" dirty="0"/>
-              <a:t>1</a:t>
-            </a:r>
-            <a:r>
-              <a:rPr spc="-5" dirty="0"/>
-              <a:t> Adobe. All Rights Reserved. Adobe</a:t>
-            </a:r>
-            <a:r>
-              <a:rPr spc="60" dirty="0"/>
-              <a:t> </a:t>
-            </a:r>
-            <a:r>
-              <a:rPr spc="-5" dirty="0"/>
-              <a:t>Confidential.</a:t>
+              <a:rPr lang="pt-BR" sz="700"/>
+              <a:t>©2021 Adobe. All Rights Reserved. Adobe Confidential.</a:t>
             </a:r>
           </a:p>
         </p:txBody>
@@ -6032,14 +5663,14 @@
           <p:nvPr>
             <p:extLst>
               <p:ext uri="{D42A27DB-BD31-4B8C-83A1-F6EECF244321}">
-                <p14:modId xmlns:p14="http://schemas.microsoft.com/office/powerpoint/2010/main" val="3124525812"/>
+                <p14:modId xmlns:p14="http://schemas.microsoft.com/office/powerpoint/2010/main" val="4169314047"/>
               </p:ext>
             </p:extLst>
           </p:nvPr>
         </p:nvGraphicFramePr>
         <p:xfrm>
-          <a:off x="33527" y="7483227"/>
-          <a:ext cx="7671815" cy="2172787"/>
+          <a:off x="33527" y="7569587"/>
+          <a:ext cx="7671815" cy="2256991"/>
         </p:xfrm>
         <a:graphic>
           <a:graphicData uri="http://schemas.openxmlformats.org/drawingml/2006/table">
@@ -6048,14 +5679,14 @@
                 <a:tableStyleId>{2D5ABB26-0587-4C30-8999-92F81FD0307C}</a:tableStyleId>
               </a:tblPr>
               <a:tblGrid>
-                <a:gridCol w="4081273">
+                <a:gridCol w="4157473">
                   <a:extLst>
                     <a:ext uri="{9D8B030D-6E8A-4147-A177-3AD203B41FA5}">
                       <a16:colId xmlns:a16="http://schemas.microsoft.com/office/drawing/2014/main" val="20000"/>
                     </a:ext>
                   </a:extLst>
                 </a:gridCol>
-                <a:gridCol w="1219200">
+                <a:gridCol w="1143000">
                   <a:extLst>
                     <a:ext uri="{9D8B030D-6E8A-4147-A177-3AD203B41FA5}">
                       <a16:colId xmlns:a16="http://schemas.microsoft.com/office/drawing/2014/main" val="20001"/>
@@ -6092,19 +5723,15 @@
                         </a:spcBef>
                       </a:pPr>
                       <a:r>
-                        <a:rPr sz="900" spc="0" dirty="0">
+                        <a:rPr lang="pt-BR" sz="900">
                           <a:solidFill>
                             <a:srgbClr val="020302"/>
                           </a:solidFill>
                           <a:latin typeface="Adobe Clean"/>
                           <a:cs typeface="Adobe Clean"/>
                         </a:rPr>
-                        <a:t>Priority</a:t>
+                        <a:t>Prioridade</a:t>
                       </a:r>
-                      <a:endParaRPr sz="900" spc="0" dirty="0">
-                        <a:latin typeface="Adobe Clean"/>
-                        <a:cs typeface="Adobe Clean"/>
-                      </a:endParaRPr>
                     </a:p>
                   </a:txBody>
                   <a:tcPr marL="0" marR="0" marT="7620" marB="0" anchor="ctr">
@@ -6151,29 +5778,15 @@
                         </a:spcBef>
                       </a:pPr>
                       <a:r>
-                        <a:rPr lang="en-US" sz="900" spc="0" dirty="0">
+                        <a:rPr lang="pt-BR" sz="900">
                           <a:solidFill>
                             <a:srgbClr val="020302"/>
                           </a:solidFill>
                           <a:latin typeface="Adobe Clean"/>
                           <a:cs typeface="Adobe Clean"/>
                         </a:rPr>
-                        <a:t>Standard  </a:t>
+                        <a:t>Suporte Standard</a:t>
                       </a:r>
-                      <a:r>
-                        <a:rPr sz="900" spc="0" dirty="0">
-                          <a:solidFill>
-                            <a:srgbClr val="020302"/>
-                          </a:solidFill>
-                          <a:latin typeface="Adobe Clean"/>
-                          <a:cs typeface="Adobe Clean"/>
-                        </a:rPr>
-                        <a:t>Support</a:t>
-                      </a:r>
-                      <a:endParaRPr sz="900" spc="0" dirty="0">
-                        <a:latin typeface="Adobe Clean"/>
-                        <a:cs typeface="Adobe Clean"/>
-                      </a:endParaRPr>
                     </a:p>
                   </a:txBody>
                   <a:tcPr marL="0" marR="0" marT="0" marB="0" anchor="ctr">
@@ -6223,39 +5836,15 @@
                         </a:spcBef>
                       </a:pPr>
                       <a:r>
-                        <a:rPr sz="900" spc="0" dirty="0">
+                        <a:rPr lang="pt-BR" sz="900">
                           <a:solidFill>
                             <a:srgbClr val="FFFFFF"/>
                           </a:solidFill>
                           <a:latin typeface="Adobe Clean"/>
                           <a:cs typeface="Adobe Clean"/>
                         </a:rPr>
-                        <a:t>Enterprise </a:t>
+                        <a:t>Suporte Enterprise</a:t>
                       </a:r>
-                      <a:r>
-                        <a:rPr lang="en-US" sz="900" spc="0" dirty="0">
-                          <a:solidFill>
-                            <a:srgbClr val="FFFFFF"/>
-                          </a:solidFill>
-                          <a:latin typeface="Adobe Clean"/>
-                          <a:cs typeface="Adobe Clean"/>
-                        </a:rPr>
-                        <a:t> </a:t>
-                      </a:r>
-                      <a:r>
-                        <a:rPr sz="900" spc="0" dirty="0">
-                          <a:solidFill>
-                            <a:srgbClr val="FFFFFF"/>
-                          </a:solidFill>
-                          <a:latin typeface="Adobe Clean"/>
-                          <a:cs typeface="Adobe Clean"/>
-                        </a:rPr>
-                        <a:t>Support</a:t>
-                      </a:r>
-                      <a:endParaRPr sz="900" spc="0" dirty="0">
-                        <a:latin typeface="Adobe Clean"/>
-                        <a:cs typeface="Adobe Clean"/>
-                      </a:endParaRPr>
                     </a:p>
                   </a:txBody>
                   <a:tcPr marL="0" marR="0" marT="0" marB="0" anchor="ctr">
@@ -6308,39 +5897,15 @@
                         </a:spcBef>
                       </a:pPr>
                       <a:r>
-                        <a:rPr sz="900" spc="0" dirty="0">
+                        <a:rPr lang="pt-BR" sz="900">
                           <a:solidFill>
                             <a:srgbClr val="FFFFFF"/>
                           </a:solidFill>
                           <a:latin typeface="Adobe Clean"/>
                           <a:cs typeface="Adobe Clean"/>
                         </a:rPr>
-                        <a:t>Elite</a:t>
+                        <a:t>Suporte Elite</a:t>
                       </a:r>
-                      <a:r>
-                        <a:rPr lang="en-US" sz="900" spc="0" dirty="0">
-                          <a:solidFill>
-                            <a:srgbClr val="FFFFFF"/>
-                          </a:solidFill>
-                          <a:latin typeface="Adobe Clean"/>
-                          <a:cs typeface="Adobe Clean"/>
-                        </a:rPr>
-                        <a:t> </a:t>
-                      </a:r>
-                      <a:r>
-                        <a:rPr sz="900" spc="0" dirty="0">
-                          <a:solidFill>
-                            <a:srgbClr val="FFFFFF"/>
-                          </a:solidFill>
-                          <a:latin typeface="Adobe Clean"/>
-                          <a:cs typeface="Adobe Clean"/>
-                        </a:rPr>
-                        <a:t>Support</a:t>
-                      </a:r>
-                      <a:endParaRPr sz="900" spc="0" dirty="0">
-                        <a:latin typeface="Adobe Clean"/>
-                        <a:cs typeface="Adobe Clean"/>
-                      </a:endParaRPr>
                     </a:p>
                   </a:txBody>
                   <a:tcPr marL="0" marR="0" marT="0" marB="0" anchor="ctr">
@@ -6397,19 +5962,15 @@
                         </a:spcBef>
                       </a:pPr>
                       <a:r>
-                        <a:rPr sz="900" b="1" spc="0" dirty="0">
+                        <a:rPr lang="pt-BR" sz="900" b="1" dirty="0">
                           <a:solidFill>
                             <a:srgbClr val="020302"/>
                           </a:solidFill>
                           <a:latin typeface="Adobe Clean"/>
                           <a:cs typeface="Adobe Clean"/>
                         </a:rPr>
-                        <a:t>PRIORITY 1</a:t>
+                        <a:t>PRIORIDADE 1</a:t>
                       </a:r>
-                      <a:endParaRPr sz="900" spc="0" dirty="0">
-                        <a:latin typeface="Adobe Clean"/>
-                        <a:cs typeface="Adobe Clean"/>
-                      </a:endParaRPr>
                     </a:p>
                     <a:p>
                       <a:pPr marL="50800" marR="387985">
@@ -6421,19 +5982,14 @@
                         </a:spcBef>
                       </a:pPr>
                       <a:r>
-                        <a:rPr lang="en-US" sz="900" b="0" i="0" spc="0" dirty="0">
+                        <a:rPr lang="pt-BR" sz="900" b="0" i="0" dirty="0">
                           <a:solidFill>
                             <a:srgbClr val="000000"/>
                           </a:solidFill>
-                          <a:effectLst/>
                           <a:latin typeface="Adobe Clean Light" panose="020B0303020404020204" pitchFamily="34" charset="0"/>
                         </a:rPr>
-                        <a:t>Customer's production business functions are down or have significant data loss or service degradation and immediate attention is required to restore functionality and usability. </a:t>
+                        <a:t>As funções de produção do cliente estão inativas ou têm perda significativa de dados ou degradação de serviços, e é necessária atenção imediata para restaurar a funcionalidade e a usabilidade. </a:t>
                       </a:r>
-                      <a:endParaRPr sz="900" spc="0" dirty="0">
-                        <a:latin typeface="AdobeClean-Light"/>
-                        <a:cs typeface="AdobeClean-Light"/>
-                      </a:endParaRPr>
                     </a:p>
                   </a:txBody>
                   <a:tcPr marL="0" marR="0" marT="0" marB="0" anchor="ctr">
@@ -6473,14 +6029,13 @@
                     <a:p>
                       <a:pPr algn="ctr" fontAlgn="t"/>
                       <a:r>
-                        <a:rPr lang="en-US" sz="900" b="0" i="0" u="none" strike="noStrike" dirty="0">
+                        <a:rPr lang="pt-BR" sz="900" b="0" i="0" u="none" strike="noStrike">
                           <a:solidFill>
                             <a:srgbClr val="020302"/>
                           </a:solidFill>
-                          <a:effectLst/>
                           <a:latin typeface="AdobeClean-Light"/>
                         </a:rPr>
-                        <a:t>24x7 / 1 hour</a:t>
+                        <a:t>24x7 / 1 hora</a:t>
                       </a:r>
                     </a:p>
                   </a:txBody>
@@ -6518,14 +6073,13 @@
                     <a:p>
                       <a:pPr algn="ctr" fontAlgn="t"/>
                       <a:r>
-                        <a:rPr lang="en-US" sz="900" b="0" i="0" u="none" strike="noStrike" dirty="0">
+                        <a:rPr lang="pt-BR" sz="900" b="0" i="0" u="none" strike="noStrike">
                           <a:solidFill>
                             <a:srgbClr val="020302"/>
                           </a:solidFill>
-                          <a:effectLst/>
                           <a:latin typeface="AdobeClean-Light"/>
                         </a:rPr>
-                        <a:t>24x7 / 30 minutes</a:t>
+                        <a:t>24x7 / 30 minutos</a:t>
                       </a:r>
                     </a:p>
                   </a:txBody>
@@ -6572,14 +6126,13 @@
                     <a:p>
                       <a:pPr algn="ctr" fontAlgn="t"/>
                       <a:r>
-                        <a:rPr lang="en-US" sz="900" b="0" i="0" u="none" strike="noStrike" dirty="0">
+                        <a:rPr lang="pt-BR" sz="900" b="0" i="0" u="none" strike="noStrike">
                           <a:solidFill>
                             <a:srgbClr val="020302"/>
                           </a:solidFill>
-                          <a:effectLst/>
                           <a:latin typeface="AdobeClean-Light"/>
                         </a:rPr>
-                        <a:t>24x7 / 15 minutes</a:t>
+                        <a:t>24x7 / 15 minutos</a:t>
                       </a:r>
                     </a:p>
                   </a:txBody>
@@ -6631,19 +6184,15 @@
                         </a:spcBef>
                       </a:pPr>
                       <a:r>
-                        <a:rPr sz="900" b="1" spc="0" dirty="0">
+                        <a:rPr lang="pt-BR" sz="900" b="1">
                           <a:solidFill>
                             <a:srgbClr val="020302"/>
                           </a:solidFill>
                           <a:latin typeface="Adobe Clean"/>
                           <a:cs typeface="Adobe Clean"/>
                         </a:rPr>
-                        <a:t>PRIORITY 2</a:t>
+                        <a:t>PRIORIDADE 2</a:t>
                       </a:r>
-                      <a:endParaRPr sz="900" spc="0" dirty="0">
-                        <a:latin typeface="Adobe Clean"/>
-                        <a:cs typeface="Adobe Clean"/>
-                      </a:endParaRPr>
                     </a:p>
                     <a:p>
                       <a:pPr marL="50165" marR="203200" indent="0" defTabSz="914400" eaLnBrk="1" fontAlgn="auto" latinLnBrk="0" hangingPunct="1">
@@ -6664,19 +6213,14 @@
                         <a:defRPr/>
                       </a:pPr>
                       <a:r>
-                        <a:rPr lang="en-US" sz="900" b="0" i="0" spc="0" dirty="0">
+                        <a:rPr lang="pt-BR" sz="900" b="0" i="0">
                           <a:solidFill>
                             <a:srgbClr val="000000"/>
                           </a:solidFill>
-                          <a:effectLst/>
                           <a:latin typeface="Adobe Clean Light" panose="020B0303020404020204" pitchFamily="34" charset="0"/>
                         </a:rPr>
-                        <a:t>Customer's business functions have major service degradation or potential data loss, or a major feature is impacted </a:t>
+                        <a:t>As funções empresariais do cliente têm grande degradação de serviços, perda potencial de dados ou foi afetado um recurso importante </a:t>
                       </a:r>
-                      <a:endParaRPr sz="900" b="0" i="0" spc="0" dirty="0">
-                        <a:latin typeface="Adobe Clean Light" panose="020B0303020404020204" pitchFamily="34" charset="0"/>
-                        <a:cs typeface="AdobeClean-Light"/>
-                      </a:endParaRPr>
                     </a:p>
                   </a:txBody>
                   <a:tcPr marL="0" marR="0" marT="0" marB="0" anchor="ctr">
@@ -6716,113 +6260,127 @@
                     <a:p>
                       <a:pPr algn="ctr" fontAlgn="t"/>
                       <a:r>
-                        <a:rPr lang="en-US" sz="900" b="0" i="0" u="none" strike="noStrike" dirty="0">
+                        <a:rPr lang="pt-BR" sz="900" b="0" i="0" u="none" strike="noStrike" dirty="0">
                           <a:solidFill>
                             <a:srgbClr val="020302"/>
                           </a:solidFill>
-                          <a:effectLst/>
                           <a:latin typeface="AdobeClean-Light"/>
                         </a:rPr>
-                        <a:t>Business hours / 4 hours</a:t>
+                        <a:t>Horário comercial / </a:t>
                       </a:r>
-                    </a:p>
-                  </a:txBody>
-                  <a:tcPr marL="9525" marR="9525" marT="9525" marB="0" anchor="ctr">
-                    <a:lnL w="3175">
-                      <a:solidFill>
-                        <a:srgbClr val="B7B8B8"/>
-                      </a:solidFill>
-                      <a:prstDash val="solid"/>
-                    </a:lnL>
-                    <a:lnR w="3175">
-                      <a:solidFill>
-                        <a:srgbClr val="B7B8B8"/>
-                      </a:solidFill>
-                      <a:prstDash val="solid"/>
-                    </a:lnR>
-                    <a:lnT w="3175">
-                      <a:solidFill>
-                        <a:srgbClr val="B7B8B8"/>
-                      </a:solidFill>
-                      <a:prstDash val="solid"/>
-                    </a:lnT>
-                    <a:lnB w="3175">
-                      <a:solidFill>
-                        <a:srgbClr val="B7B8B8"/>
-                      </a:solidFill>
-                      <a:prstDash val="solid"/>
-                    </a:lnB>
-                  </a:tcPr>
-                </a:tc>
-                <a:tc>
-                  <a:txBody>
-                    <a:bodyPr/>
-                    <a:lstStyle/>
-                    <a:p>
-                      <a:pPr algn="ctr" fontAlgn="t"/>
-                      <a:r>
-                        <a:rPr lang="en-US" sz="900" b="0" i="0" u="none" strike="noStrike" dirty="0">
+                      <a:br>
+                        <a:rPr lang="pt-BR" sz="900" b="0" i="0" u="none" strike="noStrike" dirty="0">
                           <a:solidFill>
                             <a:srgbClr val="020302"/>
                           </a:solidFill>
-                          <a:effectLst/>
                           <a:latin typeface="AdobeClean-Light"/>
                         </a:rPr>
-                        <a:t>24x5 / 1 hour</a:t>
-                      </a:r>
-                    </a:p>
-                  </a:txBody>
-                  <a:tcPr marL="9525" marR="9525" marT="9525" marB="0" anchor="ctr">
-                    <a:lnL w="3175" cap="flat" cmpd="sng" algn="ctr">
-                      <a:solidFill>
-                        <a:srgbClr val="B7B8B8"/>
-                      </a:solidFill>
-                      <a:prstDash val="solid"/>
-                      <a:round/>
-                      <a:headEnd type="none" w="med" len="med"/>
-                      <a:tailEnd type="none" w="med" len="med"/>
-                    </a:lnL>
-                    <a:lnR w="3175">
-                      <a:solidFill>
-                        <a:srgbClr val="B7B8B8"/>
-                      </a:solidFill>
-                      <a:prstDash val="solid"/>
-                    </a:lnR>
-                    <a:lnT w="3175" cap="flat" cmpd="sng" algn="ctr">
-                      <a:solidFill>
-                        <a:srgbClr val="B7B8B8"/>
-                      </a:solidFill>
-                      <a:prstDash val="solid"/>
-                      <a:round/>
-                      <a:headEnd type="none" w="med" len="med"/>
-                      <a:tailEnd type="none" w="med" len="med"/>
-                    </a:lnT>
-                    <a:lnB w="3175" cap="flat" cmpd="sng" algn="ctr">
-                      <a:solidFill>
-                        <a:srgbClr val="B7B8B8"/>
-                      </a:solidFill>
-                      <a:prstDash val="solid"/>
-                      <a:round/>
-                      <a:headEnd type="none" w="med" len="med"/>
-                      <a:tailEnd type="none" w="med" len="med"/>
-                    </a:lnB>
-                  </a:tcPr>
-                </a:tc>
-                <a:tc>
-                  <a:txBody>
-                    <a:bodyPr/>
-                    <a:lstStyle/>
-                    <a:p>
-                      <a:pPr algn="ctr" fontAlgn="t"/>
+                      </a:br>
                       <a:r>
-                        <a:rPr lang="en-US" sz="900" b="0" i="0" u="none" strike="noStrike" dirty="0">
+                        <a:rPr lang="pt-BR" sz="900" b="0" i="0" u="none" strike="noStrike" dirty="0">
                           <a:solidFill>
                             <a:srgbClr val="020302"/>
                           </a:solidFill>
-                          <a:effectLst/>
                           <a:latin typeface="AdobeClean-Light"/>
                         </a:rPr>
-                        <a:t>24x5 / 30 minutes</a:t>
+                        <a:t>4 horas</a:t>
+                      </a:r>
+                    </a:p>
+                  </a:txBody>
+                  <a:tcPr marL="9525" marR="9525" marT="9525" marB="0" anchor="ctr">
+                    <a:lnL w="3175">
+                      <a:solidFill>
+                        <a:srgbClr val="B7B8B8"/>
+                      </a:solidFill>
+                      <a:prstDash val="solid"/>
+                    </a:lnL>
+                    <a:lnR w="3175">
+                      <a:solidFill>
+                        <a:srgbClr val="B7B8B8"/>
+                      </a:solidFill>
+                      <a:prstDash val="solid"/>
+                    </a:lnR>
+                    <a:lnT w="3175">
+                      <a:solidFill>
+                        <a:srgbClr val="B7B8B8"/>
+                      </a:solidFill>
+                      <a:prstDash val="solid"/>
+                    </a:lnT>
+                    <a:lnB w="3175">
+                      <a:solidFill>
+                        <a:srgbClr val="B7B8B8"/>
+                      </a:solidFill>
+                      <a:prstDash val="solid"/>
+                    </a:lnB>
+                  </a:tcPr>
+                </a:tc>
+                <a:tc>
+                  <a:txBody>
+                    <a:bodyPr/>
+                    <a:lstStyle/>
+                    <a:p>
+                      <a:pPr algn="ctr" fontAlgn="t"/>
+                      <a:r>
+                        <a:rPr lang="pt-BR" sz="900" b="0" i="0" u="none" strike="noStrike">
+                          <a:solidFill>
+                            <a:srgbClr val="020302"/>
+                          </a:solidFill>
+                          <a:latin typeface="AdobeClean-Light"/>
+                        </a:rPr>
+                        <a:t>24x5 / 1 hora</a:t>
+                      </a:r>
+                    </a:p>
+                  </a:txBody>
+                  <a:tcPr marL="9525" marR="9525" marT="9525" marB="0" anchor="ctr">
+                    <a:lnL w="3175" cap="flat" cmpd="sng" algn="ctr">
+                      <a:solidFill>
+                        <a:srgbClr val="B7B8B8"/>
+                      </a:solidFill>
+                      <a:prstDash val="solid"/>
+                      <a:round/>
+                      <a:headEnd type="none" w="med" len="med"/>
+                      <a:tailEnd type="none" w="med" len="med"/>
+                    </a:lnL>
+                    <a:lnR w="3175">
+                      <a:solidFill>
+                        <a:srgbClr val="B7B8B8"/>
+                      </a:solidFill>
+                      <a:prstDash val="solid"/>
+                    </a:lnR>
+                    <a:lnT w="3175" cap="flat" cmpd="sng" algn="ctr">
+                      <a:solidFill>
+                        <a:srgbClr val="B7B8B8"/>
+                      </a:solidFill>
+                      <a:prstDash val="solid"/>
+                      <a:round/>
+                      <a:headEnd type="none" w="med" len="med"/>
+                      <a:tailEnd type="none" w="med" len="med"/>
+                    </a:lnT>
+                    <a:lnB w="3175" cap="flat" cmpd="sng" algn="ctr">
+                      <a:solidFill>
+                        <a:srgbClr val="B7B8B8"/>
+                      </a:solidFill>
+                      <a:prstDash val="solid"/>
+                      <a:round/>
+                      <a:headEnd type="none" w="med" len="med"/>
+                      <a:tailEnd type="none" w="med" len="med"/>
+                    </a:lnB>
+                  </a:tcPr>
+                </a:tc>
+                <a:tc>
+                  <a:txBody>
+                    <a:bodyPr/>
+                    <a:lstStyle/>
+                    <a:p>
+                      <a:pPr algn="ctr" fontAlgn="t"/>
+                      <a:r>
+                        <a:rPr lang="pt-BR" sz="900" b="0" i="0" u="none" strike="noStrike">
+                          <a:solidFill>
+                            <a:srgbClr val="020302"/>
+                          </a:solidFill>
+                          <a:latin typeface="AdobeClean-Light"/>
+                        </a:rPr>
+                        <a:t>24x5 / 30 minutos</a:t>
                       </a:r>
                     </a:p>
                   </a:txBody>
@@ -6874,29 +6432,15 @@
                         </a:spcBef>
                       </a:pPr>
                       <a:r>
-                        <a:rPr sz="900" b="1" spc="0" dirty="0">
+                        <a:rPr lang="pt-BR" sz="900" b="1" dirty="0">
                           <a:solidFill>
                             <a:srgbClr val="020302"/>
                           </a:solidFill>
                           <a:latin typeface="Adobe Clean"/>
                           <a:cs typeface="Adobe Clean"/>
                         </a:rPr>
-                        <a:t>PRIORITY</a:t>
+                        <a:t>PRIORIDADE 3</a:t>
                       </a:r>
-                      <a:r>
-                        <a:rPr lang="en-US" sz="900" b="1" spc="0" dirty="0">
-                          <a:solidFill>
-                            <a:srgbClr val="020302"/>
-                          </a:solidFill>
-                          <a:latin typeface="Adobe Clean"/>
-                          <a:cs typeface="Adobe Clean"/>
-                        </a:rPr>
-                        <a:t> 3</a:t>
-                      </a:r>
-                      <a:endParaRPr lang="en-US" sz="900" spc="0" dirty="0">
-                        <a:latin typeface="Adobe Clean"/>
-                        <a:cs typeface="Adobe Clean"/>
-                      </a:endParaRPr>
                     </a:p>
                     <a:p>
                       <a:pPr marL="49530" marR="212090" indent="-2540" defTabSz="914400" eaLnBrk="1" fontAlgn="auto" latinLnBrk="0" hangingPunct="1">
@@ -6917,26 +6461,21 @@
                         <a:defRPr/>
                       </a:pPr>
                       <a:r>
-                        <a:rPr kumimoji="0" lang="en-US" sz="900" b="0" i="0" u="none" strike="noStrike" kern="1200" cap="none" spc="0" normalizeH="0" baseline="0" noProof="0" dirty="0">
+                        <a:rPr kumimoji="0" lang="pt-BR" sz="900" b="0" i="0" u="none" strike="noStrike" cap="none" normalizeH="0" baseline="0" noProof="0" dirty="0">
                           <a:ln>
                             <a:noFill/>
                           </a:ln>
                           <a:solidFill>
                             <a:srgbClr val="000000"/>
                           </a:solidFill>
-                          <a:effectLst/>
                           <a:uLnTx/>
                           <a:uFillTx/>
                           <a:latin typeface="Adobe Clean Light" panose="020B0303020404020204" pitchFamily="34" charset="0"/>
                           <a:ea typeface="+mn-ea"/>
                           <a:cs typeface="+mn-cs"/>
                         </a:rPr>
-                        <a:t>Customer's business functions have minor service degradation but there exists a solution/workaround allowing business functions to continue normally </a:t>
+                        <a:t>As funções empresariais do cliente têm pouca degradação dos serviços, e há uma solução/solução alternativa que permite que as funções empresariais continuem normalmente </a:t>
                       </a:r>
-                      <a:endParaRPr lang="en-US" sz="900" b="0" i="0" spc="0" dirty="0">
-                        <a:latin typeface="Adobe Clean Light" panose="020B0303020404020204" pitchFamily="34" charset="0"/>
-                        <a:cs typeface="AdobeClean-Light"/>
-                      </a:endParaRPr>
                     </a:p>
                   </a:txBody>
                   <a:tcPr marL="0" marR="0" marT="0" marB="0" anchor="ctr">
@@ -6976,113 +6515,144 @@
                     <a:p>
                       <a:pPr algn="ctr" fontAlgn="t"/>
                       <a:r>
-                        <a:rPr lang="en-US" sz="900" b="0" i="0" u="none" strike="noStrike" dirty="0">
+                        <a:rPr lang="pt-BR" sz="900" b="0" i="0" u="none" strike="noStrike" dirty="0">
                           <a:solidFill>
                             <a:srgbClr val="020302"/>
                           </a:solidFill>
-                          <a:effectLst/>
                           <a:latin typeface="AdobeClean-Light"/>
                         </a:rPr>
-                        <a:t>Business hours / 6 hours</a:t>
+                        <a:t>Horário comercial / </a:t>
                       </a:r>
-                    </a:p>
-                  </a:txBody>
-                  <a:tcPr marL="9525" marR="9525" marT="9525" marB="0" anchor="ctr">
-                    <a:lnL w="3175">
-                      <a:solidFill>
-                        <a:srgbClr val="B7B8B8"/>
-                      </a:solidFill>
-                      <a:prstDash val="solid"/>
-                    </a:lnL>
-                    <a:lnR w="3175">
-                      <a:solidFill>
-                        <a:srgbClr val="B7B8B8"/>
-                      </a:solidFill>
-                      <a:prstDash val="solid"/>
-                    </a:lnR>
-                    <a:lnT w="3175">
-                      <a:solidFill>
-                        <a:srgbClr val="B7B8B8"/>
-                      </a:solidFill>
-                      <a:prstDash val="solid"/>
-                    </a:lnT>
-                    <a:lnB w="3175">
-                      <a:solidFill>
-                        <a:srgbClr val="B7B8B8"/>
-                      </a:solidFill>
-                      <a:prstDash val="solid"/>
-                    </a:lnB>
-                  </a:tcPr>
-                </a:tc>
-                <a:tc>
-                  <a:txBody>
-                    <a:bodyPr/>
-                    <a:lstStyle/>
-                    <a:p>
-                      <a:pPr algn="ctr" fontAlgn="t"/>
-                      <a:r>
-                        <a:rPr lang="en-US" sz="900" b="0" i="0" u="none" strike="noStrike" dirty="0">
+                      <a:br>
+                        <a:rPr lang="pt-BR" sz="900" b="0" i="0" u="none" strike="noStrike" dirty="0">
                           <a:solidFill>
                             <a:srgbClr val="020302"/>
                           </a:solidFill>
-                          <a:effectLst/>
                           <a:latin typeface="AdobeClean-Light"/>
                         </a:rPr>
-                        <a:t>Business hours / 2 hours</a:t>
-                      </a:r>
-                    </a:p>
-                  </a:txBody>
-                  <a:tcPr marL="9525" marR="9525" marT="9525" marB="0" anchor="ctr">
-                    <a:lnL w="3175" cap="flat" cmpd="sng" algn="ctr">
-                      <a:solidFill>
-                        <a:srgbClr val="B7B8B8"/>
-                      </a:solidFill>
-                      <a:prstDash val="solid"/>
-                      <a:round/>
-                      <a:headEnd type="none" w="med" len="med"/>
-                      <a:tailEnd type="none" w="med" len="med"/>
-                    </a:lnL>
-                    <a:lnR w="3175">
-                      <a:solidFill>
-                        <a:srgbClr val="B7B8B8"/>
-                      </a:solidFill>
-                      <a:prstDash val="solid"/>
-                    </a:lnR>
-                    <a:lnT w="3175" cap="flat" cmpd="sng" algn="ctr">
-                      <a:solidFill>
-                        <a:srgbClr val="B7B8B8"/>
-                      </a:solidFill>
-                      <a:prstDash val="solid"/>
-                      <a:round/>
-                      <a:headEnd type="none" w="med" len="med"/>
-                      <a:tailEnd type="none" w="med" len="med"/>
-                    </a:lnT>
-                    <a:lnB w="3175" cap="flat" cmpd="sng" algn="ctr">
-                      <a:solidFill>
-                        <a:srgbClr val="B7B8B8"/>
-                      </a:solidFill>
-                      <a:prstDash val="solid"/>
-                      <a:round/>
-                      <a:headEnd type="none" w="med" len="med"/>
-                      <a:tailEnd type="none" w="med" len="med"/>
-                    </a:lnB>
-                  </a:tcPr>
-                </a:tc>
-                <a:tc>
-                  <a:txBody>
-                    <a:bodyPr/>
-                    <a:lstStyle/>
-                    <a:p>
-                      <a:pPr algn="ctr" fontAlgn="t"/>
+                      </a:br>
                       <a:r>
-                        <a:rPr lang="en-US" sz="900" b="0" i="0" u="none" strike="noStrike" dirty="0">
+                        <a:rPr lang="pt-BR" sz="900" b="0" i="0" u="none" strike="noStrike" dirty="0">
                           <a:solidFill>
                             <a:srgbClr val="020302"/>
                           </a:solidFill>
-                          <a:effectLst/>
                           <a:latin typeface="AdobeClean-Light"/>
                         </a:rPr>
-                        <a:t>24x5 / 1 hour</a:t>
+                        <a:t>6 horas</a:t>
+                      </a:r>
+                    </a:p>
+                  </a:txBody>
+                  <a:tcPr marL="9525" marR="9525" marT="9525" marB="0" anchor="ctr">
+                    <a:lnL w="3175">
+                      <a:solidFill>
+                        <a:srgbClr val="B7B8B8"/>
+                      </a:solidFill>
+                      <a:prstDash val="solid"/>
+                    </a:lnL>
+                    <a:lnR w="3175">
+                      <a:solidFill>
+                        <a:srgbClr val="B7B8B8"/>
+                      </a:solidFill>
+                      <a:prstDash val="solid"/>
+                    </a:lnR>
+                    <a:lnT w="3175">
+                      <a:solidFill>
+                        <a:srgbClr val="B7B8B8"/>
+                      </a:solidFill>
+                      <a:prstDash val="solid"/>
+                    </a:lnT>
+                    <a:lnB w="3175">
+                      <a:solidFill>
+                        <a:srgbClr val="B7B8B8"/>
+                      </a:solidFill>
+                      <a:prstDash val="solid"/>
+                    </a:lnB>
+                  </a:tcPr>
+                </a:tc>
+                <a:tc>
+                  <a:txBody>
+                    <a:bodyPr/>
+                    <a:lstStyle/>
+                    <a:p>
+                      <a:pPr algn="ctr" fontAlgn="t"/>
+                      <a:r>
+                        <a:rPr lang="pt-BR" sz="900" b="0" i="0" u="none" strike="noStrike" dirty="0">
+                          <a:solidFill>
+                            <a:srgbClr val="020302"/>
+                          </a:solidFill>
+                          <a:latin typeface="AdobeClean-Light"/>
+                        </a:rPr>
+                        <a:t>Horário comercial /</a:t>
+                      </a:r>
+                      <a:br>
+                        <a:rPr lang="pt-BR" sz="900" b="0" i="0" u="none" strike="noStrike" dirty="0">
+                          <a:solidFill>
+                            <a:srgbClr val="020302"/>
+                          </a:solidFill>
+                          <a:latin typeface="AdobeClean-Light"/>
+                        </a:rPr>
+                      </a:br>
+                      <a:r>
+                        <a:rPr lang="pt-BR" sz="900" b="0" i="0" u="none" strike="noStrike" dirty="0">
+                          <a:solidFill>
+                            <a:srgbClr val="020302"/>
+                          </a:solidFill>
+                          <a:latin typeface="AdobeClean-Light"/>
+                        </a:rPr>
+                        <a:t> 2 horas</a:t>
+                      </a:r>
+                    </a:p>
+                  </a:txBody>
+                  <a:tcPr marL="9525" marR="9525" marT="9525" marB="0" anchor="ctr">
+                    <a:lnL w="3175" cap="flat" cmpd="sng" algn="ctr">
+                      <a:solidFill>
+                        <a:srgbClr val="B7B8B8"/>
+                      </a:solidFill>
+                      <a:prstDash val="solid"/>
+                      <a:round/>
+                      <a:headEnd type="none" w="med" len="med"/>
+                      <a:tailEnd type="none" w="med" len="med"/>
+                    </a:lnL>
+                    <a:lnR w="3175">
+                      <a:solidFill>
+                        <a:srgbClr val="B7B8B8"/>
+                      </a:solidFill>
+                      <a:prstDash val="solid"/>
+                    </a:lnR>
+                    <a:lnT w="3175" cap="flat" cmpd="sng" algn="ctr">
+                      <a:solidFill>
+                        <a:srgbClr val="B7B8B8"/>
+                      </a:solidFill>
+                      <a:prstDash val="solid"/>
+                      <a:round/>
+                      <a:headEnd type="none" w="med" len="med"/>
+                      <a:tailEnd type="none" w="med" len="med"/>
+                    </a:lnT>
+                    <a:lnB w="3175" cap="flat" cmpd="sng" algn="ctr">
+                      <a:solidFill>
+                        <a:srgbClr val="B7B8B8"/>
+                      </a:solidFill>
+                      <a:prstDash val="solid"/>
+                      <a:round/>
+                      <a:headEnd type="none" w="med" len="med"/>
+                      <a:tailEnd type="none" w="med" len="med"/>
+                    </a:lnB>
+                  </a:tcPr>
+                </a:tc>
+                <a:tc>
+                  <a:txBody>
+                    <a:bodyPr/>
+                    <a:lstStyle/>
+                    <a:p>
+                      <a:pPr algn="ctr" fontAlgn="t"/>
+                      <a:r>
+                        <a:rPr lang="pt-BR" sz="900" b="0" i="0" u="none" strike="noStrike">
+                          <a:solidFill>
+                            <a:srgbClr val="020302"/>
+                          </a:solidFill>
+                          <a:latin typeface="AdobeClean-Light"/>
+                        </a:rPr>
+                        <a:t>24x5 / 1 hora</a:t>
                       </a:r>
                     </a:p>
                   </a:txBody>
@@ -7134,19 +6704,15 @@
                         </a:spcBef>
                       </a:pPr>
                       <a:r>
-                        <a:rPr sz="900" b="1" spc="0" dirty="0">
+                        <a:rPr lang="pt-BR" sz="900" b="1" dirty="0">
                           <a:solidFill>
                             <a:srgbClr val="020302"/>
                           </a:solidFill>
                           <a:latin typeface="Adobe Clean"/>
                           <a:cs typeface="Adobe Clean"/>
                         </a:rPr>
-                        <a:t>PRIORITY 4</a:t>
+                        <a:t>PRIORIDADE 4</a:t>
                       </a:r>
-                      <a:endParaRPr sz="900" spc="0" dirty="0">
-                        <a:latin typeface="Adobe Clean"/>
-                        <a:cs typeface="Adobe Clean"/>
-                      </a:endParaRPr>
                     </a:p>
                     <a:p>
                       <a:pPr marL="48895" marR="0" indent="0" defTabSz="914400" eaLnBrk="1" fontAlgn="auto" latinLnBrk="0" hangingPunct="1">
@@ -7167,19 +6733,14 @@
                         <a:defRPr/>
                       </a:pPr>
                       <a:r>
-                        <a:rPr lang="en-US" sz="900" b="0" i="0" spc="0" dirty="0">
+                        <a:rPr lang="pt-BR" sz="900" b="0" i="0" dirty="0">
                           <a:solidFill>
                             <a:srgbClr val="000000"/>
                           </a:solidFill>
-                          <a:effectLst/>
                           <a:latin typeface="Adobe Clean Light" panose="020B0303020404020204" pitchFamily="34" charset="0"/>
                         </a:rPr>
-                        <a:t>General question regarding current product functionality or an enhancement request </a:t>
+                        <a:t>Pergunta geral sobre a funcionalidade atual do produto ou solicitação de melhoria </a:t>
                       </a:r>
-                      <a:endParaRPr sz="900" b="0" i="0" spc="0" dirty="0">
-                        <a:latin typeface="Adobe Clean Light" panose="020B0303020404020204" pitchFamily="34" charset="0"/>
-                        <a:cs typeface="AdobeClean-Light"/>
-                      </a:endParaRPr>
                     </a:p>
                   </a:txBody>
                   <a:tcPr marL="0" marR="0" marT="0" marB="0" anchor="ctr">
@@ -7219,14 +6780,13 @@
                     <a:p>
                       <a:pPr algn="ctr" fontAlgn="t"/>
                       <a:r>
-                        <a:rPr lang="en-US" sz="900" b="0" i="0" u="none" strike="noStrike" dirty="0">
+                        <a:rPr lang="pt-BR" sz="900" b="0" i="0" u="none" strike="noStrike">
                           <a:solidFill>
                             <a:srgbClr val="020302"/>
                           </a:solidFill>
-                          <a:effectLst/>
                           <a:latin typeface="AdobeClean-Light"/>
                         </a:rPr>
-                        <a:t>Business days / 3 days</a:t>
+                        <a:t>Dias úteis / 3 dias</a:t>
                       </a:r>
                     </a:p>
                   </a:txBody>
@@ -7264,14 +6824,13 @@
                     <a:p>
                       <a:pPr algn="ctr" fontAlgn="t"/>
                       <a:r>
-                        <a:rPr lang="en-US" sz="900" b="0" i="0" u="none" strike="noStrike" dirty="0">
+                        <a:rPr lang="pt-BR" sz="900" b="0" i="0" u="none" strike="noStrike">
                           <a:solidFill>
                             <a:srgbClr val="020302"/>
                           </a:solidFill>
-                          <a:effectLst/>
                           <a:latin typeface="AdobeClean-Light" panose="020B0503020404020204" pitchFamily="34" charset="0"/>
                         </a:rPr>
-                        <a:t>Business day / 1 day</a:t>
+                        <a:t>Dia útil / 1 dia</a:t>
                       </a:r>
                     </a:p>
                   </a:txBody>
@@ -7315,14 +6874,13 @@
                     <a:p>
                       <a:pPr algn="ctr" fontAlgn="t"/>
                       <a:r>
-                        <a:rPr lang="en-US" sz="900" b="0" i="0" u="none" strike="noStrike" dirty="0">
+                        <a:rPr lang="pt-BR" sz="900" b="0" i="0" u="none" strike="noStrike" dirty="0">
                           <a:solidFill>
                             <a:srgbClr val="020302"/>
                           </a:solidFill>
-                          <a:effectLst/>
                           <a:latin typeface="AdobeClean-Light" panose="020B0503020404020204" pitchFamily="34" charset="0"/>
                         </a:rPr>
-                        <a:t>Business day / 1 day</a:t>
+                        <a:t>Dia útil / 1 dia</a:t>
                       </a:r>
                     </a:p>
                   </a:txBody>
@@ -7382,7 +6940,7 @@
         <p:spPr>
           <a:xfrm>
             <a:off x="439022" y="54646"/>
-            <a:ext cx="5229466" cy="366767"/>
+            <a:ext cx="5229466" cy="320601"/>
           </a:xfrm>
           <a:prstGeom prst="rect">
             <a:avLst/>
@@ -7403,20 +6961,11 @@
               </a:spcBef>
             </a:pPr>
             <a:r>
-              <a:rPr sz="2300" dirty="0">
+              <a:rPr lang="pt-BR" sz="2000">
                 <a:latin typeface="Adobe Clean"/>
               </a:rPr>
-              <a:t>ADOBE </a:t>
+              <a:t>PLANOS DE SUPORTE DA ADOBE</a:t>
             </a:r>
-            <a:r>
-              <a:rPr lang="en-US" sz="2300" dirty="0">
-                <a:latin typeface="Adobe Clean"/>
-              </a:rPr>
-              <a:t>SUPPORT PLANS</a:t>
-            </a:r>
-            <a:endParaRPr sz="2300" dirty="0">
-              <a:latin typeface="Adobe Clean" panose="020B0503020404020204" pitchFamily="34" charset="0"/>
-            </a:endParaRPr>
           </a:p>
         </p:txBody>
       </p:sp>
@@ -7435,7 +6984,7 @@
         <p:spPr>
           <a:xfrm>
             <a:off x="356615" y="358817"/>
-            <a:ext cx="2717050" cy="200055"/>
+            <a:ext cx="2717050" cy="184666"/>
           </a:xfrm>
           <a:prstGeom prst="rect">
             <a:avLst/>
@@ -7449,7 +6998,7 @@
           <a:lstStyle/>
           <a:p>
             <a:r>
-              <a:rPr lang="en-US" sz="700" i="1" dirty="0">
+              <a:rPr lang="pt-BR" sz="600" i="1">
                 <a:solidFill>
                   <a:schemeClr val="bg1"/>
                 </a:solidFill>
@@ -7707,406 +7256,32 @@
               </a:spcBef>
             </a:pPr>
             <a:r>
-              <a:rPr lang="en-US" sz="1000" spc="-20" dirty="0">
+              <a:rPr lang="pt-BR" sz="1000">
                 <a:solidFill>
                   <a:srgbClr val="020302"/>
                 </a:solidFill>
                 <a:latin typeface="AdobeClean-Light"/>
                 <a:cs typeface="AdobeClean-Light"/>
               </a:rPr>
-              <a:t>Adobe Customer Support offers a</a:t>
+              <a:t>O Suporte ao cliente da Adobe oferece acesso a recursos online para documentação, interação com outros especialistas e clientes para práticas recomendadas e uma série de webinários (Office Hours) para dicas e truques de solução de problemas. Também há vários canais disponíveis</a:t>
             </a:r>
             <a:r>
-              <a:rPr sz="1000" spc="-20" dirty="0">
+              <a:rPr lang="pt-BR" sz="1000">
+                <a:latin typeface="AdobeClean-Light"/>
+                <a:cs typeface="AdobeClean-Light"/>
+              </a:rPr>
+              <a:t> </a:t>
+            </a:r>
+            <a:r>
+              <a:rPr lang="pt-BR" sz="1000">
                 <a:solidFill>
                   <a:srgbClr val="020302"/>
                 </a:solidFill>
                 <a:latin typeface="AdobeClean-Light"/>
                 <a:cs typeface="AdobeClean-Light"/>
               </a:rPr>
-              <a:t>ccess</a:t>
+              <a:t>para envio de perguntas e casos. </a:t>
             </a:r>
-            <a:r>
-              <a:rPr sz="1000" spc="-90" dirty="0">
-                <a:solidFill>
-                  <a:srgbClr val="020302"/>
-                </a:solidFill>
-                <a:latin typeface="AdobeClean-Light"/>
-                <a:cs typeface="AdobeClean-Light"/>
-              </a:rPr>
-              <a:t> </a:t>
-            </a:r>
-            <a:r>
-              <a:rPr sz="1000" spc="-10" dirty="0">
-                <a:solidFill>
-                  <a:srgbClr val="020302"/>
-                </a:solidFill>
-                <a:latin typeface="AdobeClean-Light"/>
-                <a:cs typeface="AdobeClean-Light"/>
-              </a:rPr>
-              <a:t>to</a:t>
-            </a:r>
-            <a:r>
-              <a:rPr sz="1000" spc="10" dirty="0">
-                <a:solidFill>
-                  <a:srgbClr val="020302"/>
-                </a:solidFill>
-                <a:latin typeface="AdobeClean-Light"/>
-                <a:cs typeface="AdobeClean-Light"/>
-              </a:rPr>
-              <a:t> </a:t>
-            </a:r>
-            <a:r>
-              <a:rPr lang="en-US" sz="1000" spc="-20" dirty="0">
-                <a:solidFill>
-                  <a:srgbClr val="020302"/>
-                </a:solidFill>
-                <a:latin typeface="AdobeClean-Light"/>
-                <a:cs typeface="AdobeClean-Light"/>
-              </a:rPr>
-              <a:t>online resources </a:t>
-            </a:r>
-            <a:r>
-              <a:rPr sz="1000" spc="-15" dirty="0">
-                <a:solidFill>
-                  <a:srgbClr val="020302"/>
-                </a:solidFill>
-                <a:latin typeface="AdobeClean-Light"/>
-                <a:cs typeface="AdobeClean-Light"/>
-              </a:rPr>
-              <a:t>for</a:t>
-            </a:r>
-            <a:r>
-              <a:rPr sz="1000" spc="-30" dirty="0">
-                <a:solidFill>
-                  <a:srgbClr val="020302"/>
-                </a:solidFill>
-                <a:latin typeface="AdobeClean-Light"/>
-                <a:cs typeface="AdobeClean-Light"/>
-              </a:rPr>
-              <a:t> </a:t>
-            </a:r>
-            <a:r>
-              <a:rPr sz="1000" spc="-15" dirty="0">
-                <a:solidFill>
-                  <a:srgbClr val="020302"/>
-                </a:solidFill>
-                <a:latin typeface="AdobeClean-Light"/>
-                <a:cs typeface="AdobeClean-Light"/>
-              </a:rPr>
-              <a:t>documentation,</a:t>
-            </a:r>
-            <a:r>
-              <a:rPr lang="en-US" sz="1000" spc="-15" dirty="0">
-                <a:solidFill>
-                  <a:srgbClr val="020302"/>
-                </a:solidFill>
-                <a:latin typeface="AdobeClean-Light"/>
-                <a:cs typeface="AdobeClean-Light"/>
-              </a:rPr>
-              <a:t> </a:t>
-            </a:r>
-            <a:r>
-              <a:rPr sz="1000" spc="-15" dirty="0">
-                <a:solidFill>
-                  <a:srgbClr val="020302"/>
-                </a:solidFill>
-                <a:latin typeface="AdobeClean-Light"/>
-                <a:cs typeface="AdobeClean-Light"/>
-              </a:rPr>
-              <a:t>engagement</a:t>
-            </a:r>
-            <a:r>
-              <a:rPr lang="en-US" sz="1000" spc="-15" dirty="0">
-                <a:solidFill>
-                  <a:srgbClr val="020302"/>
-                </a:solidFill>
-                <a:latin typeface="AdobeClean-Light"/>
-                <a:cs typeface="AdobeClean-Light"/>
-              </a:rPr>
-              <a:t> </a:t>
-            </a:r>
-            <a:r>
-              <a:rPr sz="1000" spc="-15" dirty="0">
-                <a:solidFill>
-                  <a:srgbClr val="020302"/>
-                </a:solidFill>
-                <a:latin typeface="AdobeClean-Light"/>
-                <a:cs typeface="AdobeClean-Light"/>
-              </a:rPr>
-              <a:t>with</a:t>
-            </a:r>
-            <a:r>
-              <a:rPr sz="1000" spc="-35" dirty="0">
-                <a:solidFill>
-                  <a:srgbClr val="020302"/>
-                </a:solidFill>
-                <a:latin typeface="AdobeClean-Light"/>
-                <a:cs typeface="AdobeClean-Light"/>
-              </a:rPr>
-              <a:t> </a:t>
-            </a:r>
-            <a:r>
-              <a:rPr sz="1000" spc="-20" dirty="0">
-                <a:solidFill>
-                  <a:srgbClr val="020302"/>
-                </a:solidFill>
-                <a:latin typeface="AdobeClean-Light"/>
-                <a:cs typeface="AdobeClean-Light"/>
-              </a:rPr>
-              <a:t>other experts </a:t>
-            </a:r>
-            <a:r>
-              <a:rPr sz="1000" spc="-15" dirty="0">
-                <a:solidFill>
-                  <a:srgbClr val="020302"/>
-                </a:solidFill>
-                <a:latin typeface="AdobeClean-Light"/>
-                <a:cs typeface="AdobeClean-Light"/>
-              </a:rPr>
-              <a:t>and </a:t>
-            </a:r>
-            <a:r>
-              <a:rPr sz="1000" spc="-20" dirty="0">
-                <a:solidFill>
-                  <a:srgbClr val="020302"/>
-                </a:solidFill>
-                <a:latin typeface="AdobeClean-Light"/>
-                <a:cs typeface="AdobeClean-Light"/>
-              </a:rPr>
-              <a:t>customers </a:t>
-            </a:r>
-            <a:r>
-              <a:rPr sz="1000" spc="-15" dirty="0">
-                <a:solidFill>
-                  <a:srgbClr val="020302"/>
-                </a:solidFill>
-                <a:latin typeface="AdobeClean-Light"/>
-                <a:cs typeface="AdobeClean-Light"/>
-              </a:rPr>
-              <a:t>for best </a:t>
-            </a:r>
-            <a:r>
-              <a:rPr sz="1000" spc="-20" dirty="0">
-                <a:solidFill>
-                  <a:srgbClr val="020302"/>
-                </a:solidFill>
-                <a:latin typeface="AdobeClean-Light"/>
-                <a:cs typeface="AdobeClean-Light"/>
-              </a:rPr>
-              <a:t>practices, </a:t>
-            </a:r>
-            <a:r>
-              <a:rPr sz="1000" spc="-15" dirty="0">
-                <a:solidFill>
-                  <a:srgbClr val="020302"/>
-                </a:solidFill>
-                <a:latin typeface="AdobeClean-Light"/>
-                <a:cs typeface="AdobeClean-Light"/>
-              </a:rPr>
-              <a:t>and </a:t>
-            </a:r>
-            <a:r>
-              <a:rPr sz="1000" spc="-20" dirty="0">
-                <a:solidFill>
-                  <a:srgbClr val="020302"/>
-                </a:solidFill>
-                <a:latin typeface="AdobeClean-Light"/>
-                <a:cs typeface="AdobeClean-Light"/>
-              </a:rPr>
-              <a:t>webinar series (Office </a:t>
-            </a:r>
-            <a:r>
-              <a:rPr sz="1000" spc="-15" dirty="0">
-                <a:solidFill>
-                  <a:srgbClr val="020302"/>
-                </a:solidFill>
-                <a:latin typeface="AdobeClean-Light"/>
-                <a:cs typeface="AdobeClean-Light"/>
-              </a:rPr>
-              <a:t>Hours) for </a:t>
-            </a:r>
-            <a:r>
-              <a:rPr sz="1000" spc="-20" dirty="0">
-                <a:solidFill>
-                  <a:srgbClr val="020302"/>
-                </a:solidFill>
-                <a:latin typeface="AdobeClean-Light"/>
-                <a:cs typeface="AdobeClean-Light"/>
-              </a:rPr>
-              <a:t>troubleshooting </a:t>
-            </a:r>
-            <a:r>
-              <a:rPr sz="1000" spc="-15" dirty="0">
-                <a:solidFill>
-                  <a:srgbClr val="020302"/>
-                </a:solidFill>
-                <a:latin typeface="AdobeClean-Light"/>
-                <a:cs typeface="AdobeClean-Light"/>
-              </a:rPr>
-              <a:t>tips and </a:t>
-            </a:r>
-            <a:r>
-              <a:rPr sz="1000" spc="-20" dirty="0">
-                <a:solidFill>
-                  <a:srgbClr val="020302"/>
-                </a:solidFill>
-                <a:latin typeface="AdobeClean-Light"/>
-                <a:cs typeface="AdobeClean-Light"/>
-              </a:rPr>
-              <a:t>tricks. Several channels </a:t>
-            </a:r>
-            <a:r>
-              <a:rPr lang="en-US" sz="1000" spc="-15" dirty="0">
-                <a:solidFill>
-                  <a:srgbClr val="020302"/>
-                </a:solidFill>
-                <a:latin typeface="AdobeClean-Light"/>
-                <a:cs typeface="AdobeClean-Light"/>
-              </a:rPr>
-              <a:t>are </a:t>
-            </a:r>
-            <a:r>
-              <a:rPr lang="en-US" sz="1000" spc="-20" dirty="0">
-                <a:solidFill>
-                  <a:srgbClr val="020302"/>
-                </a:solidFill>
-                <a:latin typeface="AdobeClean-Light"/>
-                <a:cs typeface="AdobeClean-Light"/>
-              </a:rPr>
-              <a:t>also</a:t>
-            </a:r>
-            <a:r>
-              <a:rPr lang="en-US" sz="1000" dirty="0">
-                <a:latin typeface="AdobeClean-Light"/>
-                <a:cs typeface="AdobeClean-Light"/>
-              </a:rPr>
-              <a:t> </a:t>
-            </a:r>
-            <a:r>
-              <a:rPr sz="1000" spc="-25" dirty="0">
-                <a:solidFill>
-                  <a:srgbClr val="020302"/>
-                </a:solidFill>
-                <a:latin typeface="AdobeClean-Light"/>
-                <a:cs typeface="AdobeClean-Light"/>
-              </a:rPr>
-              <a:t>available</a:t>
-            </a:r>
-            <a:r>
-              <a:rPr sz="1000" spc="-65" dirty="0">
-                <a:solidFill>
-                  <a:srgbClr val="020302"/>
-                </a:solidFill>
-                <a:latin typeface="AdobeClean-Light"/>
-                <a:cs typeface="AdobeClean-Light"/>
-              </a:rPr>
-              <a:t> </a:t>
-            </a:r>
-            <a:r>
-              <a:rPr sz="1000" spc="-15" dirty="0">
-                <a:solidFill>
-                  <a:srgbClr val="020302"/>
-                </a:solidFill>
-                <a:latin typeface="AdobeClean-Light"/>
-                <a:cs typeface="AdobeClean-Light"/>
-              </a:rPr>
-              <a:t>for</a:t>
-            </a:r>
-            <a:r>
-              <a:rPr sz="1000" spc="-25" dirty="0">
-                <a:solidFill>
-                  <a:srgbClr val="020302"/>
-                </a:solidFill>
-                <a:latin typeface="AdobeClean-Light"/>
-                <a:cs typeface="AdobeClean-Light"/>
-              </a:rPr>
-              <a:t> </a:t>
-            </a:r>
-            <a:r>
-              <a:rPr sz="1000" spc="-20" dirty="0">
-                <a:solidFill>
-                  <a:srgbClr val="020302"/>
-                </a:solidFill>
-                <a:latin typeface="AdobeClean-Light"/>
-                <a:cs typeface="AdobeClean-Light"/>
-              </a:rPr>
-              <a:t>questions</a:t>
-            </a:r>
-            <a:r>
-              <a:rPr sz="1000" spc="-114" dirty="0">
-                <a:solidFill>
-                  <a:srgbClr val="020302"/>
-                </a:solidFill>
-                <a:latin typeface="AdobeClean-Light"/>
-                <a:cs typeface="AdobeClean-Light"/>
-              </a:rPr>
-              <a:t> </a:t>
-            </a:r>
-            <a:r>
-              <a:rPr sz="1000" spc="-15" dirty="0">
-                <a:solidFill>
-                  <a:srgbClr val="020302"/>
-                </a:solidFill>
-                <a:latin typeface="AdobeClean-Light"/>
-                <a:cs typeface="AdobeClean-Light"/>
-              </a:rPr>
-              <a:t>and</a:t>
-            </a:r>
-            <a:r>
-              <a:rPr sz="1000" spc="-45" dirty="0">
-                <a:solidFill>
-                  <a:srgbClr val="020302"/>
-                </a:solidFill>
-                <a:latin typeface="AdobeClean-Light"/>
-                <a:cs typeface="AdobeClean-Light"/>
-              </a:rPr>
-              <a:t> </a:t>
-            </a:r>
-            <a:r>
-              <a:rPr sz="1000" spc="-20" dirty="0">
-                <a:solidFill>
-                  <a:srgbClr val="020302"/>
-                </a:solidFill>
-                <a:latin typeface="AdobeClean-Light"/>
-                <a:cs typeface="AdobeClean-Light"/>
-              </a:rPr>
-              <a:t>case</a:t>
-            </a:r>
-            <a:r>
-              <a:rPr sz="1000" spc="-35" dirty="0">
-                <a:solidFill>
-                  <a:srgbClr val="020302"/>
-                </a:solidFill>
-                <a:latin typeface="AdobeClean-Light"/>
-                <a:cs typeface="AdobeClean-Light"/>
-              </a:rPr>
-              <a:t> </a:t>
-            </a:r>
-            <a:r>
-              <a:rPr sz="1000" spc="-20" dirty="0">
-                <a:solidFill>
-                  <a:srgbClr val="020302"/>
-                </a:solidFill>
-                <a:latin typeface="AdobeClean-Light"/>
-                <a:cs typeface="AdobeClean-Light"/>
-              </a:rPr>
-              <a:t>submissions</a:t>
-            </a:r>
-            <a:r>
-              <a:rPr lang="en-US" sz="1000" spc="-20" dirty="0">
-                <a:solidFill>
-                  <a:srgbClr val="020302"/>
-                </a:solidFill>
-                <a:latin typeface="AdobeClean-Light"/>
-                <a:cs typeface="AdobeClean-Light"/>
-              </a:rPr>
-              <a:t>.</a:t>
-            </a:r>
-            <a:endParaRPr sz="1000" dirty="0">
-              <a:latin typeface="AdobeClean-Light"/>
-              <a:cs typeface="AdobeClean-Light"/>
-            </a:endParaRPr>
           </a:p>
         </p:txBody>
       </p:sp>
@@ -8119,7 +7294,7 @@
         <p:spPr>
           <a:xfrm>
             <a:off x="206585" y="8494028"/>
-            <a:ext cx="3270885" cy="302647"/>
+            <a:ext cx="2917615" cy="441146"/>
           </a:xfrm>
           <a:prstGeom prst="rect">
             <a:avLst/>
@@ -8140,174 +7315,14 @@
               </a:tabLst>
             </a:pPr>
             <a:r>
-              <a:rPr sz="900" spc="-20" dirty="0">
+              <a:rPr lang="pt-BR" sz="900" dirty="0">
                 <a:solidFill>
                   <a:srgbClr val="020302"/>
                 </a:solidFill>
                 <a:latin typeface="AdobeClean-Light"/>
                 <a:cs typeface="AdobeClean-Light"/>
               </a:rPr>
-              <a:t>Start </a:t>
-            </a:r>
-            <a:r>
-              <a:rPr sz="900" dirty="0">
-                <a:solidFill>
-                  <a:srgbClr val="020302"/>
-                </a:solidFill>
-                <a:latin typeface="AdobeClean-Light"/>
-                <a:cs typeface="AdobeClean-Light"/>
-              </a:rPr>
-              <a:t>a </a:t>
-            </a:r>
-            <a:r>
-              <a:rPr sz="900" spc="-15" dirty="0">
-                <a:solidFill>
-                  <a:srgbClr val="020302"/>
-                </a:solidFill>
-                <a:latin typeface="AdobeClean-Light"/>
-                <a:cs typeface="AdobeClean-Light"/>
-              </a:rPr>
-              <a:t>chat </a:t>
-            </a:r>
-            <a:r>
-              <a:rPr sz="900" spc="-10" dirty="0">
-                <a:solidFill>
-                  <a:srgbClr val="020302"/>
-                </a:solidFill>
-                <a:latin typeface="AdobeClean-Light"/>
-                <a:cs typeface="AdobeClean-Light"/>
-              </a:rPr>
-              <a:t>session </a:t>
-            </a:r>
-            <a:r>
-              <a:rPr sz="900" spc="-5" dirty="0">
-                <a:solidFill>
-                  <a:srgbClr val="020302"/>
-                </a:solidFill>
-                <a:latin typeface="AdobeClean-Light"/>
-                <a:cs typeface="AdobeClean-Light"/>
-              </a:rPr>
-              <a:t>to </a:t>
-            </a:r>
-            <a:r>
-              <a:rPr sz="900" spc="-10" dirty="0">
-                <a:solidFill>
-                  <a:srgbClr val="020302"/>
-                </a:solidFill>
-                <a:latin typeface="AdobeClean-Light"/>
-                <a:cs typeface="AdobeClean-Light"/>
-              </a:rPr>
-              <a:t>get</a:t>
-            </a:r>
-            <a:r>
-              <a:rPr lang="en-US" sz="900" spc="-10" dirty="0">
-                <a:solidFill>
-                  <a:srgbClr val="020302"/>
-                </a:solidFill>
-                <a:latin typeface="AdobeClean-Light"/>
-                <a:cs typeface="AdobeClean-Light"/>
-              </a:rPr>
-              <a:t> </a:t>
-            </a:r>
-            <a:r>
-              <a:rPr sz="900" spc="30" dirty="0">
-                <a:solidFill>
-                  <a:srgbClr val="020302"/>
-                </a:solidFill>
-                <a:latin typeface="AdobeClean-Light"/>
-                <a:cs typeface="AdobeClean-Light"/>
-              </a:rPr>
-              <a:t> </a:t>
-            </a:r>
-            <a:r>
-              <a:rPr sz="900" spc="-20" dirty="0">
-                <a:solidFill>
-                  <a:srgbClr val="020302"/>
-                </a:solidFill>
-                <a:latin typeface="AdobeClean-Light"/>
-                <a:cs typeface="AdobeClean-Light"/>
-              </a:rPr>
-              <a:t>answers</a:t>
-            </a:r>
-            <a:r>
-              <a:rPr lang="en-US" sz="900" spc="-45" dirty="0">
-                <a:solidFill>
-                  <a:srgbClr val="020302"/>
-                </a:solidFill>
-                <a:latin typeface="AdobeClean-Light"/>
-                <a:cs typeface="AdobeClean-Light"/>
-              </a:rPr>
-              <a:t> </a:t>
-            </a:r>
-            <a:r>
-              <a:rPr lang="en-US" sz="900" dirty="0">
-                <a:solidFill>
-                  <a:srgbClr val="020302"/>
-                </a:solidFill>
-                <a:latin typeface="AdobeClean-Light"/>
-                <a:cs typeface="AdobeClean-Light"/>
-              </a:rPr>
-              <a:t>&amp; </a:t>
-            </a:r>
-            <a:r>
-              <a:rPr sz="900" spc="-15" dirty="0">
-                <a:solidFill>
-                  <a:srgbClr val="020302"/>
-                </a:solidFill>
-                <a:latin typeface="AdobeClean-Light"/>
-                <a:cs typeface="AdobeClean-Light"/>
-              </a:rPr>
-              <a:t>help </a:t>
-            </a:r>
-            <a:r>
-              <a:rPr sz="900" spc="-10" dirty="0">
-                <a:solidFill>
-                  <a:srgbClr val="020302"/>
-                </a:solidFill>
-                <a:latin typeface="AdobeClean-Light"/>
-                <a:cs typeface="AdobeClean-Light"/>
-              </a:rPr>
-              <a:t>with</a:t>
-            </a:r>
-            <a:r>
-              <a:rPr sz="900" spc="85" dirty="0">
-                <a:solidFill>
-                  <a:srgbClr val="020302"/>
-                </a:solidFill>
-                <a:latin typeface="AdobeClean-Light"/>
-                <a:cs typeface="AdobeClean-Light"/>
-              </a:rPr>
-              <a:t> </a:t>
-            </a:r>
-            <a:r>
-              <a:rPr sz="900" spc="-10" dirty="0">
-                <a:solidFill>
-                  <a:srgbClr val="020302"/>
-                </a:solidFill>
-                <a:latin typeface="AdobeClean-Light"/>
-                <a:cs typeface="AdobeClean-Light"/>
-              </a:rPr>
-              <a:t>case </a:t>
-            </a:r>
-            <a:r>
-              <a:rPr sz="900" spc="-20" dirty="0">
-                <a:solidFill>
-                  <a:srgbClr val="020302"/>
-                </a:solidFill>
-                <a:latin typeface="AdobeClean-Light"/>
-                <a:cs typeface="AdobeClean-Light"/>
-              </a:rPr>
-              <a:t>submission</a:t>
-            </a:r>
-            <a:r>
-              <a:rPr lang="en-US" sz="900" spc="-20" dirty="0">
-                <a:solidFill>
-                  <a:srgbClr val="020302"/>
-                </a:solidFill>
-                <a:latin typeface="AdobeClean-Light"/>
-                <a:cs typeface="AdobeClean-Light"/>
-              </a:rPr>
-              <a:t>.</a:t>
+              <a:t>Inicie uma sessão de chat para obter respostas e ajuda com o envio de caso.</a:t>
             </a:r>
           </a:p>
           <a:p>
@@ -8323,29 +7338,15 @@
               </a:tabLst>
             </a:pPr>
             <a:r>
-              <a:rPr sz="900" i="1" spc="-10" dirty="0">
+              <a:rPr lang="pt-BR" sz="900" i="1" dirty="0">
                 <a:solidFill>
                   <a:srgbClr val="7A7A7A"/>
                 </a:solidFill>
                 <a:latin typeface="AdobeClean-LightIt"/>
                 <a:cs typeface="AdobeClean-LightIt"/>
               </a:rPr>
-              <a:t>*Not all </a:t>
+              <a:t>*Nem todos os produtos têm suporte de chat ao vivo.  </a:t>
             </a:r>
-            <a:r>
-              <a:rPr sz="900" i="1" spc="-20" dirty="0">
-                <a:solidFill>
-                  <a:srgbClr val="7A7A7A"/>
-                </a:solidFill>
-                <a:latin typeface="AdobeClean-LightIt"/>
-                <a:cs typeface="AdobeClean-LightIt"/>
-              </a:rPr>
-              <a:t>products have live chat support.  </a:t>
-            </a:r>
-            <a:endParaRPr sz="900" dirty="0">
-              <a:latin typeface="AdobeClean-Light"/>
-              <a:cs typeface="AdobeClean-Light"/>
-            </a:endParaRPr>
           </a:p>
         </p:txBody>
       </p:sp>
@@ -8414,19 +7415,15 @@
               </a:spcBef>
             </a:pPr>
             <a:r>
-              <a:rPr lang="en-US" sz="1400" b="1" spc="-10" dirty="0">
+              <a:rPr lang="pt-BR" sz="1400" b="1">
                 <a:solidFill>
                   <a:srgbClr val="020302"/>
                 </a:solidFill>
                 <a:latin typeface="Adobe Clean"/>
                 <a:cs typeface="Adobe Clean"/>
               </a:rPr>
-              <a:t>Standard Support</a:t>
+              <a:t>Suporte Standard</a:t>
             </a:r>
-            <a:endParaRPr lang="en-US" sz="1400" dirty="0">
-              <a:latin typeface="Adobe Clean"/>
-              <a:cs typeface="Adobe Clean"/>
-            </a:endParaRPr>
           </a:p>
         </p:txBody>
       </p:sp>
@@ -8473,12 +7470,12 @@
               <a:defRPr/>
             </a:pPr>
             <a:r>
-              <a:rPr lang="en-US" sz="1200" dirty="0">
+              <a:rPr lang="pt-BR" sz="1200">
                 <a:solidFill>
                   <a:srgbClr val="000000"/>
                 </a:solidFill>
               </a:rPr>
-              <a:t>Community Forums</a:t>
+              <a:t>Fóruns da comunidade</a:t>
             </a:r>
           </a:p>
         </p:txBody>
@@ -8521,12 +7518,12 @@
               </a:spcAft>
             </a:pPr>
             <a:r>
-              <a:rPr lang="en-US" sz="1200" b="1" dirty="0">
+              <a:rPr lang="pt-BR" sz="1200" b="1">
                 <a:latin typeface="+mj-lt"/>
                 <a:ea typeface="Open Sans" pitchFamily="34" charset="0"/>
                 <a:cs typeface="Open Sans" pitchFamily="34" charset="0"/>
               </a:rPr>
-              <a:t>Online Forums</a:t>
+              <a:t>Fóruns online</a:t>
             </a:r>
           </a:p>
         </p:txBody>
@@ -8546,7 +7543,7 @@
         <p:spPr>
           <a:xfrm>
             <a:off x="244599" y="3893151"/>
-            <a:ext cx="3413002" cy="651460"/>
+            <a:ext cx="3413002" cy="805349"/>
           </a:xfrm>
           <a:prstGeom prst="rect">
             <a:avLst/>
@@ -8559,13 +7556,13 @@
           <a:lstStyle/>
           <a:p>
             <a:r>
-              <a:rPr lang="en-US" sz="1000" dirty="0">
+              <a:rPr lang="pt-BR" sz="1000" dirty="0">
                 <a:solidFill>
                   <a:srgbClr val="000000"/>
                 </a:solidFill>
                 <a:latin typeface="Adobe Clean Light" panose="020B0303020404020204" pitchFamily="34" charset="0"/>
               </a:rPr>
-              <a:t>Continuous online access to a growing database of technical solutions, product documentation, FAQs and more. Connect with practitioners and other customers on Adobe Community to share best practices and lessons learned.</a:t>
+              <a:t>Acesso online contínuo a um banco de dados cada vez maior de soluções técnicas, documentação do produto, perguntas frequentes e muito mais. Conecte-se com profissionais e outros clientes na Comunidade da Adobe para compartilhar práticas recomendadas e lições aprendidas.</a:t>
             </a:r>
           </a:p>
         </p:txBody>
@@ -8613,7 +7610,7 @@
               <a:defRPr/>
             </a:pPr>
             <a:r>
-              <a:rPr lang="en-US" sz="1200" dirty="0">
+              <a:rPr lang="pt-BR" sz="1200">
                 <a:solidFill>
                   <a:srgbClr val="000000"/>
                 </a:solidFill>
@@ -8661,12 +7658,12 @@
               </a:spcAft>
             </a:pPr>
             <a:r>
-              <a:rPr lang="en-US" sz="1200" b="1" dirty="0">
+              <a:rPr lang="pt-BR" sz="1200" b="1">
                 <a:latin typeface="+mj-lt"/>
                 <a:ea typeface="Open Sans" pitchFamily="34" charset="0"/>
                 <a:cs typeface="Open Sans" pitchFamily="34" charset="0"/>
               </a:rPr>
-              <a:t>Self-guided Journeys</a:t>
+              <a:t>Jornadas autoguiadas</a:t>
             </a:r>
           </a:p>
         </p:txBody>
@@ -8699,13 +7696,13 @@
           <a:lstStyle/>
           <a:p>
             <a:r>
-              <a:rPr lang="en-US" sz="1000" dirty="0">
+              <a:rPr lang="pt-BR" sz="1000">
                 <a:solidFill>
                   <a:srgbClr val="000000"/>
                 </a:solidFill>
                 <a:latin typeface="Adobe Clean Light" panose="020B0303020404020204" pitchFamily="34" charset="0"/>
               </a:rPr>
-              <a:t>Experience Makers are made with Experience League. Customers can kickstart their Customer Experience Management abilities with personalized learning to develop skills, engage with a global community of peers, and earn career advancing recognition. </a:t>
+              <a:t>A Experience League gera criadores de experiências. Os clientes podem adquirir habilidades de gerenciamento de experiência do cliente com aprendizagem personalizada, participar de uma comunidade de pares global e conseguir reconhecimento de carreira. </a:t>
             </a:r>
           </a:p>
         </p:txBody>
@@ -8753,7 +7750,7 @@
               <a:defRPr/>
             </a:pPr>
             <a:r>
-              <a:rPr lang="en-US" sz="1200" dirty="0">
+              <a:rPr lang="pt-BR" sz="1200">
                 <a:solidFill>
                   <a:srgbClr val="000000"/>
                 </a:solidFill>
@@ -8801,12 +7798,12 @@
               </a:spcAft>
             </a:pPr>
             <a:r>
-              <a:rPr lang="en-US" sz="1200" b="1" dirty="0">
+              <a:rPr lang="pt-BR" sz="1200" b="1">
                 <a:latin typeface="+mj-lt"/>
                 <a:ea typeface="Open Sans" pitchFamily="34" charset="0"/>
                 <a:cs typeface="Open Sans" pitchFamily="34" charset="0"/>
               </a:rPr>
-              <a:t>Webinars</a:t>
+              <a:t>Webinários</a:t>
             </a:r>
           </a:p>
         </p:txBody>
@@ -8839,13 +7836,13 @@
           <a:lstStyle/>
           <a:p>
             <a:r>
-              <a:rPr lang="en-US" sz="1000" dirty="0">
+              <a:rPr lang="pt-BR" sz="1000" dirty="0">
                 <a:solidFill>
                   <a:srgbClr val="000000"/>
                 </a:solidFill>
                 <a:latin typeface="Adobe Clean Light" panose="020B0303020404020204" pitchFamily="34" charset="0"/>
               </a:rPr>
-              <a:t>Office  Hours  led  by  the  Adobe  Customer Support  team  includes  sessions  designed to  inform  as  well  as  help  participants troubleshoot  problems  and  provide  tips and  tricks  for  success  with  Adobe  solutions.</a:t>
+              <a:t>O Office Hours, apresentado pela equipe de Suporte ao cliente da Adobe, inclui sessões para informar e ajudar os participantes a solucionar problemas e fornecer dicas e truques para aproveitar ao máximo as soluções da Adobe.</a:t>
             </a:r>
           </a:p>
         </p:txBody>
@@ -8893,12 +7890,12 @@
               <a:defRPr/>
             </a:pPr>
             <a:r>
-              <a:rPr lang="en-US" sz="1200" dirty="0">
+              <a:rPr lang="pt-BR" sz="1200">
                 <a:solidFill>
                   <a:srgbClr val="000000"/>
                 </a:solidFill>
               </a:rPr>
-              <a:t>Self-help Portals</a:t>
+              <a:t>Portais de autoatendimento</a:t>
             </a:r>
           </a:p>
         </p:txBody>
@@ -8941,12 +7938,12 @@
               </a:spcAft>
             </a:pPr>
             <a:r>
-              <a:rPr lang="en-US" sz="1200" b="1" dirty="0">
+              <a:rPr lang="pt-BR" sz="1200" b="1">
                 <a:latin typeface="+mj-lt"/>
                 <a:ea typeface="Open Sans" pitchFamily="34" charset="0"/>
                 <a:cs typeface="Open Sans" pitchFamily="34" charset="0"/>
               </a:rPr>
-              <a:t>24/7 Support Portal</a:t>
+              <a:t>Portal de suporte 24/7</a:t>
             </a:r>
           </a:p>
         </p:txBody>
@@ -8979,13 +7976,13 @@
           <a:lstStyle/>
           <a:p>
             <a:r>
-              <a:rPr lang="en-US" sz="1000" dirty="0">
+              <a:rPr lang="pt-BR" sz="1000">
                 <a:solidFill>
                   <a:srgbClr val="000000"/>
                 </a:solidFill>
                 <a:latin typeface="Adobe Clean Light" panose="020B0303020404020204" pitchFamily="34" charset="0"/>
               </a:rPr>
-              <a:t>On-demand access to the online Self-help Support Portal to submit support requests, review case status, and browse other resources, like our knowledgebase, news and alerts, featured tips, and more.</a:t>
+              <a:t>Acesso sob demanda ao Portal de autoatendimento online para enviar solicitações de suporte, revisar o status do caso e procurar outros recursos, como nossa base de conhecimento, notícias e alertas, dicas em destaque e muito mais.</a:t>
             </a:r>
           </a:p>
         </p:txBody>
@@ -9033,12 +8030,12 @@
               <a:defRPr/>
             </a:pPr>
             <a:r>
-              <a:rPr lang="en-US" sz="1200" dirty="0">
+              <a:rPr lang="pt-BR" sz="1200">
                 <a:solidFill>
                   <a:srgbClr val="000000"/>
                 </a:solidFill>
               </a:rPr>
-              <a:t>Live Chat  Support*</a:t>
+              <a:t>Suporte por chat ao vivo*</a:t>
             </a:r>
           </a:p>
         </p:txBody>
@@ -9081,12 +8078,12 @@
               </a:spcAft>
             </a:pPr>
             <a:r>
-              <a:rPr lang="en-US" sz="1200" b="1" dirty="0">
+              <a:rPr lang="pt-BR" sz="1200" b="1">
                 <a:latin typeface="+mj-lt"/>
                 <a:ea typeface="Open Sans" pitchFamily="34" charset="0"/>
                 <a:cs typeface="Open Sans" pitchFamily="34" charset="0"/>
               </a:rPr>
-              <a:t>Chat Support</a:t>
+              <a:t>Suporte por chat</a:t>
             </a:r>
           </a:p>
         </p:txBody>
@@ -9134,7 +8131,7 @@
               <a:defRPr/>
             </a:pPr>
             <a:r>
-              <a:rPr lang="en-US" sz="1200" dirty="0">
+              <a:rPr lang="pt-BR" sz="1200">
                 <a:solidFill>
                   <a:srgbClr val="000000"/>
                 </a:solidFill>
@@ -9182,12 +8179,12 @@
               </a:spcAft>
             </a:pPr>
             <a:r>
-              <a:rPr lang="en-US" sz="1200" b="1" dirty="0">
+              <a:rPr lang="pt-BR" sz="1200" b="1">
                 <a:latin typeface="+mj-lt"/>
                 <a:ea typeface="Open Sans" pitchFamily="34" charset="0"/>
                 <a:cs typeface="Open Sans" pitchFamily="34" charset="0"/>
               </a:rPr>
-              <a:t>Phone  Support</a:t>
+              <a:t>Suporte telefônico</a:t>
             </a:r>
           </a:p>
         </p:txBody>
@@ -9220,26 +8217,20 @@
           <a:lstStyle/>
           <a:p>
             <a:r>
-              <a:rPr lang="en-US" sz="1000" dirty="0">
+              <a:rPr lang="pt-BR" sz="1000">
                 <a:solidFill>
                   <a:srgbClr val="020302"/>
                 </a:solidFill>
                 <a:latin typeface="AdobeClean-Light"/>
               </a:rPr>
-              <a:t>Authorized users or Named Support Contacts </a:t>
+              <a:t>Usuários autorizados ou contatos de suporte nomeados</a:t>
             </a:r>
             <a:r>
-              <a:rPr lang="en-US" sz="1000" dirty="0">
+              <a:rPr lang="pt-BR" sz="1000">
                 <a:latin typeface="Adobe Clean Light" panose="020B0303020404020204" pitchFamily="34" charset="0"/>
               </a:rPr>
-              <a:t>can submit issues through all available  channels (including phone for P1) and interact with our technical support team on behalf of your company. </a:t>
+              <a:t> podem enviar problemas por todos os canais disponíveis (incluindo por telefone em prioridades P1) e contatar a equipe de suporte técnico em nome de sua empresa. </a:t>
             </a:r>
-            <a:endParaRPr lang="en-US" sz="1000" dirty="0">
-              <a:solidFill>
-                <a:srgbClr val="000000"/>
-              </a:solidFill>
-              <a:latin typeface="Adobe Clean Light" panose="020B0303020404020204" pitchFamily="34" charset="0"/>
-            </a:endParaRPr>
           </a:p>
         </p:txBody>
       </p:sp>
@@ -9283,24 +8274,8 @@
               </a:spcBef>
             </a:pPr>
             <a:r>
-              <a:rPr spc="-5" dirty="0"/>
-              <a:t>©202</a:t>
-            </a:r>
-            <a:r>
-              <a:rPr lang="en-US" spc="-5" dirty="0"/>
-              <a:t>1</a:t>
-            </a:r>
-            <a:r>
-              <a:rPr spc="-5" dirty="0"/>
-              <a:t> Adobe. All Rights Reserved. Adobe</a:t>
-            </a:r>
-            <a:r>
-              <a:rPr spc="60" dirty="0"/>
-              <a:t> </a:t>
-            </a:r>
-            <a:r>
-              <a:rPr spc="-5" dirty="0"/>
-              <a:t>Confidential.</a:t>
+              <a:rPr lang="pt-BR"/>
+              <a:t>©2021 Adobe. All Rights Reserved. Adobe Confidential.</a:t>
             </a:r>
           </a:p>
         </p:txBody>
@@ -9591,49 +8566,15 @@
               </a:lnSpc>
             </a:pPr>
             <a:r>
-              <a:rPr sz="500" spc="-5" dirty="0">
+              <a:rPr lang="pt-BR" sz="500">
                 <a:solidFill>
                   <a:srgbClr val="6C6C6C"/>
                 </a:solidFill>
                 <a:latin typeface="Adobe Clean"/>
                 <a:cs typeface="Adobe Clean"/>
               </a:rPr>
-              <a:t>©2020 Adobe. All Rights Reserved. </a:t>
+              <a:t>©2020 Adobe. All Rights Reserved. Adobe Confidential.</a:t>
             </a:r>
-            <a:r>
-              <a:rPr sz="500" dirty="0">
-                <a:solidFill>
-                  <a:srgbClr val="6C6C6C"/>
-                </a:solidFill>
-                <a:latin typeface="Adobe Clean"/>
-                <a:cs typeface="Adobe Clean"/>
-              </a:rPr>
-              <a:t>Adobe</a:t>
-            </a:r>
-            <a:r>
-              <a:rPr sz="500" spc="5" dirty="0">
-                <a:solidFill>
-                  <a:srgbClr val="6C6C6C"/>
-                </a:solidFill>
-                <a:latin typeface="Adobe Clean"/>
-                <a:cs typeface="Adobe Clean"/>
-              </a:rPr>
-              <a:t> </a:t>
-            </a:r>
-            <a:r>
-              <a:rPr sz="500" spc="-5" dirty="0">
-                <a:solidFill>
-                  <a:srgbClr val="6C6C6C"/>
-                </a:solidFill>
-                <a:latin typeface="Adobe Clean"/>
-                <a:cs typeface="Adobe Clean"/>
-              </a:rPr>
-              <a:t>Confidential.</a:t>
-            </a:r>
-            <a:endParaRPr sz="500">
-              <a:latin typeface="Adobe Clean"/>
-              <a:cs typeface="Adobe Clean"/>
-            </a:endParaRPr>
           </a:p>
           <a:p>
             <a:pPr>
@@ -9659,39 +8600,15 @@
               </a:spcBef>
             </a:pPr>
             <a:r>
-              <a:rPr sz="800" spc="-5" dirty="0">
+              <a:rPr lang="pt-BR" sz="800">
                 <a:solidFill>
                   <a:srgbClr val="6D6D6D"/>
                 </a:solidFill>
                 <a:latin typeface="Adobe Clean"/>
                 <a:cs typeface="Adobe Clean"/>
               </a:rPr>
-              <a:t>©2020 Adobe. All Rights Reserved. Adobe</a:t>
+              <a:t>©2020 Adobe. All Rights Reserved. Adobe Confidential.</a:t>
             </a:r>
-            <a:r>
-              <a:rPr sz="800" spc="75" dirty="0">
-                <a:solidFill>
-                  <a:srgbClr val="6D6D6D"/>
-                </a:solidFill>
-                <a:latin typeface="Adobe Clean"/>
-                <a:cs typeface="Adobe Clean"/>
-              </a:rPr>
-              <a:t> </a:t>
-            </a:r>
-            <a:r>
-              <a:rPr sz="800" spc="-5" dirty="0">
-                <a:solidFill>
-                  <a:srgbClr val="6D6D6D"/>
-                </a:solidFill>
-                <a:latin typeface="Adobe Clean"/>
-                <a:cs typeface="Adobe Clean"/>
-              </a:rPr>
-              <a:t>Confidential.</a:t>
-            </a:r>
-            <a:endParaRPr sz="800">
-              <a:latin typeface="Adobe Clean"/>
-              <a:cs typeface="Adobe Clean"/>
-            </a:endParaRPr>
           </a:p>
         </p:txBody>
       </p:sp>
@@ -9775,19 +8692,15 @@
               </a:spcBef>
             </a:pPr>
             <a:r>
-              <a:rPr lang="en-US" sz="1400" b="1" spc="-15" dirty="0">
+              <a:rPr lang="pt-BR" sz="1400" b="1">
                 <a:solidFill>
                   <a:srgbClr val="020302"/>
                 </a:solidFill>
                 <a:latin typeface="Adobe Clean"/>
                 <a:cs typeface="Adobe Clean"/>
               </a:rPr>
-              <a:t>Resources</a:t>
+              <a:t>Recursos</a:t>
             </a:r>
-            <a:endParaRPr sz="1400" dirty="0">
-              <a:latin typeface="Adobe Clean"/>
-              <a:cs typeface="Adobe Clean"/>
-            </a:endParaRPr>
           </a:p>
         </p:txBody>
       </p:sp>
@@ -9800,7 +8713,7 @@
         <p:spPr>
           <a:xfrm>
             <a:off x="6754821" y="9283729"/>
-            <a:ext cx="930275" cy="758541"/>
+            <a:ext cx="930275" cy="612347"/>
           </a:xfrm>
           <a:prstGeom prst="rect">
             <a:avLst/>
@@ -9821,7 +8734,7 @@
               </a:spcBef>
             </a:pPr>
             <a:r>
-              <a:rPr sz="800" spc="-15" dirty="0">
+              <a:rPr lang="pt-BR" sz="700" dirty="0">
                 <a:solidFill>
                   <a:srgbClr val="777879"/>
                 </a:solidFill>
@@ -9830,10 +8743,6 @@
               </a:rPr>
               <a:t>Adobe</a:t>
             </a:r>
-            <a:endParaRPr sz="800">
-              <a:latin typeface="Adobe Clean"/>
-              <a:cs typeface="Adobe Clean"/>
-            </a:endParaRPr>
           </a:p>
           <a:p>
             <a:pPr marL="12700">
@@ -9842,29 +8751,15 @@
               </a:lnSpc>
             </a:pPr>
             <a:r>
-              <a:rPr sz="800" spc="-15" dirty="0">
+              <a:rPr lang="pt-BR" sz="700" dirty="0">
                 <a:solidFill>
                   <a:srgbClr val="777879"/>
                 </a:solidFill>
                 <a:latin typeface="Adobe Clean"/>
                 <a:cs typeface="Adobe Clean"/>
               </a:rPr>
-              <a:t>345 </a:t>
+              <a:t>345 Park Avenue</a:t>
             </a:r>
-            <a:r>
-              <a:rPr lang="en-US" sz="800" spc="-15" dirty="0">
-                <a:solidFill>
-                  <a:srgbClr val="777879"/>
-                </a:solidFill>
-                <a:latin typeface="Adobe Clean"/>
-                <a:cs typeface="Adobe Clean"/>
-              </a:rPr>
-              <a:t>Park Avenue</a:t>
-            </a:r>
-            <a:endParaRPr sz="800" dirty="0">
-              <a:latin typeface="Adobe Clean"/>
-              <a:cs typeface="Adobe Clean"/>
-            </a:endParaRPr>
           </a:p>
           <a:p>
             <a:pPr marL="12700">
@@ -9873,49 +8768,15 @@
               </a:lnSpc>
             </a:pPr>
             <a:r>
-              <a:rPr sz="800" spc="-10" dirty="0">
+              <a:rPr lang="pt-BR" sz="700" dirty="0">
                 <a:solidFill>
                   <a:srgbClr val="777879"/>
                 </a:solidFill>
                 <a:latin typeface="Adobe Clean"/>
                 <a:cs typeface="Adobe Clean"/>
               </a:rPr>
-              <a:t>San </a:t>
+              <a:t>San Jose, CA95110-2704</a:t>
             </a:r>
-            <a:r>
-              <a:rPr sz="800" spc="-15" dirty="0">
-                <a:solidFill>
-                  <a:srgbClr val="777879"/>
-                </a:solidFill>
-                <a:latin typeface="Adobe Clean"/>
-                <a:cs typeface="Adobe Clean"/>
-              </a:rPr>
-              <a:t>Jose,</a:t>
-            </a:r>
-            <a:r>
-              <a:rPr sz="800" spc="-140" dirty="0">
-                <a:solidFill>
-                  <a:srgbClr val="777879"/>
-                </a:solidFill>
-                <a:latin typeface="Adobe Clean"/>
-                <a:cs typeface="Adobe Clean"/>
-              </a:rPr>
-              <a:t> </a:t>
-            </a:r>
-            <a:r>
-              <a:rPr sz="800" spc="-20" dirty="0">
-                <a:solidFill>
-                  <a:srgbClr val="777879"/>
-                </a:solidFill>
-                <a:latin typeface="Adobe Clean"/>
-                <a:cs typeface="Adobe Clean"/>
-              </a:rPr>
-              <a:t>CA95110-2704</a:t>
-            </a:r>
-            <a:endParaRPr sz="800">
-              <a:latin typeface="Adobe Clean"/>
-              <a:cs typeface="Adobe Clean"/>
-            </a:endParaRPr>
           </a:p>
           <a:p>
             <a:pPr marL="12700">
@@ -9927,7 +8788,7 @@
               </a:spcBef>
             </a:pPr>
             <a:r>
-              <a:rPr sz="800" spc="-10" dirty="0">
+              <a:rPr lang="pt-BR" sz="700" dirty="0">
                 <a:solidFill>
                   <a:srgbClr val="777879"/>
                 </a:solidFill>
@@ -9936,10 +8797,6 @@
               </a:rPr>
               <a:t>USA</a:t>
             </a:r>
-            <a:endParaRPr sz="800">
-              <a:latin typeface="Adobe Clean"/>
-              <a:cs typeface="Adobe Clean"/>
-            </a:endParaRPr>
           </a:p>
           <a:p>
             <a:pPr marL="12700">
@@ -9951,7 +8808,7 @@
               </a:spcBef>
             </a:pPr>
             <a:r>
-              <a:rPr sz="800" u="sng" spc="-25" dirty="0">
+              <a:rPr lang="pt-BR" sz="700" u="sng" dirty="0">
                 <a:solidFill>
                   <a:srgbClr val="5F5F5F"/>
                 </a:solidFill>
@@ -9966,10 +8823,6 @@
               </a:rPr>
               <a:t>www.adobe.com</a:t>
             </a:r>
-            <a:endParaRPr sz="800">
-              <a:latin typeface="Adobe Clean"/>
-              <a:cs typeface="Adobe Clean"/>
-            </a:endParaRPr>
           </a:p>
         </p:txBody>
       </p:sp>
@@ -10122,7 +8975,7 @@
         </p:nvSpPr>
         <p:spPr>
           <a:xfrm>
-            <a:off x="75947" y="9437110"/>
+            <a:off x="75947" y="9487535"/>
             <a:ext cx="5466715" cy="570865"/>
           </a:xfrm>
           <a:prstGeom prst="rect">
@@ -10144,449 +8997,15 @@
               </a:spcBef>
             </a:pPr>
             <a:r>
-              <a:rPr sz="1100" i="1" spc="-10" dirty="0">
+              <a:rPr lang="pt-BR" sz="1100" i="1" dirty="0">
                 <a:solidFill>
                   <a:srgbClr val="777879"/>
                 </a:solidFill>
                 <a:latin typeface="AdobeClean-LightIt"/>
                 <a:cs typeface="AdobeClean-LightIt"/>
               </a:rPr>
-              <a:t>To</a:t>
+              <a:t>Para saber mais sobre os Serviços de suporte Adobe e identificar o nível certo para você, entre em contato com o seu Gerente de conta nomeado (NAM, em inglês) ou Gerente de sucesso do cliente (CSM, em inglês).</a:t>
             </a:r>
-            <a:r>
-              <a:rPr sz="1100" i="1" spc="-50" dirty="0">
-                <a:solidFill>
-                  <a:srgbClr val="777879"/>
-                </a:solidFill>
-                <a:latin typeface="AdobeClean-LightIt"/>
-                <a:cs typeface="AdobeClean-LightIt"/>
-              </a:rPr>
-              <a:t> </a:t>
-            </a:r>
-            <a:r>
-              <a:rPr sz="1100" i="1" spc="-15" dirty="0">
-                <a:solidFill>
-                  <a:srgbClr val="777879"/>
-                </a:solidFill>
-                <a:latin typeface="AdobeClean-LightIt"/>
-                <a:cs typeface="AdobeClean-LightIt"/>
-              </a:rPr>
-              <a:t>learn</a:t>
-            </a:r>
-            <a:r>
-              <a:rPr sz="1100" i="1" spc="-40" dirty="0">
-                <a:solidFill>
-                  <a:srgbClr val="777879"/>
-                </a:solidFill>
-                <a:latin typeface="AdobeClean-LightIt"/>
-                <a:cs typeface="AdobeClean-LightIt"/>
-              </a:rPr>
-              <a:t> </a:t>
-            </a:r>
-            <a:r>
-              <a:rPr sz="1100" i="1" spc="-15" dirty="0">
-                <a:solidFill>
-                  <a:srgbClr val="777879"/>
-                </a:solidFill>
-                <a:latin typeface="AdobeClean-LightIt"/>
-                <a:cs typeface="AdobeClean-LightIt"/>
-              </a:rPr>
-              <a:t>more</a:t>
-            </a:r>
-            <a:r>
-              <a:rPr sz="1100" i="1" spc="-45" dirty="0">
-                <a:solidFill>
-                  <a:srgbClr val="777879"/>
-                </a:solidFill>
-                <a:latin typeface="AdobeClean-LightIt"/>
-                <a:cs typeface="AdobeClean-LightIt"/>
-              </a:rPr>
-              <a:t> </a:t>
-            </a:r>
-            <a:r>
-              <a:rPr sz="1100" i="1" spc="-15" dirty="0">
-                <a:solidFill>
-                  <a:srgbClr val="777879"/>
-                </a:solidFill>
-                <a:latin typeface="AdobeClean-LightIt"/>
-                <a:cs typeface="AdobeClean-LightIt"/>
-              </a:rPr>
-              <a:t>about</a:t>
-            </a:r>
-            <a:r>
-              <a:rPr sz="1100" i="1" spc="-45" dirty="0">
-                <a:solidFill>
-                  <a:srgbClr val="777879"/>
-                </a:solidFill>
-                <a:latin typeface="AdobeClean-LightIt"/>
-                <a:cs typeface="AdobeClean-LightIt"/>
-              </a:rPr>
-              <a:t> </a:t>
-            </a:r>
-            <a:r>
-              <a:rPr sz="1100" i="1" spc="-15" dirty="0">
-                <a:solidFill>
-                  <a:srgbClr val="777879"/>
-                </a:solidFill>
-                <a:latin typeface="AdobeClean-LightIt"/>
-                <a:cs typeface="AdobeClean-LightIt"/>
-              </a:rPr>
-              <a:t>Adobe</a:t>
-            </a:r>
-            <a:r>
-              <a:rPr sz="1100" i="1" spc="-60" dirty="0">
-                <a:solidFill>
-                  <a:srgbClr val="777879"/>
-                </a:solidFill>
-                <a:latin typeface="AdobeClean-LightIt"/>
-                <a:cs typeface="AdobeClean-LightIt"/>
-              </a:rPr>
-              <a:t> </a:t>
-            </a:r>
-            <a:r>
-              <a:rPr sz="1100" i="1" spc="-15" dirty="0">
-                <a:solidFill>
-                  <a:srgbClr val="777879"/>
-                </a:solidFill>
-                <a:latin typeface="AdobeClean-LightIt"/>
-                <a:cs typeface="AdobeClean-LightIt"/>
-              </a:rPr>
-              <a:t>Support</a:t>
-            </a:r>
-            <a:r>
-              <a:rPr lang="en-US" sz="1100" i="1" spc="-15" dirty="0">
-                <a:solidFill>
-                  <a:srgbClr val="777879"/>
-                </a:solidFill>
-                <a:latin typeface="AdobeClean-LightIt"/>
-                <a:cs typeface="AdobeClean-LightIt"/>
-              </a:rPr>
-              <a:t> Offerings</a:t>
-            </a:r>
-            <a:r>
-              <a:rPr sz="1100" i="1" spc="-75" dirty="0">
-                <a:solidFill>
-                  <a:srgbClr val="777879"/>
-                </a:solidFill>
-                <a:latin typeface="AdobeClean-LightIt"/>
-                <a:cs typeface="AdobeClean-LightIt"/>
-              </a:rPr>
-              <a:t> </a:t>
-            </a:r>
-            <a:r>
-              <a:rPr sz="1100" i="1" spc="-15" dirty="0">
-                <a:solidFill>
-                  <a:srgbClr val="777879"/>
-                </a:solidFill>
-                <a:latin typeface="AdobeClean-LightIt"/>
-                <a:cs typeface="AdobeClean-LightIt"/>
-              </a:rPr>
-              <a:t>and</a:t>
-            </a:r>
-            <a:r>
-              <a:rPr sz="1100" i="1" spc="-50" dirty="0">
-                <a:solidFill>
-                  <a:srgbClr val="777879"/>
-                </a:solidFill>
-                <a:latin typeface="AdobeClean-LightIt"/>
-                <a:cs typeface="AdobeClean-LightIt"/>
-              </a:rPr>
-              <a:t> </a:t>
-            </a:r>
-            <a:r>
-              <a:rPr sz="1100" i="1" spc="-15" dirty="0">
-                <a:solidFill>
-                  <a:srgbClr val="777879"/>
-                </a:solidFill>
-                <a:latin typeface="AdobeClean-LightIt"/>
-                <a:cs typeface="AdobeClean-LightIt"/>
-              </a:rPr>
-              <a:t>the</a:t>
-            </a:r>
-            <a:r>
-              <a:rPr sz="1100" i="1" spc="-55" dirty="0">
-                <a:solidFill>
-                  <a:srgbClr val="777879"/>
-                </a:solidFill>
-                <a:latin typeface="AdobeClean-LightIt"/>
-                <a:cs typeface="AdobeClean-LightIt"/>
-              </a:rPr>
-              <a:t> </a:t>
-            </a:r>
-            <a:r>
-              <a:rPr sz="1100" i="1" spc="-15" dirty="0">
-                <a:solidFill>
-                  <a:srgbClr val="777879"/>
-                </a:solidFill>
-                <a:latin typeface="AdobeClean-LightIt"/>
-                <a:cs typeface="AdobeClean-LightIt"/>
-              </a:rPr>
-              <a:t>right</a:t>
-            </a:r>
-            <a:r>
-              <a:rPr sz="1100" i="1" spc="-95" dirty="0">
-                <a:solidFill>
-                  <a:srgbClr val="777879"/>
-                </a:solidFill>
-                <a:latin typeface="AdobeClean-LightIt"/>
-                <a:cs typeface="AdobeClean-LightIt"/>
-              </a:rPr>
-              <a:t> </a:t>
-            </a:r>
-            <a:r>
-              <a:rPr sz="1100" i="1" spc="-15" dirty="0">
-                <a:solidFill>
-                  <a:srgbClr val="777879"/>
-                </a:solidFill>
-                <a:latin typeface="AdobeClean-LightIt"/>
-                <a:cs typeface="AdobeClean-LightIt"/>
-              </a:rPr>
-              <a:t>level</a:t>
-            </a:r>
-            <a:r>
-              <a:rPr sz="1100" i="1" spc="-55" dirty="0">
-                <a:solidFill>
-                  <a:srgbClr val="777879"/>
-                </a:solidFill>
-                <a:latin typeface="AdobeClean-LightIt"/>
-                <a:cs typeface="AdobeClean-LightIt"/>
-              </a:rPr>
-              <a:t> </a:t>
-            </a:r>
-            <a:r>
-              <a:rPr sz="1100" i="1" spc="-15" dirty="0">
-                <a:solidFill>
-                  <a:srgbClr val="777879"/>
-                </a:solidFill>
-                <a:latin typeface="AdobeClean-LightIt"/>
-                <a:cs typeface="AdobeClean-LightIt"/>
-              </a:rPr>
-              <a:t>for</a:t>
-            </a:r>
-            <a:r>
-              <a:rPr sz="1100" i="1" spc="-85" dirty="0">
-                <a:solidFill>
-                  <a:srgbClr val="777879"/>
-                </a:solidFill>
-                <a:latin typeface="AdobeClean-LightIt"/>
-                <a:cs typeface="AdobeClean-LightIt"/>
-              </a:rPr>
-              <a:t> </a:t>
-            </a:r>
-            <a:r>
-              <a:rPr sz="1100" i="1" spc="-15" dirty="0">
-                <a:solidFill>
-                  <a:srgbClr val="777879"/>
-                </a:solidFill>
-                <a:latin typeface="AdobeClean-LightIt"/>
-                <a:cs typeface="AdobeClean-LightIt"/>
-              </a:rPr>
-              <a:t>you,</a:t>
-            </a:r>
-            <a:r>
-              <a:rPr sz="1100" i="1" spc="-65" dirty="0">
-                <a:solidFill>
-                  <a:srgbClr val="777879"/>
-                </a:solidFill>
-                <a:latin typeface="AdobeClean-LightIt"/>
-                <a:cs typeface="AdobeClean-LightIt"/>
-              </a:rPr>
-              <a:t> </a:t>
-            </a:r>
-            <a:r>
-              <a:rPr sz="1100" i="1" spc="-15" dirty="0">
-                <a:solidFill>
-                  <a:srgbClr val="777879"/>
-                </a:solidFill>
-                <a:latin typeface="AdobeClean-LightIt"/>
-                <a:cs typeface="AdobeClean-LightIt"/>
-              </a:rPr>
-              <a:t>contact</a:t>
-            </a:r>
-            <a:r>
-              <a:rPr sz="1100" i="1" spc="-85" dirty="0">
-                <a:solidFill>
-                  <a:srgbClr val="777879"/>
-                </a:solidFill>
-                <a:latin typeface="AdobeClean-LightIt"/>
-                <a:cs typeface="AdobeClean-LightIt"/>
-              </a:rPr>
-              <a:t> </a:t>
-            </a:r>
-            <a:r>
-              <a:rPr sz="1100" i="1" spc="-15" dirty="0">
-                <a:solidFill>
-                  <a:srgbClr val="777879"/>
-                </a:solidFill>
-                <a:latin typeface="AdobeClean-LightIt"/>
-                <a:cs typeface="AdobeClean-LightIt"/>
-              </a:rPr>
-              <a:t>your</a:t>
-            </a:r>
-            <a:r>
-              <a:rPr sz="1100" i="1" spc="-70" dirty="0">
-                <a:solidFill>
-                  <a:srgbClr val="777879"/>
-                </a:solidFill>
-                <a:latin typeface="AdobeClean-LightIt"/>
-                <a:cs typeface="AdobeClean-LightIt"/>
-              </a:rPr>
-              <a:t> </a:t>
-            </a:r>
-            <a:r>
-              <a:rPr sz="1100" i="1" spc="-15" dirty="0">
-                <a:solidFill>
-                  <a:srgbClr val="777879"/>
-                </a:solidFill>
-                <a:latin typeface="AdobeClean-LightIt"/>
-                <a:cs typeface="AdobeClean-LightIt"/>
-              </a:rPr>
-              <a:t>Named</a:t>
-            </a:r>
-            <a:r>
-              <a:rPr sz="1100" i="1" spc="-55" dirty="0">
-                <a:solidFill>
-                  <a:srgbClr val="777879"/>
-                </a:solidFill>
-                <a:latin typeface="AdobeClean-LightIt"/>
-                <a:cs typeface="AdobeClean-LightIt"/>
-              </a:rPr>
-              <a:t> </a:t>
-            </a:r>
-            <a:r>
-              <a:rPr sz="1100" i="1" spc="-25" dirty="0">
-                <a:solidFill>
-                  <a:srgbClr val="777879"/>
-                </a:solidFill>
-                <a:latin typeface="AdobeClean-LightIt"/>
-                <a:cs typeface="AdobeClean-LightIt"/>
-              </a:rPr>
-              <a:t>Account</a:t>
-            </a:r>
-            <a:r>
-              <a:rPr sz="1100" i="1" spc="-120" dirty="0">
-                <a:solidFill>
-                  <a:srgbClr val="777879"/>
-                </a:solidFill>
-                <a:latin typeface="AdobeClean-LightIt"/>
-                <a:cs typeface="AdobeClean-LightIt"/>
-              </a:rPr>
-              <a:t> </a:t>
-            </a:r>
-            <a:r>
-              <a:rPr sz="1100" i="1" spc="-20" dirty="0">
-                <a:solidFill>
-                  <a:srgbClr val="777879"/>
-                </a:solidFill>
-                <a:latin typeface="AdobeClean-LightIt"/>
-                <a:cs typeface="AdobeClean-LightIt"/>
-              </a:rPr>
-              <a:t>Manager</a:t>
-            </a:r>
-            <a:r>
-              <a:rPr lang="en-US" sz="1100" i="1" spc="-20" dirty="0">
-                <a:solidFill>
-                  <a:srgbClr val="777879"/>
-                </a:solidFill>
-                <a:latin typeface="AdobeClean-LightIt"/>
-                <a:cs typeface="AdobeClean-LightIt"/>
-              </a:rPr>
-              <a:t> </a:t>
-            </a:r>
-            <a:r>
-              <a:rPr sz="1100" i="1" spc="-20" dirty="0">
-                <a:solidFill>
-                  <a:srgbClr val="777879"/>
-                </a:solidFill>
-                <a:latin typeface="AdobeClean-LightIt"/>
-                <a:cs typeface="AdobeClean-LightIt"/>
-              </a:rPr>
-              <a:t> </a:t>
-            </a:r>
-            <a:r>
-              <a:rPr sz="1100" i="1" spc="-15" dirty="0">
-                <a:solidFill>
-                  <a:srgbClr val="777879"/>
-                </a:solidFill>
-                <a:latin typeface="AdobeClean-LightIt"/>
-                <a:cs typeface="AdobeClean-LightIt"/>
-              </a:rPr>
-              <a:t>(NAM) </a:t>
-            </a:r>
-            <a:r>
-              <a:rPr sz="1100" i="1" spc="-10" dirty="0">
-                <a:solidFill>
-                  <a:srgbClr val="777879"/>
-                </a:solidFill>
-                <a:latin typeface="AdobeClean-LightIt"/>
-                <a:cs typeface="AdobeClean-LightIt"/>
-              </a:rPr>
-              <a:t>or </a:t>
-            </a:r>
-            <a:r>
-              <a:rPr sz="1100" i="1" spc="-15" dirty="0">
-                <a:solidFill>
-                  <a:srgbClr val="777879"/>
-                </a:solidFill>
-                <a:latin typeface="AdobeClean-LightIt"/>
-                <a:cs typeface="AdobeClean-LightIt"/>
-              </a:rPr>
-              <a:t>Customer </a:t>
-            </a:r>
-            <a:r>
-              <a:rPr sz="1100" i="1" spc="-20" dirty="0">
-                <a:solidFill>
-                  <a:srgbClr val="777879"/>
-                </a:solidFill>
-                <a:latin typeface="AdobeClean-LightIt"/>
-                <a:cs typeface="AdobeClean-LightIt"/>
-              </a:rPr>
-              <a:t>Success</a:t>
-            </a:r>
-            <a:r>
-              <a:rPr lang="en-US" sz="1100" i="1" spc="-20" dirty="0">
-                <a:solidFill>
-                  <a:srgbClr val="777879"/>
-                </a:solidFill>
-                <a:latin typeface="AdobeClean-LightIt"/>
-                <a:cs typeface="AdobeClean-LightIt"/>
-              </a:rPr>
-              <a:t> </a:t>
-            </a:r>
-            <a:r>
-              <a:rPr sz="1100" i="1" spc="-15" dirty="0">
-                <a:solidFill>
-                  <a:srgbClr val="777879"/>
-                </a:solidFill>
-                <a:latin typeface="AdobeClean-LightIt"/>
-                <a:cs typeface="AdobeClean-LightIt"/>
-              </a:rPr>
-              <a:t>Manager</a:t>
-            </a:r>
-            <a:r>
-              <a:rPr lang="en-US" sz="1100" i="1" spc="-15" dirty="0">
-                <a:solidFill>
-                  <a:srgbClr val="777879"/>
-                </a:solidFill>
-                <a:latin typeface="AdobeClean-LightIt"/>
-                <a:cs typeface="AdobeClean-LightIt"/>
-              </a:rPr>
-              <a:t> </a:t>
-            </a:r>
-            <a:r>
-              <a:rPr sz="1100" i="1" spc="-15" dirty="0">
-                <a:solidFill>
-                  <a:srgbClr val="777879"/>
-                </a:solidFill>
-                <a:latin typeface="AdobeClean-LightIt"/>
-                <a:cs typeface="AdobeClean-LightIt"/>
-              </a:rPr>
-              <a:t>(CSM)</a:t>
-            </a:r>
-            <a:endParaRPr sz="1100" dirty="0">
-              <a:latin typeface="AdobeClean-LightIt"/>
-              <a:cs typeface="AdobeClean-LightIt"/>
-            </a:endParaRPr>
           </a:p>
           <a:p>
             <a:pPr marL="34290">
@@ -10598,59 +9017,15 @@
               </a:spcBef>
             </a:pPr>
             <a:r>
-              <a:rPr sz="800" spc="-5" dirty="0">
+              <a:rPr lang="pt-BR" sz="800" dirty="0">
                 <a:solidFill>
                   <a:srgbClr val="6D6D6D"/>
                 </a:solidFill>
                 <a:latin typeface="Adobe Clean"/>
                 <a:cs typeface="Adobe Clean"/>
               </a:rPr>
-              <a:t>©202</a:t>
+              <a:t>©2021 Adobe. All Rights Reserved. Adobe Confidential.</a:t>
             </a:r>
-            <a:r>
-              <a:rPr lang="en-US" sz="800" spc="-5" dirty="0">
-                <a:solidFill>
-                  <a:srgbClr val="6D6D6D"/>
-                </a:solidFill>
-                <a:latin typeface="Adobe Clean"/>
-                <a:cs typeface="Adobe Clean"/>
-              </a:rPr>
-              <a:t>1</a:t>
-            </a:r>
-            <a:r>
-              <a:rPr sz="800" spc="-5" dirty="0">
-                <a:solidFill>
-                  <a:srgbClr val="6D6D6D"/>
-                </a:solidFill>
-                <a:latin typeface="Adobe Clean"/>
-                <a:cs typeface="Adobe Clean"/>
-              </a:rPr>
-              <a:t> Adobe. All Rights Reserved. Adobe</a:t>
-            </a:r>
-            <a:r>
-              <a:rPr sz="800" spc="75" dirty="0">
-                <a:solidFill>
-                  <a:srgbClr val="6D6D6D"/>
-                </a:solidFill>
-                <a:latin typeface="Adobe Clean"/>
-                <a:cs typeface="Adobe Clean"/>
-              </a:rPr>
-              <a:t> </a:t>
-            </a:r>
-            <a:r>
-              <a:rPr sz="800" spc="-5" dirty="0">
-                <a:solidFill>
-                  <a:srgbClr val="6D6D6D"/>
-                </a:solidFill>
-                <a:latin typeface="Adobe Clean"/>
-                <a:cs typeface="Adobe Clean"/>
-              </a:rPr>
-              <a:t>Confidential.</a:t>
-            </a:r>
-            <a:endParaRPr sz="800" dirty="0">
-              <a:latin typeface="Adobe Clean"/>
-              <a:cs typeface="Adobe Clean"/>
-            </a:endParaRPr>
           </a:p>
         </p:txBody>
       </p:sp>
@@ -10687,14 +9062,14 @@
               </a:spcBef>
             </a:pPr>
             <a:r>
-              <a:rPr lang="en-US" sz="1400" b="1" spc="-15" dirty="0">
+              <a:rPr lang="pt-BR" sz="1400" b="1">
                 <a:solidFill>
                   <a:srgbClr val="020302"/>
                 </a:solidFill>
                 <a:latin typeface="Adobe Clean"/>
                 <a:cs typeface="Adobe Clean"/>
               </a:rPr>
-              <a:t>Regional scope of Adobe Support, Local Hours Of Operation And Language Support</a:t>
+              <a:t>Escopo regional do Suporte da Adobe, horário local de operação e suporte de idioma</a:t>
             </a:r>
           </a:p>
           <a:p>
@@ -10704,13 +9079,13 @@
               </a:spcBef>
             </a:pPr>
             <a:r>
-              <a:rPr lang="en-US" sz="1000" spc="-15" dirty="0">
+              <a:rPr lang="pt-BR" sz="1000">
                 <a:solidFill>
                   <a:srgbClr val="1F1F1F"/>
                 </a:solidFill>
                 <a:latin typeface="AdobeClean-Light"/>
               </a:rPr>
-              <a:t>The Regional scope of Adobe Support is established by aligning the customer's billing address (via the Sales Order or other Adobe Support purchasing document) to one of the following regions:</a:t>
+              <a:t>O escopo regional do Suporte da Adobe é estabelecido alinhando o endereço de faturamento do cliente (conforme a ordem de venda ou outro documento de compra do Suporte da Adobe) a uma das regiões seguintes:</a:t>
             </a:r>
           </a:p>
         </p:txBody>
@@ -10730,7 +9105,7 @@
           <p:nvPr>
             <p:extLst>
               <p:ext uri="{D42A27DB-BD31-4B8C-83A1-F6EECF244321}">
-                <p14:modId xmlns:p14="http://schemas.microsoft.com/office/powerpoint/2010/main" val="2846210228"/>
+                <p14:modId xmlns:p14="http://schemas.microsoft.com/office/powerpoint/2010/main" val="3376974478"/>
               </p:ext>
             </p:extLst>
           </p:nvPr>
@@ -10783,13 +9158,13 @@
                     <a:p>
                       <a:pPr algn="ctr"/>
                       <a:r>
-                        <a:rPr lang="en-US" sz="1100" dirty="0">
+                        <a:rPr lang="pt-BR" sz="1100">
                           <a:solidFill>
                             <a:schemeClr val="tx1"/>
                           </a:solidFill>
                           <a:latin typeface="Adobe Clean" panose="020B0503020404020204" pitchFamily="34" charset="0"/>
                         </a:rPr>
-                        <a:t>Americas</a:t>
+                        <a:t>Américas</a:t>
                       </a:r>
                     </a:p>
                   </a:txBody>
@@ -10848,13 +9223,13 @@
                     <a:p>
                       <a:pPr algn="ctr"/>
                       <a:r>
-                        <a:rPr lang="en-US" sz="1100" dirty="0">
+                        <a:rPr lang="pt-BR" sz="1100" dirty="0">
                           <a:solidFill>
                             <a:schemeClr val="tx1"/>
                           </a:solidFill>
                           <a:latin typeface="Adobe Clean" panose="020B0503020404020204" pitchFamily="34" charset="0"/>
                         </a:rPr>
-                        <a:t>Europe, Middle East &amp; Africa</a:t>
+                        <a:t>Europa, Oriente Médio e África</a:t>
                       </a:r>
                     </a:p>
                   </a:txBody>
@@ -10913,13 +9288,13 @@
                     <a:p>
                       <a:pPr algn="ctr"/>
                       <a:r>
-                        <a:rPr lang="en-US" sz="1100" dirty="0">
+                        <a:rPr lang="pt-BR" sz="1100">
                           <a:solidFill>
                             <a:schemeClr val="tx1"/>
                           </a:solidFill>
                           <a:latin typeface="Adobe Clean" panose="020B0503020404020204" pitchFamily="34" charset="0"/>
                         </a:rPr>
-                        <a:t>Asia Pacific</a:t>
+                        <a:t>Ásia–Pacífico</a:t>
                       </a:r>
                     </a:p>
                   </a:txBody>
@@ -10978,16 +9353,16 @@
                     <a:p>
                       <a:pPr algn="ctr"/>
                       <a:r>
-                        <a:rPr lang="en-US" sz="1100" dirty="0">
+                        <a:rPr lang="pt-BR" sz="1100">
                           <a:solidFill>
                             <a:schemeClr val="tx1"/>
                           </a:solidFill>
                           <a:latin typeface="Adobe Clean"/>
                         </a:rPr>
-                        <a:t>Japan </a:t>
+                        <a:t>Japão</a:t>
                       </a:r>
                       <a:r>
-                        <a:rPr lang="en-US" sz="1100" baseline="30000" dirty="0">
+                        <a:rPr lang="pt-BR" sz="1100" baseline="30000">
                           <a:solidFill>
                             <a:schemeClr val="tx1"/>
                           </a:solidFill>
@@ -10995,12 +9370,6 @@
                         </a:rPr>
                         <a:t>1 </a:t>
                       </a:r>
-                      <a:endParaRPr lang="en-US" sz="1100" dirty="0">
-                        <a:solidFill>
-                          <a:schemeClr val="tx1"/>
-                        </a:solidFill>
-                        <a:latin typeface="Adobe Clean" panose="020B0503020404020204" pitchFamily="34" charset="0"/>
-                      </a:endParaRPr>
                     </a:p>
                   </a:txBody>
                   <a:tcPr anchor="ctr">
@@ -11065,13 +9434,13 @@
                     <a:p>
                       <a:pPr algn="ctr"/>
                       <a:r>
-                        <a:rPr lang="en-US" sz="1100" dirty="0">
+                        <a:rPr lang="pt-BR" sz="1100">
                           <a:solidFill>
                             <a:schemeClr val="tx1"/>
                           </a:solidFill>
                           <a:latin typeface="Adobe Clean" panose="020B0503020404020204" pitchFamily="34" charset="0"/>
                         </a:rPr>
-                        <a:t>6 am – 5:30 pm</a:t>
+                        <a:t>6h – 17h30</a:t>
                       </a:r>
                     </a:p>
                   </a:txBody>
@@ -11130,13 +9499,13 @@
                     <a:p>
                       <a:pPr algn="ctr"/>
                       <a:r>
-                        <a:rPr lang="en-US" sz="1100" dirty="0">
+                        <a:rPr lang="pt-BR" sz="1100">
                           <a:solidFill>
                             <a:schemeClr val="tx1"/>
                           </a:solidFill>
                           <a:latin typeface="Adobe Clean" panose="020B0503020404020204" pitchFamily="34" charset="0"/>
                         </a:rPr>
-                        <a:t>9 am – 5 pm</a:t>
+                        <a:t>9h – 17h</a:t>
                       </a:r>
                     </a:p>
                   </a:txBody>
@@ -11195,13 +9564,13 @@
                     <a:p>
                       <a:pPr algn="ctr"/>
                       <a:r>
-                        <a:rPr lang="en-US" sz="1100" dirty="0">
+                        <a:rPr lang="pt-BR" sz="1100">
                           <a:solidFill>
                             <a:schemeClr val="tx1"/>
                           </a:solidFill>
                           <a:latin typeface="Adobe Clean" panose="020B0503020404020204" pitchFamily="34" charset="0"/>
                         </a:rPr>
-                        <a:t>9 am – 5 pm</a:t>
+                        <a:t>9h – 17h</a:t>
                       </a:r>
                     </a:p>
                   </a:txBody>
@@ -11260,13 +9629,13 @@
                     <a:p>
                       <a:pPr algn="ctr"/>
                       <a:r>
-                        <a:rPr lang="en-US" sz="1100" dirty="0">
+                        <a:rPr lang="pt-BR" sz="1100">
                           <a:solidFill>
                             <a:schemeClr val="tx1"/>
                           </a:solidFill>
                           <a:latin typeface="Adobe Clean" panose="020B0503020404020204" pitchFamily="34" charset="0"/>
                         </a:rPr>
-                        <a:t>9 am – 5:30 pm</a:t>
+                        <a:t>9h – 17h30</a:t>
                       </a:r>
                     </a:p>
                   </a:txBody>
@@ -11346,20 +9715,14 @@
                         <a:buNone/>
                       </a:pPr>
                       <a:r>
-                        <a:rPr lang="en-US" sz="1100" dirty="0">
+                        <a:rPr lang="pt-BR" sz="1100" dirty="0">
                           <a:solidFill>
                             <a:schemeClr val="tx1"/>
                           </a:solidFill>
                           <a:latin typeface="Adobe Clean"/>
                         </a:rPr>
-                        <a:t>Language support is only available in English and Japanese.</a:t>
+                        <a:t>O suporte de idioma está disponível somente em inglês e japonês.</a:t>
                       </a:r>
-                      <a:endParaRPr lang="en-US" sz="1100" dirty="0">
-                        <a:solidFill>
-                          <a:schemeClr val="tx1"/>
-                        </a:solidFill>
-                        <a:latin typeface="Adobe Clean" panose="020B0503020404020204" pitchFamily="34" charset="0"/>
-                      </a:endParaRPr>
                     </a:p>
                     <a:p>
                       <a:pPr marL="0" marR="0" lvl="0" indent="0" algn="ctr" defTabSz="914400" eaLnBrk="1" fontAlgn="auto" latinLnBrk="0" hangingPunct="1">
@@ -11380,17 +9743,17 @@
                         <a:defRPr/>
                       </a:pPr>
                       <a:r>
-                        <a:rPr lang="en-US" sz="1100" i="1" dirty="0">
+                        <a:rPr lang="pt-BR" sz="1100" i="1" dirty="0">
                           <a:solidFill>
                             <a:schemeClr val="tx1"/>
                           </a:solidFill>
                           <a:latin typeface="Adobe Clean"/>
                         </a:rPr>
-                        <a:t>*Adobe Commerce excludes Japanese language support.</a:t>
+                        <a:t>*O Adobe Commerce exclui o suporte ao idioma japonês.</a:t>
                       </a:r>
                     </a:p>
                     <a:p>
-                      <a:pPr algn="ctr"/>
+                      <a:pPr algn="l" rtl="0"/>
                       <a:endParaRPr kumimoji="0" lang="en-US" sz="1100" b="1" i="0" u="none" strike="noStrike" kern="0" cap="none" spc="0" normalizeH="0" baseline="30000" noProof="0" dirty="0">
                         <a:ln>
                           <a:noFill/>
@@ -11409,7 +9772,7 @@
                     <a:p>
                       <a:pPr algn="ctr"/>
                       <a:r>
-                        <a:rPr lang="en-US" sz="1100" i="0" dirty="0">
+                        <a:rPr lang="pt-BR" sz="1100" i="0" dirty="0">
                           <a:solidFill>
                             <a:schemeClr val="tx1"/>
                           </a:solidFill>
@@ -11418,32 +9781,26 @@
                         <a:t> </a:t>
                       </a:r>
                       <a:r>
-                        <a:rPr lang="en-US" sz="1100" i="0" baseline="30000" dirty="0">
+                        <a:rPr lang="pt-BR" sz="1100" i="0" baseline="30000" dirty="0">
                           <a:solidFill>
                             <a:schemeClr val="tx1"/>
                           </a:solidFill>
                           <a:latin typeface="Adobe Clean"/>
                         </a:rPr>
-                        <a:t>1 </a:t>
+                        <a:t>1</a:t>
                       </a:r>
                       <a:r>
-                        <a:rPr lang="en-US" sz="1100" i="0" dirty="0">
+                        <a:rPr lang="pt-BR" sz="1100" i="0" dirty="0">
                           <a:solidFill>
                             <a:schemeClr val="tx1"/>
                           </a:solidFill>
                           <a:latin typeface="Adobe Clean"/>
                         </a:rPr>
-                        <a:t>P2, P3, P4 cases are limited to business hours only in Japan.</a:t>
+                        <a:t>Os casos de prioridade P2, P3 e P4 estão limitados ao horário comercial somente no Japão.</a:t>
                       </a:r>
-                      <a:endParaRPr lang="en-US" sz="1100" b="1" i="0" dirty="0">
-                        <a:solidFill>
-                          <a:schemeClr val="tx1"/>
-                        </a:solidFill>
-                        <a:latin typeface="Adobe Clean"/>
-                      </a:endParaRPr>
-                    </a:p>
-                    <a:p>
-                      <a:pPr algn="ctr"/>
+                    </a:p>
+                    <a:p>
+                      <a:pPr algn="l" rtl="0"/>
                       <a:endParaRPr lang="en-US" sz="1100" dirty="0">
                         <a:solidFill>
                           <a:schemeClr val="tx1"/>
@@ -11804,7 +10161,7 @@
           </a:bodyPr>
           <a:lstStyle/>
           <a:p>
-            <a:pPr marL="139065" marR="5080" indent="-139065">
+            <a:pPr marR="5080" algn="ctr">
               <a:lnSpc>
                 <a:spcPts val="1390"/>
               </a:lnSpc>
@@ -11813,129 +10170,15 @@
               </a:spcBef>
             </a:pPr>
             <a:r>
-              <a:rPr sz="1200" b="1" spc="-15" dirty="0">
+              <a:rPr lang="pt-BR" sz="1200" b="1" dirty="0">
                 <a:solidFill>
                   <a:srgbClr val="FFFFFF"/>
                 </a:solidFill>
                 <a:latin typeface="Adobe Clean"/>
                 <a:cs typeface="Adobe Clean"/>
               </a:rPr>
-              <a:t>U</a:t>
+              <a:t>Experiência sem igual</a:t>
             </a:r>
-            <a:r>
-              <a:rPr sz="1200" b="1" spc="-20" dirty="0">
-                <a:solidFill>
-                  <a:srgbClr val="FFFFFF"/>
-                </a:solidFill>
-                <a:latin typeface="Adobe Clean"/>
-                <a:cs typeface="Adobe Clean"/>
-              </a:rPr>
-              <a:t>n</a:t>
-            </a:r>
-            <a:r>
-              <a:rPr sz="1200" b="1" spc="-25" dirty="0">
-                <a:solidFill>
-                  <a:srgbClr val="FFFFFF"/>
-                </a:solidFill>
-                <a:latin typeface="Adobe Clean"/>
-                <a:cs typeface="Adobe Clean"/>
-              </a:rPr>
-              <a:t>p</a:t>
-            </a:r>
-            <a:r>
-              <a:rPr sz="1200" b="1" spc="-15" dirty="0">
-                <a:solidFill>
-                  <a:srgbClr val="FFFFFF"/>
-                </a:solidFill>
-                <a:latin typeface="Adobe Clean"/>
-                <a:cs typeface="Adobe Clean"/>
-              </a:rPr>
-              <a:t>a</a:t>
-            </a:r>
-            <a:r>
-              <a:rPr sz="1200" b="1" spc="-25" dirty="0">
-                <a:solidFill>
-                  <a:srgbClr val="FFFFFF"/>
-                </a:solidFill>
-                <a:latin typeface="Adobe Clean"/>
-                <a:cs typeface="Adobe Clean"/>
-              </a:rPr>
-              <a:t>r</a:t>
-            </a:r>
-            <a:r>
-              <a:rPr sz="1200" b="1" spc="-15" dirty="0">
-                <a:solidFill>
-                  <a:srgbClr val="FFFFFF"/>
-                </a:solidFill>
-                <a:latin typeface="Adobe Clean"/>
-                <a:cs typeface="Adobe Clean"/>
-              </a:rPr>
-              <a:t>a</a:t>
-            </a:r>
-            <a:r>
-              <a:rPr sz="1200" b="1" spc="-30" dirty="0">
-                <a:solidFill>
-                  <a:srgbClr val="FFFFFF"/>
-                </a:solidFill>
-                <a:latin typeface="Adobe Clean"/>
-                <a:cs typeface="Adobe Clean"/>
-              </a:rPr>
-              <a:t>ll</a:t>
-            </a:r>
-            <a:r>
-              <a:rPr sz="1200" b="1" spc="-25" dirty="0">
-                <a:solidFill>
-                  <a:srgbClr val="FFFFFF"/>
-                </a:solidFill>
-                <a:latin typeface="Adobe Clean"/>
-                <a:cs typeface="Adobe Clean"/>
-              </a:rPr>
-              <a:t>e</a:t>
-            </a:r>
-            <a:r>
-              <a:rPr sz="1200" b="1" spc="-30" dirty="0">
-                <a:solidFill>
-                  <a:srgbClr val="FFFFFF"/>
-                </a:solidFill>
-                <a:latin typeface="Adobe Clean"/>
-                <a:cs typeface="Adobe Clean"/>
-              </a:rPr>
-              <a:t>l</a:t>
-            </a:r>
-            <a:r>
-              <a:rPr sz="1200" b="1" spc="-25" dirty="0">
-                <a:solidFill>
-                  <a:srgbClr val="FFFFFF"/>
-                </a:solidFill>
-                <a:latin typeface="Adobe Clean"/>
-                <a:cs typeface="Adobe Clean"/>
-              </a:rPr>
-              <a:t>e</a:t>
-            </a:r>
-            <a:r>
-              <a:rPr sz="1200" b="1" dirty="0">
-                <a:solidFill>
-                  <a:srgbClr val="FFFFFF"/>
-                </a:solidFill>
-                <a:latin typeface="Adobe Clean"/>
-                <a:cs typeface="Adobe Clean"/>
-              </a:rPr>
-              <a:t>d  </a:t>
-            </a:r>
-            <a:r>
-              <a:rPr sz="1200" b="1" spc="-25" dirty="0">
-                <a:solidFill>
-                  <a:srgbClr val="FFFFFF"/>
-                </a:solidFill>
-                <a:latin typeface="Adobe Clean"/>
-                <a:cs typeface="Adobe Clean"/>
-              </a:rPr>
-              <a:t>Expertise</a:t>
-            </a:r>
-            <a:endParaRPr sz="1200" dirty="0">
-              <a:latin typeface="Adobe Clean"/>
-              <a:cs typeface="Adobe Clean"/>
-            </a:endParaRPr>
           </a:p>
         </p:txBody>
       </p:sp>
@@ -11966,7 +10209,7 @@
           </a:bodyPr>
           <a:lstStyle/>
           <a:p>
-            <a:pPr marL="139065" marR="5080" indent="-139065">
+            <a:pPr marR="5080" algn="ctr">
               <a:lnSpc>
                 <a:spcPts val="1390"/>
               </a:lnSpc>
@@ -11975,19 +10218,15 @@
               </a:spcBef>
             </a:pPr>
             <a:r>
-              <a:rPr lang="en-US" sz="1200" b="1" spc="-15" dirty="0">
+              <a:rPr lang="pt-BR" sz="1200" b="1" dirty="0">
                 <a:solidFill>
                   <a:srgbClr val="FFFFFF"/>
                 </a:solidFill>
                 <a:latin typeface="Adobe Clean"/>
                 <a:cs typeface="Adobe Clean"/>
               </a:rPr>
-              <a:t>Accelerated Support</a:t>
+              <a:t>Suporte acelerado</a:t>
             </a:r>
-            <a:endParaRPr sz="1200" dirty="0">
-              <a:latin typeface="Adobe Clean"/>
-              <a:cs typeface="Adobe Clean"/>
-            </a:endParaRPr>
           </a:p>
         </p:txBody>
       </p:sp>
@@ -12005,8 +10244,8 @@
         </p:nvSpPr>
         <p:spPr>
           <a:xfrm>
-            <a:off x="6624119" y="8543943"/>
-            <a:ext cx="510540" cy="385445"/>
+            <a:off x="6448752" y="8543943"/>
+            <a:ext cx="942648" cy="382797"/>
           </a:xfrm>
           <a:prstGeom prst="rect">
             <a:avLst/>
@@ -12018,7 +10257,7 @@
           </a:bodyPr>
           <a:lstStyle/>
           <a:p>
-            <a:pPr marL="50800" marR="5080" indent="-51435">
+            <a:pPr marL="50800" marR="5080" indent="-51435" algn="ctr">
               <a:lnSpc>
                 <a:spcPts val="1390"/>
               </a:lnSpc>
@@ -12027,109 +10266,15 @@
               </a:spcBef>
             </a:pPr>
             <a:r>
-              <a:rPr sz="1200" b="1" spc="-50" dirty="0">
+              <a:rPr lang="pt-BR" sz="1200" b="1" dirty="0">
                 <a:solidFill>
                   <a:srgbClr val="FFFFFF"/>
                 </a:solidFill>
                 <a:latin typeface="Adobe Clean"/>
                 <a:cs typeface="Adobe Clean"/>
               </a:rPr>
-              <a:t>S</a:t>
+              <a:t>Consultoria estratégica</a:t>
             </a:r>
-            <a:r>
-              <a:rPr sz="1200" b="1" spc="-20" dirty="0">
-                <a:solidFill>
-                  <a:srgbClr val="FFFFFF"/>
-                </a:solidFill>
-                <a:latin typeface="Adobe Clean"/>
-                <a:cs typeface="Adobe Clean"/>
-              </a:rPr>
-              <a:t>t</a:t>
-            </a:r>
-            <a:r>
-              <a:rPr sz="1200" b="1" spc="-75" dirty="0">
-                <a:solidFill>
-                  <a:srgbClr val="FFFFFF"/>
-                </a:solidFill>
-                <a:latin typeface="Adobe Clean"/>
-                <a:cs typeface="Adobe Clean"/>
-              </a:rPr>
-              <a:t>r</a:t>
-            </a:r>
-            <a:r>
-              <a:rPr sz="1200" b="1" spc="-90" dirty="0">
-                <a:solidFill>
-                  <a:srgbClr val="FFFFFF"/>
-                </a:solidFill>
-                <a:latin typeface="Adobe Clean"/>
-                <a:cs typeface="Adobe Clean"/>
-              </a:rPr>
-              <a:t>a</a:t>
-            </a:r>
-            <a:r>
-              <a:rPr sz="1200" b="1" spc="-55" dirty="0">
-                <a:solidFill>
-                  <a:srgbClr val="FFFFFF"/>
-                </a:solidFill>
-                <a:latin typeface="Adobe Clean"/>
-                <a:cs typeface="Adobe Clean"/>
-              </a:rPr>
-              <a:t>t</a:t>
-            </a:r>
-            <a:r>
-              <a:rPr sz="1200" b="1" spc="-100" dirty="0">
-                <a:solidFill>
-                  <a:srgbClr val="FFFFFF"/>
-                </a:solidFill>
-                <a:latin typeface="Adobe Clean"/>
-                <a:cs typeface="Adobe Clean"/>
-              </a:rPr>
-              <a:t>e</a:t>
-            </a:r>
-            <a:r>
-              <a:rPr sz="1200" b="1" spc="-80" dirty="0">
-                <a:solidFill>
-                  <a:srgbClr val="FFFFFF"/>
-                </a:solidFill>
-                <a:latin typeface="Adobe Clean"/>
-                <a:cs typeface="Adobe Clean"/>
-              </a:rPr>
-              <a:t>g</a:t>
-            </a:r>
-            <a:r>
-              <a:rPr sz="1200" b="1" spc="-35" dirty="0">
-                <a:solidFill>
-                  <a:srgbClr val="FFFFFF"/>
-                </a:solidFill>
-                <a:latin typeface="Adobe Clean"/>
-                <a:cs typeface="Adobe Clean"/>
-              </a:rPr>
-              <a:t>i</a:t>
-            </a:r>
-            <a:r>
-              <a:rPr sz="1200" b="1" dirty="0">
-                <a:solidFill>
-                  <a:srgbClr val="FFFFFF"/>
-                </a:solidFill>
-                <a:latin typeface="Adobe Clean"/>
-                <a:cs typeface="Adobe Clean"/>
-              </a:rPr>
-              <a:t>c  </a:t>
-            </a:r>
-            <a:r>
-              <a:rPr sz="1200" b="1" spc="-45" dirty="0">
-                <a:solidFill>
-                  <a:srgbClr val="FFFFFF"/>
-                </a:solidFill>
-                <a:latin typeface="Adobe Clean"/>
-                <a:cs typeface="Adobe Clean"/>
-              </a:rPr>
-              <a:t>Advice</a:t>
-            </a:r>
-            <a:endParaRPr sz="1200" dirty="0">
-              <a:latin typeface="Adobe Clean"/>
-              <a:cs typeface="Adobe Clean"/>
-            </a:endParaRPr>
           </a:p>
         </p:txBody>
       </p:sp>
@@ -12148,14 +10293,14 @@
           <p:nvPr>
             <p:extLst>
               <p:ext uri="{D42A27DB-BD31-4B8C-83A1-F6EECF244321}">
-                <p14:modId xmlns:p14="http://schemas.microsoft.com/office/powerpoint/2010/main" val="1366573891"/>
+                <p14:modId xmlns:p14="http://schemas.microsoft.com/office/powerpoint/2010/main" val="2309550479"/>
               </p:ext>
             </p:extLst>
           </p:nvPr>
         </p:nvGraphicFramePr>
         <p:xfrm>
           <a:off x="194236" y="1059345"/>
-          <a:ext cx="7368291" cy="3235960"/>
+          <a:ext cx="7368291" cy="3540760"/>
         </p:xfrm>
         <a:graphic>
           <a:graphicData uri="http://schemas.openxmlformats.org/drawingml/2006/table">
@@ -12186,7 +10331,7 @@
                     <a:lstStyle/>
                     <a:p>
                       <a:r>
-                        <a:rPr lang="en-US" sz="1100" b="0" dirty="0">
+                        <a:rPr lang="pt-BR" sz="1100" b="0">
                           <a:solidFill>
                             <a:schemeClr val="tx1"/>
                           </a:solidFill>
@@ -12197,14 +10342,6 @@
                         </a:rPr>
                         <a:t>Experience League</a:t>
                       </a:r>
-                      <a:endParaRPr lang="en-US" sz="1100" b="0" dirty="0">
-                        <a:solidFill>
-                          <a:schemeClr val="tx1"/>
-                        </a:solidFill>
-                        <a:latin typeface="Adobe Clean" panose="020B0503020404020204" pitchFamily="34" charset="0"/>
-                        <a:ea typeface="+mn-ea"/>
-                        <a:cs typeface="+mn-cs"/>
-                      </a:endParaRPr>
                     </a:p>
                   </a:txBody>
                   <a:tcPr marL="47625" marR="47625" marT="0" marB="0" anchor="ctr">
@@ -12278,7 +10415,7 @@
                         <a:defRPr/>
                       </a:pPr>
                       <a:r>
-                        <a:rPr lang="en-US" sz="1000" b="0" kern="1200" dirty="0">
+                        <a:rPr lang="pt-BR" sz="1000" b="0" dirty="0">
                           <a:solidFill>
                             <a:srgbClr val="000000"/>
                           </a:solidFill>
@@ -12286,7 +10423,7 @@
                           <a:ea typeface="+mn-ea"/>
                           <a:cs typeface="+mn-cs"/>
                         </a:rPr>
-                        <a:t>Experience League is how Adobe helps businesses achieve the value they expect from their Adobe investment. It’s the unified place where customers can learn, connect, and grow along a personalized path to success that includes self-help tutorials, product documentation, instructor-led training, community and technical support. </a:t>
+                        <a:t>A Experience League foi criada para ajudar as empresas a alcançar o valor que esperam do seu investimento em produtos da Adobe. É o local unificado onde os clientes podem aprender, interagir e crescer ao longo de um caminho personalizado de sucesso que inclui tutoriais de autoatendimento, documentação dos produtos, treinamento com instrutores e suporte técnico e da comunidade. </a:t>
                       </a:r>
                     </a:p>
                   </a:txBody>
@@ -12368,39 +10505,28 @@
                         <a:defRPr/>
                       </a:pPr>
                       <a:r>
-                        <a:rPr lang="en-US" sz="1100" dirty="0">
+                        <a:rPr lang="pt-BR" sz="1100">
                           <a:solidFill>
                             <a:schemeClr val="dk1"/>
                           </a:solidFill>
-                          <a:effectLst/>
                           <a:latin typeface="Adobe Clean" panose="020B0503020404020204" pitchFamily="34" charset="0"/>
                           <a:ea typeface="+mn-ea"/>
                           <a:cs typeface="+mn-cs"/>
                           <a:hlinkClick r:id="rId8"/>
                         </a:rPr>
-                        <a:t>Training</a:t>
+                        <a:t>Treinamento</a:t>
                       </a:r>
                       <a:r>
-                        <a:rPr lang="en-US" sz="1100" dirty="0">
+                        <a:rPr lang="pt-BR" sz="1100">
                           <a:solidFill>
                             <a:schemeClr val="dk1"/>
                           </a:solidFill>
-                          <a:effectLst/>
                           <a:latin typeface="Adobe Clean" panose="020B0503020404020204" pitchFamily="34" charset="0"/>
                           <a:ea typeface="+mn-ea"/>
                           <a:cs typeface="+mn-cs"/>
                         </a:rPr>
                         <a:t> </a:t>
                       </a:r>
-                      <a:endParaRPr lang="en-US" sz="1100" dirty="0">
-                        <a:solidFill>
-                          <a:schemeClr val="tx1"/>
-                        </a:solidFill>
-                        <a:effectLst/>
-                        <a:latin typeface="Adobe Clean" panose="020B0503020404020204" pitchFamily="34" charset="0"/>
-                        <a:ea typeface="+mn-ea"/>
-                        <a:cs typeface="+mn-cs"/>
-                      </a:endParaRPr>
                     </a:p>
                   </a:txBody>
                   <a:tcPr anchor="ctr">
@@ -12474,7 +10600,7 @@
                         <a:defRPr/>
                       </a:pPr>
                       <a:r>
-                        <a:rPr lang="en-US" sz="1000" kern="1200" dirty="0">
+                        <a:rPr lang="pt-BR" sz="1000">
                           <a:solidFill>
                             <a:srgbClr val="000000"/>
                           </a:solidFill>
@@ -12482,7 +10608,7 @@
                           <a:ea typeface="+mn-ea"/>
                           <a:cs typeface="+mn-cs"/>
                         </a:rPr>
-                        <a:t>Adobe Digital Learning Services courses are accessible from Experience League. Learning courses integrate both on-demand and instructor-led lessons.  Here you can accrue skills that have recognized market value and position them to drive success in your organizations.</a:t>
+                        <a:t>O acesso aos cursos do Adobe Digital Learning Services está disponível na Experience League. Os cursos de aprendizagem incluem lições sob demanda e com instrutores.  É um lugar para adquirir habilidades com reconhecido valor de mercado que você pode pôr em prática para impulsionar o sucesso na sua organização.</a:t>
                       </a:r>
                     </a:p>
                   </a:txBody>
@@ -12564,27 +10690,17 @@
                         <a:defRPr/>
                       </a:pPr>
                       <a:r>
-                        <a:rPr lang="en-US" sz="1100" dirty="0">
+                        <a:rPr lang="pt-BR" sz="1100">
                           <a:solidFill>
                             <a:schemeClr val="tx1"/>
                           </a:solidFill>
-                          <a:effectLst/>
                           <a:latin typeface="Adobe Clean" panose="020B0503020404020204" pitchFamily="34" charset="0"/>
                           <a:ea typeface="+mn-ea"/>
                           <a:cs typeface="+mn-cs"/>
                           <a:hlinkClick r:id="rId9"/>
                         </a:rPr>
-                        <a:t>Production Issues &amp; System Outages</a:t>
+                        <a:t>Problemas de produção e paralisações do sistema</a:t>
                       </a:r>
-                      <a:endParaRPr lang="en-US" sz="1100" dirty="0">
-                        <a:solidFill>
-                          <a:schemeClr val="tx1"/>
-                        </a:solidFill>
-                        <a:effectLst/>
-                        <a:latin typeface="Adobe Clean" panose="020B0503020404020204" pitchFamily="34" charset="0"/>
-                        <a:ea typeface="+mn-ea"/>
-                        <a:cs typeface="+mn-cs"/>
-                      </a:endParaRPr>
                     </a:p>
                   </a:txBody>
                   <a:tcPr anchor="ctr">
@@ -12658,7 +10774,7 @@
                         <a:defRPr/>
                       </a:pPr>
                       <a:r>
-                        <a:rPr lang="en-US" sz="1000" kern="1200" dirty="0">
+                        <a:rPr lang="pt-BR" sz="1000">
                           <a:solidFill>
                             <a:srgbClr val="000000"/>
                           </a:solidFill>
@@ -12666,7 +10782,7 @@
                           <a:ea typeface="+mn-ea"/>
                           <a:cs typeface="+mn-cs"/>
                         </a:rPr>
-                        <a:t>Status.adobe.com conveys the health information of all Adobe products and services that are deployed in multi-tenant environments. Customers can choose their subscription preferences to get email notifications whenever Adobe creates, updates or resolves a product event. This can include scheduled maintenance or service issues of varying levels of severity. </a:t>
+                        <a:t>O Status.adobe.com transmite as informações de integridade de todos os produtos e serviços da Adobe implantados em ambientes de vários locatários. Os clientes podem escolher suas preferências de subscrição para receber notificações por email sempre que a Adobe criar, atualizar ou resolver um evento de produto. Isso pode incluir manutenção programada ou problemas de serviço com diferentes níveis de gravidade. </a:t>
                       </a:r>
                     </a:p>
                   </a:txBody>
@@ -12748,27 +10864,17 @@
                         <a:defRPr/>
                       </a:pPr>
                       <a:r>
-                        <a:rPr lang="en-US" sz="1100" dirty="0">
+                        <a:rPr lang="pt-BR" sz="1100">
                           <a:solidFill>
                             <a:schemeClr val="tx1"/>
                           </a:solidFill>
-                          <a:effectLst/>
                           <a:latin typeface="Adobe Clean" panose="020B0503020404020204" pitchFamily="34" charset="0"/>
                           <a:ea typeface="+mn-ea"/>
                           <a:cs typeface="+mn-cs"/>
                           <a:hlinkClick r:id="rId10"/>
                         </a:rPr>
-                        <a:t>Terms and Conditions</a:t>
+                        <a:t>Termos e condições</a:t>
                       </a:r>
-                      <a:endParaRPr lang="en-US" sz="1100" dirty="0">
-                        <a:solidFill>
-                          <a:schemeClr val="tx1"/>
-                        </a:solidFill>
-                        <a:effectLst/>
-                        <a:latin typeface="Adobe Clean" panose="020B0503020404020204" pitchFamily="34" charset="0"/>
-                        <a:ea typeface="+mn-ea"/>
-                        <a:cs typeface="+mn-cs"/>
-                      </a:endParaRPr>
                     </a:p>
                   </a:txBody>
                   <a:tcPr anchor="ctr">
@@ -12825,7 +10931,7 @@
                     <a:lstStyle/>
                     <a:p>
                       <a:r>
-                        <a:rPr lang="en-US" sz="1000" kern="1200" dirty="0">
+                        <a:rPr lang="pt-BR" sz="1000" dirty="0">
                           <a:solidFill>
                             <a:srgbClr val="000000"/>
                           </a:solidFill>
@@ -12833,7 +10939,7 @@
                           <a:ea typeface="+mn-ea"/>
                           <a:cs typeface="+mn-cs"/>
                         </a:rPr>
-                        <a:t>Terms and conditions detailing Support Services offerings.</a:t>
+                        <a:t>Os Termos e condições que detalham os serviços de suporte.</a:t>
                       </a:r>
                     </a:p>
                   </a:txBody>
@@ -13604,9 +11710,12 @@
 </file>
 
 <file path=customXml/item1.xml><?xml version="1.0" encoding="utf-8"?>
-<p:properties xmlns:p="http://schemas.microsoft.com/office/2006/metadata/properties" xmlns:xsi="http://www.w3.org/2001/XMLSchema-instance" xmlns:pc="http://schemas.microsoft.com/office/infopath/2007/PartnerControls">
-  <documentManagement/>
-</p:properties>
+<?mso-contentType ?>
+<FormTemplates xmlns="http://schemas.microsoft.com/sharepoint/v3/contenttype/forms">
+  <Display>DocumentLibraryForm</Display>
+  <Edit>DocumentLibraryForm</Edit>
+  <New>DocumentLibraryForm</New>
+</FormTemplates>
 </file>
 
 <file path=customXml/item2.xml><?xml version="1.0" encoding="utf-8"?>
@@ -13815,27 +11924,15 @@
 </file>
 
 <file path=customXml/item3.xml><?xml version="1.0" encoding="utf-8"?>
-<?mso-contentType ?>
-<FormTemplates xmlns="http://schemas.microsoft.com/sharepoint/v3/contenttype/forms">
-  <Display>DocumentLibraryForm</Display>
-  <Edit>DocumentLibraryForm</Edit>
-  <New>DocumentLibraryForm</New>
-</FormTemplates>
+<p:properties xmlns:p="http://schemas.microsoft.com/office/2006/metadata/properties" xmlns:xsi="http://www.w3.org/2001/XMLSchema-instance" xmlns:pc="http://schemas.microsoft.com/office/infopath/2007/PartnerControls">
+  <documentManagement/>
+</p:properties>
 </file>
 
 <file path=customXml/itemProps1.xml><?xml version="1.0" encoding="utf-8"?>
-<ds:datastoreItem xmlns:ds="http://schemas.openxmlformats.org/officeDocument/2006/customXml" ds:itemID="{8D12BD98-169B-4BEE-86DF-4C9641DF23C4}">
+<ds:datastoreItem xmlns:ds="http://schemas.openxmlformats.org/officeDocument/2006/customXml" ds:itemID="{AC92E7FA-19A2-4675-9C77-2C92D8A268D1}">
   <ds:schemaRefs>
-    <ds:schemaRef ds:uri="http://schemas.microsoft.com/office/2006/documentManagement/types"/>
-    <ds:schemaRef ds:uri="http://purl.org/dc/dcmitype/"/>
-    <ds:schemaRef ds:uri="http://schemas.openxmlformats.org/package/2006/metadata/core-properties"/>
-    <ds:schemaRef ds:uri="http://schemas.microsoft.com/office/infopath/2007/PartnerControls"/>
-    <ds:schemaRef ds:uri="http://www.w3.org/XML/1998/namespace"/>
-    <ds:schemaRef ds:uri="http://schemas.microsoft.com/office/2006/metadata/properties"/>
-    <ds:schemaRef ds:uri="8a053bff-88be-49e4-9a87-e748e18b8b62"/>
-    <ds:schemaRef ds:uri="6c8368ec-3776-49b5-a5bb-90648cf9530f"/>
-    <ds:schemaRef ds:uri="http://purl.org/dc/terms/"/>
-    <ds:schemaRef ds:uri="http://purl.org/dc/elements/1.1/"/>
+    <ds:schemaRef ds:uri="http://schemas.microsoft.com/sharepoint/v3/contenttype/forms"/>
   </ds:schemaRefs>
 </ds:datastoreItem>
 </file>
@@ -13860,9 +11957,18 @@
 </file>
 
 <file path=customXml/itemProps3.xml><?xml version="1.0" encoding="utf-8"?>
-<ds:datastoreItem xmlns:ds="http://schemas.openxmlformats.org/officeDocument/2006/customXml" ds:itemID="{AC92E7FA-19A2-4675-9C77-2C92D8A268D1}">
+<ds:datastoreItem xmlns:ds="http://schemas.openxmlformats.org/officeDocument/2006/customXml" ds:itemID="{8D12BD98-169B-4BEE-86DF-4C9641DF23C4}">
   <ds:schemaRefs>
-    <ds:schemaRef ds:uri="http://schemas.microsoft.com/sharepoint/v3/contenttype/forms"/>
+    <ds:schemaRef ds:uri="http://schemas.microsoft.com/office/2006/documentManagement/types"/>
+    <ds:schemaRef ds:uri="http://purl.org/dc/dcmitype/"/>
+    <ds:schemaRef ds:uri="http://schemas.openxmlformats.org/package/2006/metadata/core-properties"/>
+    <ds:schemaRef ds:uri="http://schemas.microsoft.com/office/infopath/2007/PartnerControls"/>
+    <ds:schemaRef ds:uri="http://www.w3.org/XML/1998/namespace"/>
+    <ds:schemaRef ds:uri="http://schemas.microsoft.com/office/2006/metadata/properties"/>
+    <ds:schemaRef ds:uri="8a053bff-88be-49e4-9a87-e748e18b8b62"/>
+    <ds:schemaRef ds:uri="6c8368ec-3776-49b5-a5bb-90648cf9530f"/>
+    <ds:schemaRef ds:uri="http://purl.org/dc/terms/"/>
+    <ds:schemaRef ds:uri="http://purl.org/dc/elements/1.1/"/>
   </ds:schemaRefs>
 </ds:datastoreItem>
 </file>